--- a/Balancing_Algorithm/Trading algorithm Visualized.pptx
+++ b/Balancing_Algorithm/Trading algorithm Visualized.pptx
@@ -203,7 +203,7 @@
           <a:p>
             <a:fld id="{3EF2900F-B014-4D46-825F-346E50FA2AB7}" type="datetimeFigureOut">
               <a:rPr lang="nl-NL" smtClean="0"/>
-              <a:t>20-12-2017</a:t>
+              <a:t>21-12-2017</a:t>
             </a:fld>
             <a:endParaRPr lang="nl-NL"/>
           </a:p>
@@ -620,7 +620,7 @@
           <a:p>
             <a:fld id="{7440B9EE-5EB6-422A-AB9B-24AF2E0CE231}" type="datetimeFigureOut">
               <a:rPr lang="nl-NL" smtClean="0"/>
-              <a:t>20-12-2017</a:t>
+              <a:t>21-12-2017</a:t>
             </a:fld>
             <a:endParaRPr lang="nl-NL"/>
           </a:p>
@@ -820,7 +820,7 @@
           <a:p>
             <a:fld id="{7440B9EE-5EB6-422A-AB9B-24AF2E0CE231}" type="datetimeFigureOut">
               <a:rPr lang="nl-NL" smtClean="0"/>
-              <a:t>20-12-2017</a:t>
+              <a:t>21-12-2017</a:t>
             </a:fld>
             <a:endParaRPr lang="nl-NL"/>
           </a:p>
@@ -1030,7 +1030,7 @@
           <a:p>
             <a:fld id="{7440B9EE-5EB6-422A-AB9B-24AF2E0CE231}" type="datetimeFigureOut">
               <a:rPr lang="nl-NL" smtClean="0"/>
-              <a:t>20-12-2017</a:t>
+              <a:t>21-12-2017</a:t>
             </a:fld>
             <a:endParaRPr lang="nl-NL"/>
           </a:p>
@@ -1230,7 +1230,7 @@
           <a:p>
             <a:fld id="{7440B9EE-5EB6-422A-AB9B-24AF2E0CE231}" type="datetimeFigureOut">
               <a:rPr lang="nl-NL" smtClean="0"/>
-              <a:t>20-12-2017</a:t>
+              <a:t>21-12-2017</a:t>
             </a:fld>
             <a:endParaRPr lang="nl-NL"/>
           </a:p>
@@ -1506,7 +1506,7 @@
           <a:p>
             <a:fld id="{7440B9EE-5EB6-422A-AB9B-24AF2E0CE231}" type="datetimeFigureOut">
               <a:rPr lang="nl-NL" smtClean="0"/>
-              <a:t>20-12-2017</a:t>
+              <a:t>21-12-2017</a:t>
             </a:fld>
             <a:endParaRPr lang="nl-NL"/>
           </a:p>
@@ -1774,7 +1774,7 @@
           <a:p>
             <a:fld id="{7440B9EE-5EB6-422A-AB9B-24AF2E0CE231}" type="datetimeFigureOut">
               <a:rPr lang="nl-NL" smtClean="0"/>
-              <a:t>20-12-2017</a:t>
+              <a:t>21-12-2017</a:t>
             </a:fld>
             <a:endParaRPr lang="nl-NL"/>
           </a:p>
@@ -2189,7 +2189,7 @@
           <a:p>
             <a:fld id="{7440B9EE-5EB6-422A-AB9B-24AF2E0CE231}" type="datetimeFigureOut">
               <a:rPr lang="nl-NL" smtClean="0"/>
-              <a:t>20-12-2017</a:t>
+              <a:t>21-12-2017</a:t>
             </a:fld>
             <a:endParaRPr lang="nl-NL"/>
           </a:p>
@@ -2331,7 +2331,7 @@
           <a:p>
             <a:fld id="{7440B9EE-5EB6-422A-AB9B-24AF2E0CE231}" type="datetimeFigureOut">
               <a:rPr lang="nl-NL" smtClean="0"/>
-              <a:t>20-12-2017</a:t>
+              <a:t>21-12-2017</a:t>
             </a:fld>
             <a:endParaRPr lang="nl-NL"/>
           </a:p>
@@ -2444,7 +2444,7 @@
           <a:p>
             <a:fld id="{7440B9EE-5EB6-422A-AB9B-24AF2E0CE231}" type="datetimeFigureOut">
               <a:rPr lang="nl-NL" smtClean="0"/>
-              <a:t>20-12-2017</a:t>
+              <a:t>21-12-2017</a:t>
             </a:fld>
             <a:endParaRPr lang="nl-NL"/>
           </a:p>
@@ -2757,7 +2757,7 @@
           <a:p>
             <a:fld id="{7440B9EE-5EB6-422A-AB9B-24AF2E0CE231}" type="datetimeFigureOut">
               <a:rPr lang="nl-NL" smtClean="0"/>
-              <a:t>20-12-2017</a:t>
+              <a:t>21-12-2017</a:t>
             </a:fld>
             <a:endParaRPr lang="nl-NL"/>
           </a:p>
@@ -3046,7 +3046,7 @@
           <a:p>
             <a:fld id="{7440B9EE-5EB6-422A-AB9B-24AF2E0CE231}" type="datetimeFigureOut">
               <a:rPr lang="nl-NL" smtClean="0"/>
-              <a:t>20-12-2017</a:t>
+              <a:t>21-12-2017</a:t>
             </a:fld>
             <a:endParaRPr lang="nl-NL"/>
           </a:p>
@@ -3289,7 +3289,7 @@
           <a:p>
             <a:fld id="{7440B9EE-5EB6-422A-AB9B-24AF2E0CE231}" type="datetimeFigureOut">
               <a:rPr lang="nl-NL" smtClean="0"/>
-              <a:t>20-12-2017</a:t>
+              <a:t>21-12-2017</a:t>
             </a:fld>
             <a:endParaRPr lang="nl-NL"/>
           </a:p>
@@ -9195,14 +9195,11 @@
           <a:p>
             <a:pPr defTabSz="539750"/>
             <a:r>
-              <a:rPr lang="en-US" sz="1050">
+              <a:rPr lang="en-US" sz="1050" dirty="0">
                 <a:latin typeface="Consolas" panose="020B0609020204030204" pitchFamily="49" charset="0"/>
               </a:rPr>
               <a:t>B(0,0,12,5)</a:t>
             </a:r>
-            <a:endParaRPr lang="en-US" sz="1050" dirty="0">
-              <a:latin typeface="Consolas" panose="020B0609020204030204" pitchFamily="49" charset="0"/>
-            </a:endParaRPr>
           </a:p>
         </p:txBody>
       </p:sp>
@@ -9239,14 +9236,11 @@
           <a:p>
             <a:pPr defTabSz="539750"/>
             <a:r>
-              <a:rPr lang="en-US" sz="1050">
+              <a:rPr lang="en-US" sz="1050" dirty="0">
                 <a:latin typeface="Consolas" panose="020B0609020204030204" pitchFamily="49" charset="0"/>
               </a:rPr>
-              <a:t>A(1,0,10,5)</a:t>
-            </a:r>
-            <a:endParaRPr lang="en-US" sz="1050" dirty="0">
-              <a:latin typeface="Consolas" panose="020B0609020204030204" pitchFamily="49" charset="0"/>
-            </a:endParaRPr>
+              <a:t>B(1,0,10,5)</a:t>
+            </a:r>
           </a:p>
         </p:txBody>
       </p:sp>

--- a/Balancing_Algorithm/Trading algorithm Visualized.pptx
+++ b/Balancing_Algorithm/Trading algorithm Visualized.pptx
@@ -5,12 +5,14 @@
     <p:sldMasterId id="2147483648" r:id="rId1"/>
   </p:sldMasterIdLst>
   <p:notesMasterIdLst>
-    <p:notesMasterId r:id="rId5"/>
+    <p:notesMasterId r:id="rId7"/>
   </p:notesMasterIdLst>
   <p:sldIdLst>
-    <p:sldId id="256" r:id="rId2"/>
-    <p:sldId id="257" r:id="rId3"/>
-    <p:sldId id="258" r:id="rId4"/>
+    <p:sldId id="259" r:id="rId2"/>
+    <p:sldId id="260" r:id="rId3"/>
+    <p:sldId id="256" r:id="rId4"/>
+    <p:sldId id="257" r:id="rId5"/>
+    <p:sldId id="258" r:id="rId6"/>
   </p:sldIdLst>
   <p:sldSz cx="12192000" cy="6858000"/>
   <p:notesSz cx="6858000" cy="9144000"/>
@@ -203,7 +205,7 @@
           <a:p>
             <a:fld id="{3EF2900F-B014-4D46-825F-346E50FA2AB7}" type="datetimeFigureOut">
               <a:rPr lang="nl-NL" smtClean="0"/>
-              <a:t>21-12-2017</a:t>
+              <a:t>22-12-2017</a:t>
             </a:fld>
             <a:endParaRPr lang="nl-NL"/>
           </a:p>
@@ -620,7 +622,7 @@
           <a:p>
             <a:fld id="{7440B9EE-5EB6-422A-AB9B-24AF2E0CE231}" type="datetimeFigureOut">
               <a:rPr lang="nl-NL" smtClean="0"/>
-              <a:t>21-12-2017</a:t>
+              <a:t>22-12-2017</a:t>
             </a:fld>
             <a:endParaRPr lang="nl-NL"/>
           </a:p>
@@ -820,7 +822,7 @@
           <a:p>
             <a:fld id="{7440B9EE-5EB6-422A-AB9B-24AF2E0CE231}" type="datetimeFigureOut">
               <a:rPr lang="nl-NL" smtClean="0"/>
-              <a:t>21-12-2017</a:t>
+              <a:t>22-12-2017</a:t>
             </a:fld>
             <a:endParaRPr lang="nl-NL"/>
           </a:p>
@@ -1030,7 +1032,7 @@
           <a:p>
             <a:fld id="{7440B9EE-5EB6-422A-AB9B-24AF2E0CE231}" type="datetimeFigureOut">
               <a:rPr lang="nl-NL" smtClean="0"/>
-              <a:t>21-12-2017</a:t>
+              <a:t>22-12-2017</a:t>
             </a:fld>
             <a:endParaRPr lang="nl-NL"/>
           </a:p>
@@ -1230,7 +1232,7 @@
           <a:p>
             <a:fld id="{7440B9EE-5EB6-422A-AB9B-24AF2E0CE231}" type="datetimeFigureOut">
               <a:rPr lang="nl-NL" smtClean="0"/>
-              <a:t>21-12-2017</a:t>
+              <a:t>22-12-2017</a:t>
             </a:fld>
             <a:endParaRPr lang="nl-NL"/>
           </a:p>
@@ -1506,7 +1508,7 @@
           <a:p>
             <a:fld id="{7440B9EE-5EB6-422A-AB9B-24AF2E0CE231}" type="datetimeFigureOut">
               <a:rPr lang="nl-NL" smtClean="0"/>
-              <a:t>21-12-2017</a:t>
+              <a:t>22-12-2017</a:t>
             </a:fld>
             <a:endParaRPr lang="nl-NL"/>
           </a:p>
@@ -1774,7 +1776,7 @@
           <a:p>
             <a:fld id="{7440B9EE-5EB6-422A-AB9B-24AF2E0CE231}" type="datetimeFigureOut">
               <a:rPr lang="nl-NL" smtClean="0"/>
-              <a:t>21-12-2017</a:t>
+              <a:t>22-12-2017</a:t>
             </a:fld>
             <a:endParaRPr lang="nl-NL"/>
           </a:p>
@@ -2189,7 +2191,7 @@
           <a:p>
             <a:fld id="{7440B9EE-5EB6-422A-AB9B-24AF2E0CE231}" type="datetimeFigureOut">
               <a:rPr lang="nl-NL" smtClean="0"/>
-              <a:t>21-12-2017</a:t>
+              <a:t>22-12-2017</a:t>
             </a:fld>
             <a:endParaRPr lang="nl-NL"/>
           </a:p>
@@ -2331,7 +2333,7 @@
           <a:p>
             <a:fld id="{7440B9EE-5EB6-422A-AB9B-24AF2E0CE231}" type="datetimeFigureOut">
               <a:rPr lang="nl-NL" smtClean="0"/>
-              <a:t>21-12-2017</a:t>
+              <a:t>22-12-2017</a:t>
             </a:fld>
             <a:endParaRPr lang="nl-NL"/>
           </a:p>
@@ -2444,7 +2446,7 @@
           <a:p>
             <a:fld id="{7440B9EE-5EB6-422A-AB9B-24AF2E0CE231}" type="datetimeFigureOut">
               <a:rPr lang="nl-NL" smtClean="0"/>
-              <a:t>21-12-2017</a:t>
+              <a:t>22-12-2017</a:t>
             </a:fld>
             <a:endParaRPr lang="nl-NL"/>
           </a:p>
@@ -2757,7 +2759,7 @@
           <a:p>
             <a:fld id="{7440B9EE-5EB6-422A-AB9B-24AF2E0CE231}" type="datetimeFigureOut">
               <a:rPr lang="nl-NL" smtClean="0"/>
-              <a:t>21-12-2017</a:t>
+              <a:t>22-12-2017</a:t>
             </a:fld>
             <a:endParaRPr lang="nl-NL"/>
           </a:p>
@@ -3046,7 +3048,7 @@
           <a:p>
             <a:fld id="{7440B9EE-5EB6-422A-AB9B-24AF2E0CE231}" type="datetimeFigureOut">
               <a:rPr lang="nl-NL" smtClean="0"/>
-              <a:t>21-12-2017</a:t>
+              <a:t>22-12-2017</a:t>
             </a:fld>
             <a:endParaRPr lang="nl-NL"/>
           </a:p>
@@ -3289,7 +3291,7 @@
           <a:p>
             <a:fld id="{7440B9EE-5EB6-422A-AB9B-24AF2E0CE231}" type="datetimeFigureOut">
               <a:rPr lang="nl-NL" smtClean="0"/>
-              <a:t>21-12-2017</a:t>
+              <a:t>22-12-2017</a:t>
             </a:fld>
             <a:endParaRPr lang="nl-NL"/>
           </a:p>
@@ -3706,6 +3708,5188 @@
           <a:chExt cx="0" cy="0"/>
         </a:xfrm>
       </p:grpSpPr>
+      <p:pic>
+        <p:nvPicPr>
+          <p:cNvPr id="5" name="Graphic 4" descr="Open Folder">
+            <a:extLst>
+              <a:ext uri="{FF2B5EF4-FFF2-40B4-BE49-F238E27FC236}">
+                <a16:creationId xmlns:a16="http://schemas.microsoft.com/office/drawing/2014/main" id="{F9E3FD9D-B4DB-4013-95DB-31014727EC6B}"/>
+              </a:ext>
+            </a:extLst>
+          </p:cNvPr>
+          <p:cNvPicPr>
+            <a:picLocks noChangeAspect="1"/>
+          </p:cNvPicPr>
+          <p:nvPr/>
+        </p:nvPicPr>
+        <p:blipFill>
+          <a:blip r:embed="rId2">
+            <a:extLst>
+              <a:ext uri="{28A0092B-C50C-407E-A947-70E740481C1C}">
+                <a14:useLocalDpi xmlns:a14="http://schemas.microsoft.com/office/drawing/2010/main" val="0"/>
+              </a:ext>
+              <a:ext uri="{96DAC541-7B7A-43D3-8B79-37D633B846F1}">
+                <asvg:svgBlip xmlns:asvg="http://schemas.microsoft.com/office/drawing/2016/SVG/main" r:embed="rId3"/>
+              </a:ext>
+            </a:extLst>
+          </a:blip>
+          <a:stretch>
+            <a:fillRect/>
+          </a:stretch>
+        </p:blipFill>
+        <p:spPr>
+          <a:xfrm>
+            <a:off x="3864691" y="2113905"/>
+            <a:ext cx="572407" cy="572407"/>
+          </a:xfrm>
+          <a:prstGeom prst="rect">
+            <a:avLst/>
+          </a:prstGeom>
+        </p:spPr>
+      </p:pic>
+      <p:pic>
+        <p:nvPicPr>
+          <p:cNvPr id="7" name="Graphic 6" descr="Gears">
+            <a:extLst>
+              <a:ext uri="{FF2B5EF4-FFF2-40B4-BE49-F238E27FC236}">
+                <a16:creationId xmlns:a16="http://schemas.microsoft.com/office/drawing/2014/main" id="{F076D461-03D7-41A7-A0EE-59303AB89DE3}"/>
+              </a:ext>
+            </a:extLst>
+          </p:cNvPr>
+          <p:cNvPicPr>
+            <a:picLocks noChangeAspect="1"/>
+          </p:cNvPicPr>
+          <p:nvPr/>
+        </p:nvPicPr>
+        <p:blipFill>
+          <a:blip r:embed="rId4">
+            <a:extLst>
+              <a:ext uri="{28A0092B-C50C-407E-A947-70E740481C1C}">
+                <a14:useLocalDpi xmlns:a14="http://schemas.microsoft.com/office/drawing/2010/main" val="0"/>
+              </a:ext>
+              <a:ext uri="{96DAC541-7B7A-43D3-8B79-37D633B846F1}">
+                <asvg:svgBlip xmlns:asvg="http://schemas.microsoft.com/office/drawing/2016/SVG/main" r:embed="rId5"/>
+              </a:ext>
+            </a:extLst>
+          </a:blip>
+          <a:stretch>
+            <a:fillRect/>
+          </a:stretch>
+        </p:blipFill>
+        <p:spPr>
+          <a:xfrm>
+            <a:off x="4782592" y="2113905"/>
+            <a:ext cx="572407" cy="572407"/>
+          </a:xfrm>
+          <a:prstGeom prst="rect">
+            <a:avLst/>
+          </a:prstGeom>
+        </p:spPr>
+      </p:pic>
+      <p:pic>
+        <p:nvPicPr>
+          <p:cNvPr id="9" name="Graphic 8" descr="List">
+            <a:extLst>
+              <a:ext uri="{FF2B5EF4-FFF2-40B4-BE49-F238E27FC236}">
+                <a16:creationId xmlns:a16="http://schemas.microsoft.com/office/drawing/2014/main" id="{D0D0414B-4042-494B-B99B-E4F3D08C3BB8}"/>
+              </a:ext>
+            </a:extLst>
+          </p:cNvPr>
+          <p:cNvPicPr>
+            <a:picLocks noChangeAspect="1"/>
+          </p:cNvPicPr>
+          <p:nvPr/>
+        </p:nvPicPr>
+        <p:blipFill>
+          <a:blip r:embed="rId6">
+            <a:extLst>
+              <a:ext uri="{28A0092B-C50C-407E-A947-70E740481C1C}">
+                <a14:useLocalDpi xmlns:a14="http://schemas.microsoft.com/office/drawing/2010/main" val="0"/>
+              </a:ext>
+              <a:ext uri="{96DAC541-7B7A-43D3-8B79-37D633B846F1}">
+                <asvg:svgBlip xmlns:asvg="http://schemas.microsoft.com/office/drawing/2016/SVG/main" r:embed="rId7"/>
+              </a:ext>
+            </a:extLst>
+          </a:blip>
+          <a:stretch>
+            <a:fillRect/>
+          </a:stretch>
+        </p:blipFill>
+        <p:spPr>
+          <a:xfrm>
+            <a:off x="6618821" y="3044049"/>
+            <a:ext cx="572407" cy="572407"/>
+          </a:xfrm>
+          <a:prstGeom prst="rect">
+            <a:avLst/>
+          </a:prstGeom>
+        </p:spPr>
+      </p:pic>
+      <p:pic>
+        <p:nvPicPr>
+          <p:cNvPr id="10" name="Graphic 9" descr="Open Folder">
+            <a:extLst>
+              <a:ext uri="{FF2B5EF4-FFF2-40B4-BE49-F238E27FC236}">
+                <a16:creationId xmlns:a16="http://schemas.microsoft.com/office/drawing/2014/main" id="{B2D0C541-DA96-44A6-B82D-186547D45BC0}"/>
+              </a:ext>
+            </a:extLst>
+          </p:cNvPr>
+          <p:cNvPicPr>
+            <a:picLocks noChangeAspect="1"/>
+          </p:cNvPicPr>
+          <p:nvPr/>
+        </p:nvPicPr>
+        <p:blipFill>
+          <a:blip r:embed="rId2">
+            <a:extLst>
+              <a:ext uri="{28A0092B-C50C-407E-A947-70E740481C1C}">
+                <a14:useLocalDpi xmlns:a14="http://schemas.microsoft.com/office/drawing/2010/main" val="0"/>
+              </a:ext>
+              <a:ext uri="{96DAC541-7B7A-43D3-8B79-37D633B846F1}">
+                <asvg:svgBlip xmlns:asvg="http://schemas.microsoft.com/office/drawing/2016/SVG/main" r:embed="rId3"/>
+              </a:ext>
+            </a:extLst>
+          </a:blip>
+          <a:stretch>
+            <a:fillRect/>
+          </a:stretch>
+        </p:blipFill>
+        <p:spPr>
+          <a:xfrm>
+            <a:off x="5656943" y="2113905"/>
+            <a:ext cx="572407" cy="572407"/>
+          </a:xfrm>
+          <a:prstGeom prst="rect">
+            <a:avLst/>
+          </a:prstGeom>
+        </p:spPr>
+      </p:pic>
+      <p:cxnSp>
+        <p:nvCxnSpPr>
+          <p:cNvPr id="14" name="Straight Arrow Connector 13">
+            <a:extLst>
+              <a:ext uri="{FF2B5EF4-FFF2-40B4-BE49-F238E27FC236}">
+                <a16:creationId xmlns:a16="http://schemas.microsoft.com/office/drawing/2014/main" id="{BD7962BB-CF91-47F6-9CB3-EDD6143CCB21}"/>
+              </a:ext>
+            </a:extLst>
+          </p:cNvPr>
+          <p:cNvCxnSpPr>
+            <a:stCxn id="5" idx="3"/>
+            <a:endCxn id="7" idx="1"/>
+          </p:cNvCxnSpPr>
+          <p:nvPr/>
+        </p:nvCxnSpPr>
+        <p:spPr>
+          <a:xfrm>
+            <a:off x="4437098" y="2400109"/>
+            <a:ext cx="345494" cy="0"/>
+          </a:xfrm>
+          <a:prstGeom prst="straightConnector1">
+            <a:avLst/>
+          </a:prstGeom>
+          <a:ln>
+            <a:solidFill>
+              <a:schemeClr val="tx1"/>
+            </a:solidFill>
+            <a:tailEnd type="triangle"/>
+          </a:ln>
+        </p:spPr>
+        <p:style>
+          <a:lnRef idx="1">
+            <a:schemeClr val="accent1"/>
+          </a:lnRef>
+          <a:fillRef idx="0">
+            <a:schemeClr val="accent1"/>
+          </a:fillRef>
+          <a:effectRef idx="0">
+            <a:schemeClr val="accent1"/>
+          </a:effectRef>
+          <a:fontRef idx="minor">
+            <a:schemeClr val="tx1"/>
+          </a:fontRef>
+        </p:style>
+      </p:cxnSp>
+      <p:cxnSp>
+        <p:nvCxnSpPr>
+          <p:cNvPr id="16" name="Straight Arrow Connector 15">
+            <a:extLst>
+              <a:ext uri="{FF2B5EF4-FFF2-40B4-BE49-F238E27FC236}">
+                <a16:creationId xmlns:a16="http://schemas.microsoft.com/office/drawing/2014/main" id="{F6F12482-5B98-4785-9CD9-BB632DF45D70}"/>
+              </a:ext>
+            </a:extLst>
+          </p:cNvPr>
+          <p:cNvCxnSpPr>
+            <a:stCxn id="7" idx="3"/>
+            <a:endCxn id="10" idx="1"/>
+          </p:cNvCxnSpPr>
+          <p:nvPr/>
+        </p:nvCxnSpPr>
+        <p:spPr>
+          <a:xfrm>
+            <a:off x="5354999" y="2400109"/>
+            <a:ext cx="301944" cy="0"/>
+          </a:xfrm>
+          <a:prstGeom prst="straightConnector1">
+            <a:avLst/>
+          </a:prstGeom>
+          <a:ln>
+            <a:solidFill>
+              <a:schemeClr val="tx1"/>
+            </a:solidFill>
+            <a:tailEnd type="triangle"/>
+          </a:ln>
+        </p:spPr>
+        <p:style>
+          <a:lnRef idx="1">
+            <a:schemeClr val="accent1"/>
+          </a:lnRef>
+          <a:fillRef idx="0">
+            <a:schemeClr val="accent1"/>
+          </a:fillRef>
+          <a:effectRef idx="0">
+            <a:schemeClr val="accent1"/>
+          </a:effectRef>
+          <a:fontRef idx="minor">
+            <a:schemeClr val="tx1"/>
+          </a:fontRef>
+        </p:style>
+      </p:cxnSp>
+      <p:cxnSp>
+        <p:nvCxnSpPr>
+          <p:cNvPr id="18" name="Straight Arrow Connector 17">
+            <a:extLst>
+              <a:ext uri="{FF2B5EF4-FFF2-40B4-BE49-F238E27FC236}">
+                <a16:creationId xmlns:a16="http://schemas.microsoft.com/office/drawing/2014/main" id="{759DB181-0D1F-4AA9-B40D-0E355CD440B3}"/>
+              </a:ext>
+            </a:extLst>
+          </p:cNvPr>
+          <p:cNvCxnSpPr>
+            <a:cxnSpLocks/>
+            <a:stCxn id="7" idx="2"/>
+            <a:endCxn id="27" idx="0"/>
+          </p:cNvCxnSpPr>
+          <p:nvPr/>
+        </p:nvCxnSpPr>
+        <p:spPr>
+          <a:xfrm>
+            <a:off x="5068796" y="2686312"/>
+            <a:ext cx="0" cy="1336266"/>
+          </a:xfrm>
+          <a:prstGeom prst="straightConnector1">
+            <a:avLst/>
+          </a:prstGeom>
+          <a:ln>
+            <a:solidFill>
+              <a:schemeClr val="tx1"/>
+            </a:solidFill>
+            <a:tailEnd type="triangle"/>
+          </a:ln>
+        </p:spPr>
+        <p:style>
+          <a:lnRef idx="1">
+            <a:schemeClr val="accent1"/>
+          </a:lnRef>
+          <a:fillRef idx="0">
+            <a:schemeClr val="accent1"/>
+          </a:fillRef>
+          <a:effectRef idx="0">
+            <a:schemeClr val="accent1"/>
+          </a:effectRef>
+          <a:fontRef idx="minor">
+            <a:schemeClr val="tx1"/>
+          </a:fontRef>
+        </p:style>
+      </p:cxnSp>
+      <p:sp>
+        <p:nvSpPr>
+          <p:cNvPr id="19" name="Rectangle 18">
+            <a:extLst>
+              <a:ext uri="{FF2B5EF4-FFF2-40B4-BE49-F238E27FC236}">
+                <a16:creationId xmlns:a16="http://schemas.microsoft.com/office/drawing/2014/main" id="{921A9786-896F-4EF5-BFD3-79AE40C1C90B}"/>
+              </a:ext>
+            </a:extLst>
+          </p:cNvPr>
+          <p:cNvSpPr/>
+          <p:nvPr/>
+        </p:nvSpPr>
+        <p:spPr>
+          <a:xfrm>
+            <a:off x="3788995" y="1946040"/>
+            <a:ext cx="4593604" cy="2891603"/>
+          </a:xfrm>
+          <a:prstGeom prst="rect">
+            <a:avLst/>
+          </a:prstGeom>
+          <a:noFill/>
+          <a:ln>
+            <a:prstDash val="lgDashDotDot"/>
+          </a:ln>
+        </p:spPr>
+        <p:style>
+          <a:lnRef idx="2">
+            <a:schemeClr val="accent1">
+              <a:shade val="50000"/>
+            </a:schemeClr>
+          </a:lnRef>
+          <a:fillRef idx="1">
+            <a:schemeClr val="accent1"/>
+          </a:fillRef>
+          <a:effectRef idx="0">
+            <a:schemeClr val="accent1"/>
+          </a:effectRef>
+          <a:fontRef idx="minor">
+            <a:schemeClr val="lt1"/>
+          </a:fontRef>
+        </p:style>
+        <p:txBody>
+          <a:bodyPr rtlCol="0" anchor="ctr"/>
+          <a:lstStyle/>
+          <a:p>
+            <a:pPr algn="ctr"/>
+            <a:endParaRPr lang="nl-NL"/>
+          </a:p>
+        </p:txBody>
+      </p:sp>
+      <p:pic>
+        <p:nvPicPr>
+          <p:cNvPr id="25" name="Graphic 24" descr="Gears">
+            <a:extLst>
+              <a:ext uri="{FF2B5EF4-FFF2-40B4-BE49-F238E27FC236}">
+                <a16:creationId xmlns:a16="http://schemas.microsoft.com/office/drawing/2014/main" id="{2DCA40EB-8BAB-4A8A-831B-40A50106CBCD}"/>
+              </a:ext>
+            </a:extLst>
+          </p:cNvPr>
+          <p:cNvPicPr>
+            <a:picLocks noChangeAspect="1"/>
+          </p:cNvPicPr>
+          <p:nvPr/>
+        </p:nvPicPr>
+        <p:blipFill>
+          <a:blip r:embed="rId4">
+            <a:extLst>
+              <a:ext uri="{28A0092B-C50C-407E-A947-70E740481C1C}">
+                <a14:useLocalDpi xmlns:a14="http://schemas.microsoft.com/office/drawing/2010/main" val="0"/>
+              </a:ext>
+              <a:ext uri="{96DAC541-7B7A-43D3-8B79-37D633B846F1}">
+                <asvg:svgBlip xmlns:asvg="http://schemas.microsoft.com/office/drawing/2016/SVG/main" r:embed="rId5"/>
+              </a:ext>
+            </a:extLst>
+          </a:blip>
+          <a:stretch>
+            <a:fillRect/>
+          </a:stretch>
+        </p:blipFill>
+        <p:spPr>
+          <a:xfrm>
+            <a:off x="6618826" y="2119420"/>
+            <a:ext cx="572407" cy="572407"/>
+          </a:xfrm>
+          <a:prstGeom prst="rect">
+            <a:avLst/>
+          </a:prstGeom>
+        </p:spPr>
+      </p:pic>
+      <p:pic>
+        <p:nvPicPr>
+          <p:cNvPr id="27" name="Graphic 26" descr="Checklist">
+            <a:extLst>
+              <a:ext uri="{FF2B5EF4-FFF2-40B4-BE49-F238E27FC236}">
+                <a16:creationId xmlns:a16="http://schemas.microsoft.com/office/drawing/2014/main" id="{4ECEB6AD-1F6F-474F-BB60-DFA528523806}"/>
+              </a:ext>
+            </a:extLst>
+          </p:cNvPr>
+          <p:cNvPicPr>
+            <a:picLocks noChangeAspect="1"/>
+          </p:cNvPicPr>
+          <p:nvPr/>
+        </p:nvPicPr>
+        <p:blipFill>
+          <a:blip r:embed="rId8">
+            <a:extLst>
+              <a:ext uri="{28A0092B-C50C-407E-A947-70E740481C1C}">
+                <a14:useLocalDpi xmlns:a14="http://schemas.microsoft.com/office/drawing/2010/main" val="0"/>
+              </a:ext>
+              <a:ext uri="{96DAC541-7B7A-43D3-8B79-37D633B846F1}">
+                <asvg:svgBlip xmlns:asvg="http://schemas.microsoft.com/office/drawing/2016/SVG/main" r:embed="rId9"/>
+              </a:ext>
+            </a:extLst>
+          </a:blip>
+          <a:stretch>
+            <a:fillRect/>
+          </a:stretch>
+        </p:blipFill>
+        <p:spPr>
+          <a:xfrm>
+            <a:off x="4782592" y="4022578"/>
+            <a:ext cx="572407" cy="572407"/>
+          </a:xfrm>
+          <a:prstGeom prst="rect">
+            <a:avLst/>
+          </a:prstGeom>
+        </p:spPr>
+      </p:pic>
+      <p:cxnSp>
+        <p:nvCxnSpPr>
+          <p:cNvPr id="33" name="Straight Arrow Connector 32">
+            <a:extLst>
+              <a:ext uri="{FF2B5EF4-FFF2-40B4-BE49-F238E27FC236}">
+                <a16:creationId xmlns:a16="http://schemas.microsoft.com/office/drawing/2014/main" id="{E6C454CB-DAA9-458F-882E-2A6976F1F252}"/>
+              </a:ext>
+            </a:extLst>
+          </p:cNvPr>
+          <p:cNvCxnSpPr>
+            <a:stCxn id="10" idx="3"/>
+            <a:endCxn id="25" idx="1"/>
+          </p:cNvCxnSpPr>
+          <p:nvPr/>
+        </p:nvCxnSpPr>
+        <p:spPr>
+          <a:xfrm>
+            <a:off x="6229350" y="2400109"/>
+            <a:ext cx="389476" cy="5515"/>
+          </a:xfrm>
+          <a:prstGeom prst="straightConnector1">
+            <a:avLst/>
+          </a:prstGeom>
+          <a:ln>
+            <a:solidFill>
+              <a:schemeClr val="tx1"/>
+            </a:solidFill>
+            <a:tailEnd type="triangle"/>
+          </a:ln>
+        </p:spPr>
+        <p:style>
+          <a:lnRef idx="1">
+            <a:schemeClr val="accent1"/>
+          </a:lnRef>
+          <a:fillRef idx="0">
+            <a:schemeClr val="accent1"/>
+          </a:fillRef>
+          <a:effectRef idx="0">
+            <a:schemeClr val="accent1"/>
+          </a:effectRef>
+          <a:fontRef idx="minor">
+            <a:schemeClr val="tx1"/>
+          </a:fontRef>
+        </p:style>
+      </p:cxnSp>
+      <p:cxnSp>
+        <p:nvCxnSpPr>
+          <p:cNvPr id="35" name="Straight Arrow Connector 34">
+            <a:extLst>
+              <a:ext uri="{FF2B5EF4-FFF2-40B4-BE49-F238E27FC236}">
+                <a16:creationId xmlns:a16="http://schemas.microsoft.com/office/drawing/2014/main" id="{B9550389-9296-40AD-B321-45F46508F4D7}"/>
+              </a:ext>
+            </a:extLst>
+          </p:cNvPr>
+          <p:cNvCxnSpPr>
+            <a:cxnSpLocks/>
+            <a:stCxn id="25" idx="2"/>
+            <a:endCxn id="9" idx="0"/>
+          </p:cNvCxnSpPr>
+          <p:nvPr/>
+        </p:nvCxnSpPr>
+        <p:spPr>
+          <a:xfrm flipH="1">
+            <a:off x="6905025" y="2691827"/>
+            <a:ext cx="5" cy="352222"/>
+          </a:xfrm>
+          <a:prstGeom prst="straightConnector1">
+            <a:avLst/>
+          </a:prstGeom>
+          <a:ln>
+            <a:solidFill>
+              <a:schemeClr val="tx1"/>
+            </a:solidFill>
+            <a:tailEnd type="triangle"/>
+          </a:ln>
+        </p:spPr>
+        <p:style>
+          <a:lnRef idx="1">
+            <a:schemeClr val="accent1"/>
+          </a:lnRef>
+          <a:fillRef idx="0">
+            <a:schemeClr val="accent1"/>
+          </a:fillRef>
+          <a:effectRef idx="0">
+            <a:schemeClr val="accent1"/>
+          </a:effectRef>
+          <a:fontRef idx="minor">
+            <a:schemeClr val="tx1"/>
+          </a:fontRef>
+        </p:style>
+      </p:cxnSp>
+      <p:pic>
+        <p:nvPicPr>
+          <p:cNvPr id="40" name="Graphic 39" descr="Open Folder">
+            <a:extLst>
+              <a:ext uri="{FF2B5EF4-FFF2-40B4-BE49-F238E27FC236}">
+                <a16:creationId xmlns:a16="http://schemas.microsoft.com/office/drawing/2014/main" id="{FD4A526F-524A-45CB-A867-683CF57687EC}"/>
+              </a:ext>
+            </a:extLst>
+          </p:cNvPr>
+          <p:cNvPicPr>
+            <a:picLocks noChangeAspect="1"/>
+          </p:cNvPicPr>
+          <p:nvPr/>
+        </p:nvPicPr>
+        <p:blipFill>
+          <a:blip r:embed="rId2">
+            <a:extLst>
+              <a:ext uri="{28A0092B-C50C-407E-A947-70E740481C1C}">
+                <a14:useLocalDpi xmlns:a14="http://schemas.microsoft.com/office/drawing/2010/main" val="0"/>
+              </a:ext>
+              <a:ext uri="{96DAC541-7B7A-43D3-8B79-37D633B846F1}">
+                <asvg:svgBlip xmlns:asvg="http://schemas.microsoft.com/office/drawing/2016/SVG/main" r:embed="rId3"/>
+              </a:ext>
+            </a:extLst>
+          </a:blip>
+          <a:stretch>
+            <a:fillRect/>
+          </a:stretch>
+        </p:blipFill>
+        <p:spPr>
+          <a:xfrm>
+            <a:off x="7690586" y="2113905"/>
+            <a:ext cx="572407" cy="572407"/>
+          </a:xfrm>
+          <a:prstGeom prst="rect">
+            <a:avLst/>
+          </a:prstGeom>
+        </p:spPr>
+      </p:pic>
+      <p:cxnSp>
+        <p:nvCxnSpPr>
+          <p:cNvPr id="42" name="Straight Arrow Connector 41">
+            <a:extLst>
+              <a:ext uri="{FF2B5EF4-FFF2-40B4-BE49-F238E27FC236}">
+                <a16:creationId xmlns:a16="http://schemas.microsoft.com/office/drawing/2014/main" id="{D9D029E6-6FD2-48D6-851D-61CF144DBD97}"/>
+              </a:ext>
+            </a:extLst>
+          </p:cNvPr>
+          <p:cNvCxnSpPr>
+            <a:stCxn id="25" idx="3"/>
+            <a:endCxn id="40" idx="1"/>
+          </p:cNvCxnSpPr>
+          <p:nvPr/>
+        </p:nvCxnSpPr>
+        <p:spPr>
+          <a:xfrm flipV="1">
+            <a:off x="7191233" y="2400109"/>
+            <a:ext cx="499353" cy="5515"/>
+          </a:xfrm>
+          <a:prstGeom prst="straightConnector1">
+            <a:avLst/>
+          </a:prstGeom>
+          <a:ln>
+            <a:solidFill>
+              <a:schemeClr val="tx1"/>
+            </a:solidFill>
+            <a:tailEnd type="triangle"/>
+          </a:ln>
+        </p:spPr>
+        <p:style>
+          <a:lnRef idx="1">
+            <a:schemeClr val="accent1"/>
+          </a:lnRef>
+          <a:fillRef idx="0">
+            <a:schemeClr val="accent1"/>
+          </a:fillRef>
+          <a:effectRef idx="0">
+            <a:schemeClr val="accent1"/>
+          </a:effectRef>
+          <a:fontRef idx="minor">
+            <a:schemeClr val="tx1"/>
+          </a:fontRef>
+        </p:style>
+      </p:cxnSp>
+      <p:pic>
+        <p:nvPicPr>
+          <p:cNvPr id="47" name="Graphic 46" descr="Gears">
+            <a:extLst>
+              <a:ext uri="{FF2B5EF4-FFF2-40B4-BE49-F238E27FC236}">
+                <a16:creationId xmlns:a16="http://schemas.microsoft.com/office/drawing/2014/main" id="{2EE621FB-031E-4772-A0A2-0AE2707A6B9C}"/>
+              </a:ext>
+            </a:extLst>
+          </p:cNvPr>
+          <p:cNvPicPr>
+            <a:picLocks noChangeAspect="1"/>
+          </p:cNvPicPr>
+          <p:nvPr/>
+        </p:nvPicPr>
+        <p:blipFill>
+          <a:blip r:embed="rId4">
+            <a:extLst>
+              <a:ext uri="{28A0092B-C50C-407E-A947-70E740481C1C}">
+                <a14:useLocalDpi xmlns:a14="http://schemas.microsoft.com/office/drawing/2010/main" val="0"/>
+              </a:ext>
+              <a:ext uri="{96DAC541-7B7A-43D3-8B79-37D633B846F1}">
+                <asvg:svgBlip xmlns:asvg="http://schemas.microsoft.com/office/drawing/2016/SVG/main" r:embed="rId5"/>
+              </a:ext>
+            </a:extLst>
+          </a:blip>
+          <a:stretch>
+            <a:fillRect/>
+          </a:stretch>
+        </p:blipFill>
+        <p:spPr>
+          <a:xfrm>
+            <a:off x="6618821" y="4022579"/>
+            <a:ext cx="572407" cy="572407"/>
+          </a:xfrm>
+          <a:prstGeom prst="rect">
+            <a:avLst/>
+          </a:prstGeom>
+        </p:spPr>
+      </p:pic>
+      <p:pic>
+        <p:nvPicPr>
+          <p:cNvPr id="51" name="Graphic 50" descr="Checklist">
+            <a:extLst>
+              <a:ext uri="{FF2B5EF4-FFF2-40B4-BE49-F238E27FC236}">
+                <a16:creationId xmlns:a16="http://schemas.microsoft.com/office/drawing/2014/main" id="{85BD70A4-0870-4136-9471-CDB1CCEF142B}"/>
+              </a:ext>
+            </a:extLst>
+          </p:cNvPr>
+          <p:cNvPicPr>
+            <a:picLocks noChangeAspect="1"/>
+          </p:cNvPicPr>
+          <p:nvPr/>
+        </p:nvPicPr>
+        <p:blipFill>
+          <a:blip r:embed="rId8">
+            <a:extLst>
+              <a:ext uri="{28A0092B-C50C-407E-A947-70E740481C1C}">
+                <a14:useLocalDpi xmlns:a14="http://schemas.microsoft.com/office/drawing/2010/main" val="0"/>
+              </a:ext>
+              <a:ext uri="{96DAC541-7B7A-43D3-8B79-37D633B846F1}">
+                <asvg:svgBlip xmlns:asvg="http://schemas.microsoft.com/office/drawing/2016/SVG/main" r:embed="rId9"/>
+              </a:ext>
+            </a:extLst>
+          </a:blip>
+          <a:stretch>
+            <a:fillRect/>
+          </a:stretch>
+        </p:blipFill>
+        <p:spPr>
+          <a:xfrm>
+            <a:off x="7674546" y="4022579"/>
+            <a:ext cx="572407" cy="572407"/>
+          </a:xfrm>
+          <a:prstGeom prst="rect">
+            <a:avLst/>
+          </a:prstGeom>
+        </p:spPr>
+      </p:pic>
+      <p:cxnSp>
+        <p:nvCxnSpPr>
+          <p:cNvPr id="54" name="Straight Arrow Connector 53">
+            <a:extLst>
+              <a:ext uri="{FF2B5EF4-FFF2-40B4-BE49-F238E27FC236}">
+                <a16:creationId xmlns:a16="http://schemas.microsoft.com/office/drawing/2014/main" id="{8E8A29A6-DE06-4E37-8978-F35D29936647}"/>
+              </a:ext>
+            </a:extLst>
+          </p:cNvPr>
+          <p:cNvCxnSpPr>
+            <a:stCxn id="47" idx="1"/>
+            <a:endCxn id="27" idx="3"/>
+          </p:cNvCxnSpPr>
+          <p:nvPr/>
+        </p:nvCxnSpPr>
+        <p:spPr>
+          <a:xfrm flipH="1" flipV="1">
+            <a:off x="5354999" y="4308782"/>
+            <a:ext cx="1263822" cy="1"/>
+          </a:xfrm>
+          <a:prstGeom prst="straightConnector1">
+            <a:avLst/>
+          </a:prstGeom>
+          <a:ln>
+            <a:solidFill>
+              <a:schemeClr val="tx1"/>
+            </a:solidFill>
+            <a:tailEnd type="triangle"/>
+          </a:ln>
+        </p:spPr>
+        <p:style>
+          <a:lnRef idx="1">
+            <a:schemeClr val="accent1"/>
+          </a:lnRef>
+          <a:fillRef idx="0">
+            <a:schemeClr val="accent1"/>
+          </a:fillRef>
+          <a:effectRef idx="0">
+            <a:schemeClr val="accent1"/>
+          </a:effectRef>
+          <a:fontRef idx="minor">
+            <a:schemeClr val="tx1"/>
+          </a:fontRef>
+        </p:style>
+      </p:cxnSp>
+      <p:cxnSp>
+        <p:nvCxnSpPr>
+          <p:cNvPr id="58" name="Straight Arrow Connector 57">
+            <a:extLst>
+              <a:ext uri="{FF2B5EF4-FFF2-40B4-BE49-F238E27FC236}">
+                <a16:creationId xmlns:a16="http://schemas.microsoft.com/office/drawing/2014/main" id="{02FCDDDB-3841-46D5-9E6A-6D5E4D9B3624}"/>
+              </a:ext>
+            </a:extLst>
+          </p:cNvPr>
+          <p:cNvCxnSpPr>
+            <a:stCxn id="51" idx="1"/>
+            <a:endCxn id="47" idx="3"/>
+          </p:cNvCxnSpPr>
+          <p:nvPr/>
+        </p:nvCxnSpPr>
+        <p:spPr>
+          <a:xfrm flipH="1">
+            <a:off x="7191228" y="4308783"/>
+            <a:ext cx="483318" cy="0"/>
+          </a:xfrm>
+          <a:prstGeom prst="straightConnector1">
+            <a:avLst/>
+          </a:prstGeom>
+          <a:ln>
+            <a:solidFill>
+              <a:schemeClr val="tx1"/>
+            </a:solidFill>
+            <a:tailEnd type="triangle"/>
+          </a:ln>
+        </p:spPr>
+        <p:style>
+          <a:lnRef idx="1">
+            <a:schemeClr val="accent1"/>
+          </a:lnRef>
+          <a:fillRef idx="0">
+            <a:schemeClr val="accent1"/>
+          </a:fillRef>
+          <a:effectRef idx="0">
+            <a:schemeClr val="accent1"/>
+          </a:effectRef>
+          <a:fontRef idx="minor">
+            <a:schemeClr val="tx1"/>
+          </a:fontRef>
+        </p:style>
+      </p:cxnSp>
+      <p:cxnSp>
+        <p:nvCxnSpPr>
+          <p:cNvPr id="81" name="Straight Arrow Connector 80">
+            <a:extLst>
+              <a:ext uri="{FF2B5EF4-FFF2-40B4-BE49-F238E27FC236}">
+                <a16:creationId xmlns:a16="http://schemas.microsoft.com/office/drawing/2014/main" id="{63EF0F91-0883-4813-9EBE-4140B5C47DB8}"/>
+              </a:ext>
+            </a:extLst>
+          </p:cNvPr>
+          <p:cNvCxnSpPr>
+            <a:stCxn id="9" idx="2"/>
+            <a:endCxn id="47" idx="0"/>
+          </p:cNvCxnSpPr>
+          <p:nvPr/>
+        </p:nvCxnSpPr>
+        <p:spPr>
+          <a:xfrm>
+            <a:off x="6905025" y="3616456"/>
+            <a:ext cx="0" cy="406123"/>
+          </a:xfrm>
+          <a:prstGeom prst="straightConnector1">
+            <a:avLst/>
+          </a:prstGeom>
+          <a:ln>
+            <a:solidFill>
+              <a:schemeClr val="tx1"/>
+            </a:solidFill>
+            <a:tailEnd type="triangle"/>
+          </a:ln>
+        </p:spPr>
+        <p:style>
+          <a:lnRef idx="1">
+            <a:schemeClr val="accent1"/>
+          </a:lnRef>
+          <a:fillRef idx="0">
+            <a:schemeClr val="accent1"/>
+          </a:fillRef>
+          <a:effectRef idx="0">
+            <a:schemeClr val="accent1"/>
+          </a:effectRef>
+          <a:fontRef idx="minor">
+            <a:schemeClr val="tx1"/>
+          </a:fontRef>
+        </p:style>
+      </p:cxnSp>
+      <p:sp>
+        <p:nvSpPr>
+          <p:cNvPr id="84" name="TextBox 83">
+            <a:extLst>
+              <a:ext uri="{FF2B5EF4-FFF2-40B4-BE49-F238E27FC236}">
+                <a16:creationId xmlns:a16="http://schemas.microsoft.com/office/drawing/2014/main" id="{B77AB488-ACC9-4906-94D1-83BA1AAA0170}"/>
+              </a:ext>
+            </a:extLst>
+          </p:cNvPr>
+          <p:cNvSpPr txBox="1"/>
+          <p:nvPr/>
+        </p:nvSpPr>
+        <p:spPr>
+          <a:xfrm>
+            <a:off x="3788995" y="2502158"/>
+            <a:ext cx="723797" cy="253916"/>
+          </a:xfrm>
+          <a:prstGeom prst="rect">
+            <a:avLst/>
+          </a:prstGeom>
+          <a:noFill/>
+        </p:spPr>
+        <p:txBody>
+          <a:bodyPr wrap="square" rtlCol="0">
+            <a:spAutoFit/>
+          </a:bodyPr>
+          <a:lstStyle/>
+          <a:p>
+            <a:pPr algn="ctr"/>
+            <a:r>
+              <a:rPr lang="en-US" sz="1050" dirty="0"/>
+              <a:t>Orders</a:t>
+            </a:r>
+            <a:endParaRPr lang="nl-NL" sz="1050" dirty="0"/>
+          </a:p>
+        </p:txBody>
+      </p:sp>
+      <p:sp>
+        <p:nvSpPr>
+          <p:cNvPr id="86" name="TextBox 85">
+            <a:extLst>
+              <a:ext uri="{FF2B5EF4-FFF2-40B4-BE49-F238E27FC236}">
+                <a16:creationId xmlns:a16="http://schemas.microsoft.com/office/drawing/2014/main" id="{06B5CF78-2301-4D59-8D9E-C670AA79BBA3}"/>
+              </a:ext>
+            </a:extLst>
+          </p:cNvPr>
+          <p:cNvSpPr txBox="1"/>
+          <p:nvPr/>
+        </p:nvSpPr>
+        <p:spPr>
+          <a:xfrm>
+            <a:off x="5525525" y="2528853"/>
+            <a:ext cx="811671" cy="415498"/>
+          </a:xfrm>
+          <a:prstGeom prst="rect">
+            <a:avLst/>
+          </a:prstGeom>
+          <a:noFill/>
+        </p:spPr>
+        <p:txBody>
+          <a:bodyPr wrap="square" rtlCol="0">
+            <a:spAutoFit/>
+          </a:bodyPr>
+          <a:lstStyle/>
+          <a:p>
+            <a:pPr algn="ctr"/>
+            <a:r>
+              <a:rPr lang="en-US" sz="1050" dirty="0"/>
+              <a:t>Remaining orders</a:t>
+            </a:r>
+            <a:endParaRPr lang="nl-NL" sz="1050" dirty="0"/>
+          </a:p>
+        </p:txBody>
+      </p:sp>
+      <p:sp>
+        <p:nvSpPr>
+          <p:cNvPr id="87" name="TextBox 86">
+            <a:extLst>
+              <a:ext uri="{FF2B5EF4-FFF2-40B4-BE49-F238E27FC236}">
+                <a16:creationId xmlns:a16="http://schemas.microsoft.com/office/drawing/2014/main" id="{CA74BD95-8FCA-40B2-B7D6-16DC778409E8}"/>
+              </a:ext>
+            </a:extLst>
+          </p:cNvPr>
+          <p:cNvSpPr txBox="1"/>
+          <p:nvPr/>
+        </p:nvSpPr>
+        <p:spPr>
+          <a:xfrm>
+            <a:off x="7570928" y="2528853"/>
+            <a:ext cx="811671" cy="415498"/>
+          </a:xfrm>
+          <a:prstGeom prst="rect">
+            <a:avLst/>
+          </a:prstGeom>
+          <a:noFill/>
+        </p:spPr>
+        <p:txBody>
+          <a:bodyPr wrap="square" rtlCol="0">
+            <a:spAutoFit/>
+          </a:bodyPr>
+          <a:lstStyle/>
+          <a:p>
+            <a:pPr algn="ctr"/>
+            <a:r>
+              <a:rPr lang="en-US" sz="1050" dirty="0"/>
+              <a:t>Merged orders</a:t>
+            </a:r>
+            <a:endParaRPr lang="nl-NL" sz="1050" dirty="0"/>
+          </a:p>
+        </p:txBody>
+      </p:sp>
+      <p:sp>
+        <p:nvSpPr>
+          <p:cNvPr id="88" name="TextBox 87">
+            <a:extLst>
+              <a:ext uri="{FF2B5EF4-FFF2-40B4-BE49-F238E27FC236}">
+                <a16:creationId xmlns:a16="http://schemas.microsoft.com/office/drawing/2014/main" id="{4393EE6D-3E06-409B-B218-85ABF884F011}"/>
+              </a:ext>
+            </a:extLst>
+          </p:cNvPr>
+          <p:cNvSpPr txBox="1"/>
+          <p:nvPr/>
+        </p:nvSpPr>
+        <p:spPr>
+          <a:xfrm>
+            <a:off x="4667011" y="4490766"/>
+            <a:ext cx="811671" cy="253916"/>
+          </a:xfrm>
+          <a:prstGeom prst="rect">
+            <a:avLst/>
+          </a:prstGeom>
+          <a:noFill/>
+        </p:spPr>
+        <p:txBody>
+          <a:bodyPr wrap="square" rtlCol="0">
+            <a:spAutoFit/>
+          </a:bodyPr>
+          <a:lstStyle/>
+          <a:p>
+            <a:pPr algn="ctr"/>
+            <a:r>
+              <a:rPr lang="en-US" sz="1050" dirty="0"/>
+              <a:t>Trades</a:t>
+            </a:r>
+          </a:p>
+        </p:txBody>
+      </p:sp>
+      <p:sp>
+        <p:nvSpPr>
+          <p:cNvPr id="89" name="TextBox 88">
+            <a:extLst>
+              <a:ext uri="{FF2B5EF4-FFF2-40B4-BE49-F238E27FC236}">
+                <a16:creationId xmlns:a16="http://schemas.microsoft.com/office/drawing/2014/main" id="{D6674FE2-183D-4626-A80D-052729EC34CC}"/>
+              </a:ext>
+            </a:extLst>
+          </p:cNvPr>
+          <p:cNvSpPr txBox="1"/>
+          <p:nvPr/>
+        </p:nvSpPr>
+        <p:spPr>
+          <a:xfrm>
+            <a:off x="6798180" y="3362511"/>
+            <a:ext cx="1031139" cy="415498"/>
+          </a:xfrm>
+          <a:prstGeom prst="rect">
+            <a:avLst/>
+          </a:prstGeom>
+          <a:noFill/>
+        </p:spPr>
+        <p:txBody>
+          <a:bodyPr wrap="square" rtlCol="0">
+            <a:spAutoFit/>
+          </a:bodyPr>
+          <a:lstStyle/>
+          <a:p>
+            <a:pPr algn="ctr"/>
+            <a:r>
+              <a:rPr lang="en-US" sz="1050" dirty="0"/>
+              <a:t>Cross-reference list</a:t>
+            </a:r>
+          </a:p>
+        </p:txBody>
+      </p:sp>
+      <p:sp>
+        <p:nvSpPr>
+          <p:cNvPr id="90" name="TextBox 89">
+            <a:extLst>
+              <a:ext uri="{FF2B5EF4-FFF2-40B4-BE49-F238E27FC236}">
+                <a16:creationId xmlns:a16="http://schemas.microsoft.com/office/drawing/2014/main" id="{5082539F-39FE-4393-8E98-5D6655ADE5C6}"/>
+              </a:ext>
+            </a:extLst>
+          </p:cNvPr>
+          <p:cNvSpPr txBox="1"/>
+          <p:nvPr/>
+        </p:nvSpPr>
+        <p:spPr>
+          <a:xfrm>
+            <a:off x="7570928" y="4522136"/>
+            <a:ext cx="811671" cy="253916"/>
+          </a:xfrm>
+          <a:prstGeom prst="rect">
+            <a:avLst/>
+          </a:prstGeom>
+          <a:noFill/>
+        </p:spPr>
+        <p:txBody>
+          <a:bodyPr wrap="square" rtlCol="0">
+            <a:spAutoFit/>
+          </a:bodyPr>
+          <a:lstStyle/>
+          <a:p>
+            <a:pPr algn="ctr"/>
+            <a:r>
+              <a:rPr lang="en-US" sz="1050" dirty="0"/>
+              <a:t>Trades</a:t>
+            </a:r>
+          </a:p>
+        </p:txBody>
+      </p:sp>
+      <p:sp>
+        <p:nvSpPr>
+          <p:cNvPr id="91" name="TextBox 90">
+            <a:extLst>
+              <a:ext uri="{FF2B5EF4-FFF2-40B4-BE49-F238E27FC236}">
+                <a16:creationId xmlns:a16="http://schemas.microsoft.com/office/drawing/2014/main" id="{E074E737-267F-405D-9757-3CC5C349B6FF}"/>
+              </a:ext>
+            </a:extLst>
+          </p:cNvPr>
+          <p:cNvSpPr txBox="1"/>
+          <p:nvPr/>
+        </p:nvSpPr>
+        <p:spPr>
+          <a:xfrm>
+            <a:off x="4672779" y="1915666"/>
+            <a:ext cx="811671" cy="253916"/>
+          </a:xfrm>
+          <a:prstGeom prst="rect">
+            <a:avLst/>
+          </a:prstGeom>
+          <a:noFill/>
+        </p:spPr>
+        <p:txBody>
+          <a:bodyPr wrap="square" rtlCol="0">
+            <a:spAutoFit/>
+          </a:bodyPr>
+          <a:lstStyle/>
+          <a:p>
+            <a:pPr algn="ctr"/>
+            <a:r>
+              <a:rPr lang="en-US" sz="1050" dirty="0"/>
+              <a:t>match()</a:t>
+            </a:r>
+          </a:p>
+        </p:txBody>
+      </p:sp>
+      <p:sp>
+        <p:nvSpPr>
+          <p:cNvPr id="92" name="TextBox 91">
+            <a:extLst>
+              <a:ext uri="{FF2B5EF4-FFF2-40B4-BE49-F238E27FC236}">
+                <a16:creationId xmlns:a16="http://schemas.microsoft.com/office/drawing/2014/main" id="{8ADC2033-4B8F-43CF-8126-36CF380D28A6}"/>
+              </a:ext>
+            </a:extLst>
+          </p:cNvPr>
+          <p:cNvSpPr txBox="1"/>
+          <p:nvPr/>
+        </p:nvSpPr>
+        <p:spPr>
+          <a:xfrm>
+            <a:off x="6551544" y="1926988"/>
+            <a:ext cx="811671" cy="253916"/>
+          </a:xfrm>
+          <a:prstGeom prst="rect">
+            <a:avLst/>
+          </a:prstGeom>
+          <a:noFill/>
+        </p:spPr>
+        <p:txBody>
+          <a:bodyPr wrap="square" rtlCol="0">
+            <a:spAutoFit/>
+          </a:bodyPr>
+          <a:lstStyle/>
+          <a:p>
+            <a:pPr algn="ctr"/>
+            <a:r>
+              <a:rPr lang="en-US" sz="1050" dirty="0"/>
+              <a:t>merge()</a:t>
+            </a:r>
+          </a:p>
+        </p:txBody>
+      </p:sp>
+      <p:sp>
+        <p:nvSpPr>
+          <p:cNvPr id="93" name="TextBox 92">
+            <a:extLst>
+              <a:ext uri="{FF2B5EF4-FFF2-40B4-BE49-F238E27FC236}">
+                <a16:creationId xmlns:a16="http://schemas.microsoft.com/office/drawing/2014/main" id="{F6DA09F7-E6FE-4006-A3C9-A59C1E2C6077}"/>
+              </a:ext>
+            </a:extLst>
+          </p:cNvPr>
+          <p:cNvSpPr txBox="1"/>
+          <p:nvPr/>
+        </p:nvSpPr>
+        <p:spPr>
+          <a:xfrm>
+            <a:off x="6431504" y="4490766"/>
+            <a:ext cx="948114" cy="253916"/>
+          </a:xfrm>
+          <a:prstGeom prst="rect">
+            <a:avLst/>
+          </a:prstGeom>
+          <a:noFill/>
+        </p:spPr>
+        <p:txBody>
+          <a:bodyPr wrap="square" rtlCol="0">
+            <a:spAutoFit/>
+          </a:bodyPr>
+          <a:lstStyle/>
+          <a:p>
+            <a:pPr algn="ctr"/>
+            <a:r>
+              <a:rPr lang="en-US" sz="1050" dirty="0"/>
+              <a:t>unmerge()</a:t>
+            </a:r>
+          </a:p>
+        </p:txBody>
+      </p:sp>
+      <p:cxnSp>
+        <p:nvCxnSpPr>
+          <p:cNvPr id="129" name="Straight Arrow Connector 128">
+            <a:extLst>
+              <a:ext uri="{FF2B5EF4-FFF2-40B4-BE49-F238E27FC236}">
+                <a16:creationId xmlns:a16="http://schemas.microsoft.com/office/drawing/2014/main" id="{405F7339-7292-4465-B8B3-5CC316568317}"/>
+              </a:ext>
+            </a:extLst>
+          </p:cNvPr>
+          <p:cNvCxnSpPr>
+            <a:cxnSpLocks/>
+            <a:stCxn id="40" idx="3"/>
+            <a:endCxn id="150" idx="1"/>
+          </p:cNvCxnSpPr>
+          <p:nvPr/>
+        </p:nvCxnSpPr>
+        <p:spPr>
+          <a:xfrm>
+            <a:off x="8262993" y="2400109"/>
+            <a:ext cx="430661" cy="1665"/>
+          </a:xfrm>
+          <a:prstGeom prst="straightConnector1">
+            <a:avLst/>
+          </a:prstGeom>
+          <a:ln>
+            <a:solidFill>
+              <a:schemeClr val="tx1">
+                <a:lumMod val="95000"/>
+                <a:lumOff val="5000"/>
+              </a:schemeClr>
+            </a:solidFill>
+            <a:tailEnd type="triangle"/>
+          </a:ln>
+        </p:spPr>
+        <p:style>
+          <a:lnRef idx="1">
+            <a:schemeClr val="accent1"/>
+          </a:lnRef>
+          <a:fillRef idx="0">
+            <a:schemeClr val="accent1"/>
+          </a:fillRef>
+          <a:effectRef idx="0">
+            <a:schemeClr val="accent1"/>
+          </a:effectRef>
+          <a:fontRef idx="minor">
+            <a:schemeClr val="tx1"/>
+          </a:fontRef>
+        </p:style>
+      </p:cxnSp>
+      <p:cxnSp>
+        <p:nvCxnSpPr>
+          <p:cNvPr id="133" name="Straight Arrow Connector 132">
+            <a:extLst>
+              <a:ext uri="{FF2B5EF4-FFF2-40B4-BE49-F238E27FC236}">
+                <a16:creationId xmlns:a16="http://schemas.microsoft.com/office/drawing/2014/main" id="{AAE959A0-1125-4C78-A770-5E6831E68C23}"/>
+              </a:ext>
+            </a:extLst>
+          </p:cNvPr>
+          <p:cNvCxnSpPr>
+            <a:cxnSpLocks/>
+            <a:stCxn id="51" idx="3"/>
+            <a:endCxn id="155" idx="1"/>
+          </p:cNvCxnSpPr>
+          <p:nvPr/>
+        </p:nvCxnSpPr>
+        <p:spPr>
+          <a:xfrm>
+            <a:off x="8246953" y="4308783"/>
+            <a:ext cx="472083" cy="4133"/>
+          </a:xfrm>
+          <a:prstGeom prst="straightConnector1">
+            <a:avLst/>
+          </a:prstGeom>
+          <a:ln>
+            <a:solidFill>
+              <a:schemeClr val="tx1">
+                <a:lumMod val="95000"/>
+                <a:lumOff val="5000"/>
+              </a:schemeClr>
+            </a:solidFill>
+            <a:headEnd type="triangle"/>
+            <a:tailEnd type="none"/>
+          </a:ln>
+        </p:spPr>
+        <p:style>
+          <a:lnRef idx="1">
+            <a:schemeClr val="accent1"/>
+          </a:lnRef>
+          <a:fillRef idx="0">
+            <a:schemeClr val="accent1"/>
+          </a:fillRef>
+          <a:effectRef idx="0">
+            <a:schemeClr val="accent1"/>
+          </a:effectRef>
+          <a:fontRef idx="minor">
+            <a:schemeClr val="tx1"/>
+          </a:fontRef>
+        </p:style>
+      </p:cxnSp>
+      <p:sp>
+        <p:nvSpPr>
+          <p:cNvPr id="139" name="TextBox 138">
+            <a:extLst>
+              <a:ext uri="{FF2B5EF4-FFF2-40B4-BE49-F238E27FC236}">
+                <a16:creationId xmlns:a16="http://schemas.microsoft.com/office/drawing/2014/main" id="{45B28AF8-4CCF-4994-88A6-CEF3069A5589}"/>
+              </a:ext>
+            </a:extLst>
+          </p:cNvPr>
+          <p:cNvSpPr txBox="1"/>
+          <p:nvPr/>
+        </p:nvSpPr>
+        <p:spPr>
+          <a:xfrm>
+            <a:off x="3691394" y="1669254"/>
+            <a:ext cx="1466196" cy="307777"/>
+          </a:xfrm>
+          <a:prstGeom prst="rect">
+            <a:avLst/>
+          </a:prstGeom>
+          <a:noFill/>
+          <a:ln>
+            <a:noFill/>
+          </a:ln>
+        </p:spPr>
+        <p:txBody>
+          <a:bodyPr wrap="square" rtlCol="0">
+            <a:spAutoFit/>
+          </a:bodyPr>
+          <a:lstStyle/>
+          <a:p>
+            <a:pPr defTabSz="539750"/>
+            <a:r>
+              <a:rPr lang="en-US" sz="1400" i="1" dirty="0"/>
+              <a:t>Node on level n</a:t>
+            </a:r>
+            <a:endParaRPr lang="nl-NL" sz="1400" i="1" dirty="0"/>
+          </a:p>
+        </p:txBody>
+      </p:sp>
+      <p:sp>
+        <p:nvSpPr>
+          <p:cNvPr id="140" name="TextBox 139">
+            <a:extLst>
+              <a:ext uri="{FF2B5EF4-FFF2-40B4-BE49-F238E27FC236}">
+                <a16:creationId xmlns:a16="http://schemas.microsoft.com/office/drawing/2014/main" id="{F0A2C72E-6582-4A3F-800E-4736A6169754}"/>
+              </a:ext>
+            </a:extLst>
+          </p:cNvPr>
+          <p:cNvSpPr txBox="1"/>
+          <p:nvPr/>
+        </p:nvSpPr>
+        <p:spPr>
+          <a:xfrm>
+            <a:off x="8538932" y="1536002"/>
+            <a:ext cx="922169" cy="430887"/>
+          </a:xfrm>
+          <a:prstGeom prst="rect">
+            <a:avLst/>
+          </a:prstGeom>
+          <a:noFill/>
+          <a:ln>
+            <a:noFill/>
+          </a:ln>
+        </p:spPr>
+        <p:txBody>
+          <a:bodyPr wrap="square" rtlCol="0">
+            <a:spAutoFit/>
+          </a:bodyPr>
+          <a:lstStyle/>
+          <a:p>
+            <a:pPr algn="ctr" defTabSz="539750"/>
+            <a:r>
+              <a:rPr lang="en-US" sz="1100" i="1" dirty="0"/>
+              <a:t>Blockchain</a:t>
+            </a:r>
+          </a:p>
+          <a:p>
+            <a:pPr algn="ctr" defTabSz="539750"/>
+            <a:r>
+              <a:rPr lang="en-US" sz="1100" i="1" dirty="0"/>
+              <a:t>level n+1</a:t>
+            </a:r>
+            <a:endParaRPr lang="nl-NL" sz="1100" i="1" dirty="0"/>
+          </a:p>
+        </p:txBody>
+      </p:sp>
+      <p:sp>
+        <p:nvSpPr>
+          <p:cNvPr id="141" name="Rectangle 140">
+            <a:extLst>
+              <a:ext uri="{FF2B5EF4-FFF2-40B4-BE49-F238E27FC236}">
+                <a16:creationId xmlns:a16="http://schemas.microsoft.com/office/drawing/2014/main" id="{99160274-8EC9-4384-86CB-7C3FCCF3C3E3}"/>
+              </a:ext>
+            </a:extLst>
+          </p:cNvPr>
+          <p:cNvSpPr/>
+          <p:nvPr/>
+        </p:nvSpPr>
+        <p:spPr>
+          <a:xfrm>
+            <a:off x="8611248" y="1915665"/>
+            <a:ext cx="724502" cy="2921978"/>
+          </a:xfrm>
+          <a:prstGeom prst="rect">
+            <a:avLst/>
+          </a:prstGeom>
+          <a:noFill/>
+          <a:ln>
+            <a:prstDash val="lgDashDotDot"/>
+          </a:ln>
+        </p:spPr>
+        <p:style>
+          <a:lnRef idx="2">
+            <a:schemeClr val="accent1">
+              <a:shade val="50000"/>
+            </a:schemeClr>
+          </a:lnRef>
+          <a:fillRef idx="1">
+            <a:schemeClr val="accent1"/>
+          </a:fillRef>
+          <a:effectRef idx="0">
+            <a:schemeClr val="accent1"/>
+          </a:effectRef>
+          <a:fontRef idx="minor">
+            <a:schemeClr val="lt1"/>
+          </a:fontRef>
+        </p:style>
+        <p:txBody>
+          <a:bodyPr rtlCol="0" anchor="ctr"/>
+          <a:lstStyle/>
+          <a:p>
+            <a:pPr algn="ctr"/>
+            <a:endParaRPr lang="nl-NL"/>
+          </a:p>
+        </p:txBody>
+      </p:sp>
+      <p:pic>
+        <p:nvPicPr>
+          <p:cNvPr id="146" name="Graphic 145" descr="Link">
+            <a:extLst>
+              <a:ext uri="{FF2B5EF4-FFF2-40B4-BE49-F238E27FC236}">
+                <a16:creationId xmlns:a16="http://schemas.microsoft.com/office/drawing/2014/main" id="{96C5A4C0-FFB4-4DFE-8BA1-ECD56AA7EB57}"/>
+              </a:ext>
+            </a:extLst>
+          </p:cNvPr>
+          <p:cNvPicPr>
+            <a:picLocks noChangeAspect="1"/>
+          </p:cNvPicPr>
+          <p:nvPr/>
+        </p:nvPicPr>
+        <p:blipFill>
+          <a:blip r:embed="rId10">
+            <a:extLst>
+              <a:ext uri="{28A0092B-C50C-407E-A947-70E740481C1C}">
+                <a14:useLocalDpi xmlns:a14="http://schemas.microsoft.com/office/drawing/2010/main" val="0"/>
+              </a:ext>
+              <a:ext uri="{96DAC541-7B7A-43D3-8B79-37D633B846F1}">
+                <asvg:svgBlip xmlns:asvg="http://schemas.microsoft.com/office/drawing/2016/SVG/main" r:embed="rId11"/>
+              </a:ext>
+            </a:extLst>
+          </a:blip>
+          <a:stretch>
+            <a:fillRect/>
+          </a:stretch>
+        </p:blipFill>
+        <p:spPr>
+          <a:xfrm>
+            <a:off x="8750546" y="3111676"/>
+            <a:ext cx="485537" cy="485537"/>
+          </a:xfrm>
+          <a:prstGeom prst="rect">
+            <a:avLst/>
+          </a:prstGeom>
+        </p:spPr>
+      </p:pic>
+      <p:sp>
+        <p:nvSpPr>
+          <p:cNvPr id="148" name="TextBox 147">
+            <a:extLst>
+              <a:ext uri="{FF2B5EF4-FFF2-40B4-BE49-F238E27FC236}">
+                <a16:creationId xmlns:a16="http://schemas.microsoft.com/office/drawing/2014/main" id="{CF437C91-DC3A-4E2E-A999-3679277C70DE}"/>
+              </a:ext>
+            </a:extLst>
+          </p:cNvPr>
+          <p:cNvSpPr txBox="1"/>
+          <p:nvPr/>
+        </p:nvSpPr>
+        <p:spPr>
+          <a:xfrm>
+            <a:off x="2752105" y="1536002"/>
+            <a:ext cx="953321" cy="430887"/>
+          </a:xfrm>
+          <a:prstGeom prst="rect">
+            <a:avLst/>
+          </a:prstGeom>
+          <a:noFill/>
+          <a:ln>
+            <a:noFill/>
+          </a:ln>
+        </p:spPr>
+        <p:txBody>
+          <a:bodyPr wrap="square" rtlCol="0">
+            <a:spAutoFit/>
+          </a:bodyPr>
+          <a:lstStyle/>
+          <a:p>
+            <a:pPr algn="ctr" defTabSz="539750"/>
+            <a:r>
+              <a:rPr lang="en-US" sz="1100" i="1" dirty="0"/>
+              <a:t>Blockchain</a:t>
+            </a:r>
+          </a:p>
+          <a:p>
+            <a:pPr algn="ctr" defTabSz="539750"/>
+            <a:r>
+              <a:rPr lang="en-US" sz="1100" i="1" dirty="0"/>
+              <a:t>level n</a:t>
+            </a:r>
+            <a:endParaRPr lang="nl-NL" sz="1100" i="1" dirty="0"/>
+          </a:p>
+        </p:txBody>
+      </p:sp>
+      <p:pic>
+        <p:nvPicPr>
+          <p:cNvPr id="150" name="Graphic 149" descr="Open Folder">
+            <a:extLst>
+              <a:ext uri="{FF2B5EF4-FFF2-40B4-BE49-F238E27FC236}">
+                <a16:creationId xmlns:a16="http://schemas.microsoft.com/office/drawing/2014/main" id="{19D84907-8C04-4632-A5E4-FD31792515D0}"/>
+              </a:ext>
+            </a:extLst>
+          </p:cNvPr>
+          <p:cNvPicPr>
+            <a:picLocks noChangeAspect="1"/>
+          </p:cNvPicPr>
+          <p:nvPr/>
+        </p:nvPicPr>
+        <p:blipFill>
+          <a:blip r:embed="rId2">
+            <a:extLst>
+              <a:ext uri="{28A0092B-C50C-407E-A947-70E740481C1C}">
+                <a14:useLocalDpi xmlns:a14="http://schemas.microsoft.com/office/drawing/2010/main" val="0"/>
+              </a:ext>
+              <a:ext uri="{96DAC541-7B7A-43D3-8B79-37D633B846F1}">
+                <asvg:svgBlip xmlns:asvg="http://schemas.microsoft.com/office/drawing/2016/SVG/main" r:embed="rId3"/>
+              </a:ext>
+            </a:extLst>
+          </a:blip>
+          <a:stretch>
+            <a:fillRect/>
+          </a:stretch>
+        </p:blipFill>
+        <p:spPr>
+          <a:xfrm>
+            <a:off x="8693654" y="2115570"/>
+            <a:ext cx="572407" cy="572407"/>
+          </a:xfrm>
+          <a:prstGeom prst="rect">
+            <a:avLst/>
+          </a:prstGeom>
+        </p:spPr>
+      </p:pic>
+      <p:pic>
+        <p:nvPicPr>
+          <p:cNvPr id="155" name="Graphic 154" descr="Checklist">
+            <a:extLst>
+              <a:ext uri="{FF2B5EF4-FFF2-40B4-BE49-F238E27FC236}">
+                <a16:creationId xmlns:a16="http://schemas.microsoft.com/office/drawing/2014/main" id="{6E37B747-BC61-4A6E-B506-82EBE5E5B96A}"/>
+              </a:ext>
+            </a:extLst>
+          </p:cNvPr>
+          <p:cNvPicPr>
+            <a:picLocks noChangeAspect="1"/>
+          </p:cNvPicPr>
+          <p:nvPr/>
+        </p:nvPicPr>
+        <p:blipFill>
+          <a:blip r:embed="rId8">
+            <a:extLst>
+              <a:ext uri="{28A0092B-C50C-407E-A947-70E740481C1C}">
+                <a14:useLocalDpi xmlns:a14="http://schemas.microsoft.com/office/drawing/2010/main" val="0"/>
+              </a:ext>
+              <a:ext uri="{96DAC541-7B7A-43D3-8B79-37D633B846F1}">
+                <asvg:svgBlip xmlns:asvg="http://schemas.microsoft.com/office/drawing/2016/SVG/main" r:embed="rId9"/>
+              </a:ext>
+            </a:extLst>
+          </a:blip>
+          <a:stretch>
+            <a:fillRect/>
+          </a:stretch>
+        </p:blipFill>
+        <p:spPr>
+          <a:xfrm>
+            <a:off x="8719036" y="4026712"/>
+            <a:ext cx="572407" cy="572407"/>
+          </a:xfrm>
+          <a:prstGeom prst="rect">
+            <a:avLst/>
+          </a:prstGeom>
+        </p:spPr>
+      </p:pic>
+      <p:sp>
+        <p:nvSpPr>
+          <p:cNvPr id="164" name="Rectangle 163">
+            <a:extLst>
+              <a:ext uri="{FF2B5EF4-FFF2-40B4-BE49-F238E27FC236}">
+                <a16:creationId xmlns:a16="http://schemas.microsoft.com/office/drawing/2014/main" id="{AD4EE9CC-001C-45E7-81C5-37171941C949}"/>
+              </a:ext>
+            </a:extLst>
+          </p:cNvPr>
+          <p:cNvSpPr/>
+          <p:nvPr/>
+        </p:nvSpPr>
+        <p:spPr>
+          <a:xfrm>
+            <a:off x="2838301" y="1915665"/>
+            <a:ext cx="724502" cy="2921978"/>
+          </a:xfrm>
+          <a:prstGeom prst="rect">
+            <a:avLst/>
+          </a:prstGeom>
+          <a:noFill/>
+          <a:ln>
+            <a:prstDash val="lgDashDotDot"/>
+          </a:ln>
+        </p:spPr>
+        <p:style>
+          <a:lnRef idx="2">
+            <a:schemeClr val="accent1">
+              <a:shade val="50000"/>
+            </a:schemeClr>
+          </a:lnRef>
+          <a:fillRef idx="1">
+            <a:schemeClr val="accent1"/>
+          </a:fillRef>
+          <a:effectRef idx="0">
+            <a:schemeClr val="accent1"/>
+          </a:effectRef>
+          <a:fontRef idx="minor">
+            <a:schemeClr val="lt1"/>
+          </a:fontRef>
+        </p:style>
+        <p:txBody>
+          <a:bodyPr rtlCol="0" anchor="ctr"/>
+          <a:lstStyle/>
+          <a:p>
+            <a:pPr algn="ctr"/>
+            <a:endParaRPr lang="nl-NL"/>
+          </a:p>
+        </p:txBody>
+      </p:sp>
+      <p:pic>
+        <p:nvPicPr>
+          <p:cNvPr id="165" name="Graphic 164" descr="Link">
+            <a:extLst>
+              <a:ext uri="{FF2B5EF4-FFF2-40B4-BE49-F238E27FC236}">
+                <a16:creationId xmlns:a16="http://schemas.microsoft.com/office/drawing/2014/main" id="{16C8A7AB-612B-4E74-BF06-D19C74431AB7}"/>
+              </a:ext>
+            </a:extLst>
+          </p:cNvPr>
+          <p:cNvPicPr>
+            <a:picLocks noChangeAspect="1"/>
+          </p:cNvPicPr>
+          <p:nvPr/>
+        </p:nvPicPr>
+        <p:blipFill>
+          <a:blip r:embed="rId10">
+            <a:extLst>
+              <a:ext uri="{28A0092B-C50C-407E-A947-70E740481C1C}">
+                <a14:useLocalDpi xmlns:a14="http://schemas.microsoft.com/office/drawing/2010/main" val="0"/>
+              </a:ext>
+              <a:ext uri="{96DAC541-7B7A-43D3-8B79-37D633B846F1}">
+                <asvg:svgBlip xmlns:asvg="http://schemas.microsoft.com/office/drawing/2016/SVG/main" r:embed="rId11"/>
+              </a:ext>
+            </a:extLst>
+          </a:blip>
+          <a:stretch>
+            <a:fillRect/>
+          </a:stretch>
+        </p:blipFill>
+        <p:spPr>
+          <a:xfrm>
+            <a:off x="2977599" y="3111676"/>
+            <a:ext cx="485537" cy="485537"/>
+          </a:xfrm>
+          <a:prstGeom prst="rect">
+            <a:avLst/>
+          </a:prstGeom>
+        </p:spPr>
+      </p:pic>
+      <p:pic>
+        <p:nvPicPr>
+          <p:cNvPr id="166" name="Graphic 165" descr="Open Folder">
+            <a:extLst>
+              <a:ext uri="{FF2B5EF4-FFF2-40B4-BE49-F238E27FC236}">
+                <a16:creationId xmlns:a16="http://schemas.microsoft.com/office/drawing/2014/main" id="{687FAA8D-0522-4E1C-862D-D7B4E488106B}"/>
+              </a:ext>
+            </a:extLst>
+          </p:cNvPr>
+          <p:cNvPicPr>
+            <a:picLocks noChangeAspect="1"/>
+          </p:cNvPicPr>
+          <p:nvPr/>
+        </p:nvPicPr>
+        <p:blipFill>
+          <a:blip r:embed="rId2">
+            <a:extLst>
+              <a:ext uri="{28A0092B-C50C-407E-A947-70E740481C1C}">
+                <a14:useLocalDpi xmlns:a14="http://schemas.microsoft.com/office/drawing/2010/main" val="0"/>
+              </a:ext>
+              <a:ext uri="{96DAC541-7B7A-43D3-8B79-37D633B846F1}">
+                <asvg:svgBlip xmlns:asvg="http://schemas.microsoft.com/office/drawing/2016/SVG/main" r:embed="rId3"/>
+              </a:ext>
+            </a:extLst>
+          </a:blip>
+          <a:stretch>
+            <a:fillRect/>
+          </a:stretch>
+        </p:blipFill>
+        <p:spPr>
+          <a:xfrm>
+            <a:off x="2920707" y="2115570"/>
+            <a:ext cx="572407" cy="572407"/>
+          </a:xfrm>
+          <a:prstGeom prst="rect">
+            <a:avLst/>
+          </a:prstGeom>
+        </p:spPr>
+      </p:pic>
+      <p:pic>
+        <p:nvPicPr>
+          <p:cNvPr id="167" name="Graphic 166" descr="Checklist">
+            <a:extLst>
+              <a:ext uri="{FF2B5EF4-FFF2-40B4-BE49-F238E27FC236}">
+                <a16:creationId xmlns:a16="http://schemas.microsoft.com/office/drawing/2014/main" id="{C08C81C1-D979-4E05-8C42-AC2E09EF7E61}"/>
+              </a:ext>
+            </a:extLst>
+          </p:cNvPr>
+          <p:cNvPicPr>
+            <a:picLocks noChangeAspect="1"/>
+          </p:cNvPicPr>
+          <p:nvPr/>
+        </p:nvPicPr>
+        <p:blipFill>
+          <a:blip r:embed="rId8">
+            <a:extLst>
+              <a:ext uri="{28A0092B-C50C-407E-A947-70E740481C1C}">
+                <a14:useLocalDpi xmlns:a14="http://schemas.microsoft.com/office/drawing/2010/main" val="0"/>
+              </a:ext>
+              <a:ext uri="{96DAC541-7B7A-43D3-8B79-37D633B846F1}">
+                <asvg:svgBlip xmlns:asvg="http://schemas.microsoft.com/office/drawing/2016/SVG/main" r:embed="rId9"/>
+              </a:ext>
+            </a:extLst>
+          </a:blip>
+          <a:stretch>
+            <a:fillRect/>
+          </a:stretch>
+        </p:blipFill>
+        <p:spPr>
+          <a:xfrm>
+            <a:off x="2946089" y="4026712"/>
+            <a:ext cx="572407" cy="572407"/>
+          </a:xfrm>
+          <a:prstGeom prst="rect">
+            <a:avLst/>
+          </a:prstGeom>
+        </p:spPr>
+      </p:pic>
+      <p:cxnSp>
+        <p:nvCxnSpPr>
+          <p:cNvPr id="169" name="Straight Arrow Connector 168">
+            <a:extLst>
+              <a:ext uri="{FF2B5EF4-FFF2-40B4-BE49-F238E27FC236}">
+                <a16:creationId xmlns:a16="http://schemas.microsoft.com/office/drawing/2014/main" id="{42AB1E3F-1D69-4DB5-B779-D6215519051B}"/>
+              </a:ext>
+            </a:extLst>
+          </p:cNvPr>
+          <p:cNvCxnSpPr>
+            <a:stCxn id="166" idx="3"/>
+            <a:endCxn id="5" idx="1"/>
+          </p:cNvCxnSpPr>
+          <p:nvPr/>
+        </p:nvCxnSpPr>
+        <p:spPr>
+          <a:xfrm flipV="1">
+            <a:off x="3493114" y="2400109"/>
+            <a:ext cx="371577" cy="1665"/>
+          </a:xfrm>
+          <a:prstGeom prst="straightConnector1">
+            <a:avLst/>
+          </a:prstGeom>
+          <a:ln>
+            <a:solidFill>
+              <a:schemeClr val="tx1"/>
+            </a:solidFill>
+            <a:tailEnd type="triangle"/>
+          </a:ln>
+        </p:spPr>
+        <p:style>
+          <a:lnRef idx="1">
+            <a:schemeClr val="accent1"/>
+          </a:lnRef>
+          <a:fillRef idx="0">
+            <a:schemeClr val="accent1"/>
+          </a:fillRef>
+          <a:effectRef idx="0">
+            <a:schemeClr val="accent1"/>
+          </a:effectRef>
+          <a:fontRef idx="minor">
+            <a:schemeClr val="tx1"/>
+          </a:fontRef>
+        </p:style>
+      </p:cxnSp>
+      <p:cxnSp>
+        <p:nvCxnSpPr>
+          <p:cNvPr id="171" name="Straight Arrow Connector 170">
+            <a:extLst>
+              <a:ext uri="{FF2B5EF4-FFF2-40B4-BE49-F238E27FC236}">
+                <a16:creationId xmlns:a16="http://schemas.microsoft.com/office/drawing/2014/main" id="{8CFF6EB4-0222-4833-935C-FBDFD6BF61E9}"/>
+              </a:ext>
+            </a:extLst>
+          </p:cNvPr>
+          <p:cNvCxnSpPr>
+            <a:stCxn id="27" idx="1"/>
+            <a:endCxn id="167" idx="3"/>
+          </p:cNvCxnSpPr>
+          <p:nvPr/>
+        </p:nvCxnSpPr>
+        <p:spPr>
+          <a:xfrm flipH="1">
+            <a:off x="3518496" y="4308782"/>
+            <a:ext cx="1264096" cy="4134"/>
+          </a:xfrm>
+          <a:prstGeom prst="straightConnector1">
+            <a:avLst/>
+          </a:prstGeom>
+          <a:ln>
+            <a:solidFill>
+              <a:schemeClr val="tx1"/>
+            </a:solidFill>
+            <a:tailEnd type="triangle"/>
+          </a:ln>
+        </p:spPr>
+        <p:style>
+          <a:lnRef idx="1">
+            <a:schemeClr val="accent1"/>
+          </a:lnRef>
+          <a:fillRef idx="0">
+            <a:schemeClr val="accent1"/>
+          </a:fillRef>
+          <a:effectRef idx="0">
+            <a:schemeClr val="accent1"/>
+          </a:effectRef>
+          <a:fontRef idx="minor">
+            <a:schemeClr val="tx1"/>
+          </a:fontRef>
+        </p:style>
+      </p:cxnSp>
+    </p:spTree>
+    <p:extLst>
+      <p:ext uri="{BB962C8B-B14F-4D97-AF65-F5344CB8AC3E}">
+        <p14:creationId xmlns:p14="http://schemas.microsoft.com/office/powerpoint/2010/main" val="3182663277"/>
+      </p:ext>
+    </p:extLst>
+  </p:cSld>
+  <p:clrMapOvr>
+    <a:masterClrMapping/>
+  </p:clrMapOvr>
+</p:sld>
+</file>
+
+<file path=ppt/slides/slide2.xml><?xml version="1.0" encoding="utf-8"?>
+<p:sld xmlns:a="http://schemas.openxmlformats.org/drawingml/2006/main" xmlns:r="http://schemas.openxmlformats.org/officeDocument/2006/relationships" xmlns:p="http://schemas.openxmlformats.org/presentationml/2006/main">
+  <p:cSld>
+    <p:spTree>
+      <p:nvGrpSpPr>
+        <p:cNvPr id="1" name=""/>
+        <p:cNvGrpSpPr/>
+        <p:nvPr/>
+      </p:nvGrpSpPr>
+      <p:grpSpPr>
+        <a:xfrm>
+          <a:off x="0" y="0"/>
+          <a:ext cx="0" cy="0"/>
+          <a:chOff x="0" y="0"/>
+          <a:chExt cx="0" cy="0"/>
+        </a:xfrm>
+      </p:grpSpPr>
+      <p:pic>
+        <p:nvPicPr>
+          <p:cNvPr id="5" name="Graphic 4" descr="Open Folder">
+            <a:extLst>
+              <a:ext uri="{FF2B5EF4-FFF2-40B4-BE49-F238E27FC236}">
+                <a16:creationId xmlns:a16="http://schemas.microsoft.com/office/drawing/2014/main" id="{F9E3FD9D-B4DB-4013-95DB-31014727EC6B}"/>
+              </a:ext>
+            </a:extLst>
+          </p:cNvPr>
+          <p:cNvPicPr>
+            <a:picLocks noChangeAspect="1"/>
+          </p:cNvPicPr>
+          <p:nvPr/>
+        </p:nvPicPr>
+        <p:blipFill>
+          <a:blip r:embed="rId2">
+            <a:extLst>
+              <a:ext uri="{28A0092B-C50C-407E-A947-70E740481C1C}">
+                <a14:useLocalDpi xmlns:a14="http://schemas.microsoft.com/office/drawing/2010/main" val="0"/>
+              </a:ext>
+              <a:ext uri="{96DAC541-7B7A-43D3-8B79-37D633B846F1}">
+                <asvg:svgBlip xmlns:asvg="http://schemas.microsoft.com/office/drawing/2016/SVG/main" r:embed="rId3"/>
+              </a:ext>
+            </a:extLst>
+          </a:blip>
+          <a:stretch>
+            <a:fillRect/>
+          </a:stretch>
+        </p:blipFill>
+        <p:spPr>
+          <a:xfrm>
+            <a:off x="1253783" y="1304280"/>
+            <a:ext cx="572407" cy="572407"/>
+          </a:xfrm>
+          <a:prstGeom prst="rect">
+            <a:avLst/>
+          </a:prstGeom>
+        </p:spPr>
+      </p:pic>
+      <p:pic>
+        <p:nvPicPr>
+          <p:cNvPr id="7" name="Graphic 6" descr="Gears">
+            <a:extLst>
+              <a:ext uri="{FF2B5EF4-FFF2-40B4-BE49-F238E27FC236}">
+                <a16:creationId xmlns:a16="http://schemas.microsoft.com/office/drawing/2014/main" id="{F076D461-03D7-41A7-A0EE-59303AB89DE3}"/>
+              </a:ext>
+            </a:extLst>
+          </p:cNvPr>
+          <p:cNvPicPr>
+            <a:picLocks noChangeAspect="1"/>
+          </p:cNvPicPr>
+          <p:nvPr/>
+        </p:nvPicPr>
+        <p:blipFill>
+          <a:blip r:embed="rId4">
+            <a:extLst>
+              <a:ext uri="{28A0092B-C50C-407E-A947-70E740481C1C}">
+                <a14:useLocalDpi xmlns:a14="http://schemas.microsoft.com/office/drawing/2010/main" val="0"/>
+              </a:ext>
+              <a:ext uri="{96DAC541-7B7A-43D3-8B79-37D633B846F1}">
+                <asvg:svgBlip xmlns:asvg="http://schemas.microsoft.com/office/drawing/2016/SVG/main" r:embed="rId5"/>
+              </a:ext>
+            </a:extLst>
+          </a:blip>
+          <a:stretch>
+            <a:fillRect/>
+          </a:stretch>
+        </p:blipFill>
+        <p:spPr>
+          <a:xfrm>
+            <a:off x="2171684" y="1304280"/>
+            <a:ext cx="572407" cy="572407"/>
+          </a:xfrm>
+          <a:prstGeom prst="rect">
+            <a:avLst/>
+          </a:prstGeom>
+        </p:spPr>
+      </p:pic>
+      <p:pic>
+        <p:nvPicPr>
+          <p:cNvPr id="9" name="Graphic 8" descr="List">
+            <a:extLst>
+              <a:ext uri="{FF2B5EF4-FFF2-40B4-BE49-F238E27FC236}">
+                <a16:creationId xmlns:a16="http://schemas.microsoft.com/office/drawing/2014/main" id="{D0D0414B-4042-494B-B99B-E4F3D08C3BB8}"/>
+              </a:ext>
+            </a:extLst>
+          </p:cNvPr>
+          <p:cNvPicPr>
+            <a:picLocks noChangeAspect="1"/>
+          </p:cNvPicPr>
+          <p:nvPr/>
+        </p:nvPicPr>
+        <p:blipFill>
+          <a:blip r:embed="rId6">
+            <a:extLst>
+              <a:ext uri="{28A0092B-C50C-407E-A947-70E740481C1C}">
+                <a14:useLocalDpi xmlns:a14="http://schemas.microsoft.com/office/drawing/2010/main" val="0"/>
+              </a:ext>
+              <a:ext uri="{96DAC541-7B7A-43D3-8B79-37D633B846F1}">
+                <asvg:svgBlip xmlns:asvg="http://schemas.microsoft.com/office/drawing/2016/SVG/main" r:embed="rId7"/>
+              </a:ext>
+            </a:extLst>
+          </a:blip>
+          <a:stretch>
+            <a:fillRect/>
+          </a:stretch>
+        </p:blipFill>
+        <p:spPr>
+          <a:xfrm>
+            <a:off x="4007913" y="2234424"/>
+            <a:ext cx="572407" cy="572407"/>
+          </a:xfrm>
+          <a:prstGeom prst="rect">
+            <a:avLst/>
+          </a:prstGeom>
+        </p:spPr>
+      </p:pic>
+      <p:pic>
+        <p:nvPicPr>
+          <p:cNvPr id="10" name="Graphic 9" descr="Open Folder">
+            <a:extLst>
+              <a:ext uri="{FF2B5EF4-FFF2-40B4-BE49-F238E27FC236}">
+                <a16:creationId xmlns:a16="http://schemas.microsoft.com/office/drawing/2014/main" id="{B2D0C541-DA96-44A6-B82D-186547D45BC0}"/>
+              </a:ext>
+            </a:extLst>
+          </p:cNvPr>
+          <p:cNvPicPr>
+            <a:picLocks noChangeAspect="1"/>
+          </p:cNvPicPr>
+          <p:nvPr/>
+        </p:nvPicPr>
+        <p:blipFill>
+          <a:blip r:embed="rId2">
+            <a:extLst>
+              <a:ext uri="{28A0092B-C50C-407E-A947-70E740481C1C}">
+                <a14:useLocalDpi xmlns:a14="http://schemas.microsoft.com/office/drawing/2010/main" val="0"/>
+              </a:ext>
+              <a:ext uri="{96DAC541-7B7A-43D3-8B79-37D633B846F1}">
+                <asvg:svgBlip xmlns:asvg="http://schemas.microsoft.com/office/drawing/2016/SVG/main" r:embed="rId3"/>
+              </a:ext>
+            </a:extLst>
+          </a:blip>
+          <a:stretch>
+            <a:fillRect/>
+          </a:stretch>
+        </p:blipFill>
+        <p:spPr>
+          <a:xfrm>
+            <a:off x="3046035" y="1304280"/>
+            <a:ext cx="572407" cy="572407"/>
+          </a:xfrm>
+          <a:prstGeom prst="rect">
+            <a:avLst/>
+          </a:prstGeom>
+        </p:spPr>
+      </p:pic>
+      <p:cxnSp>
+        <p:nvCxnSpPr>
+          <p:cNvPr id="14" name="Straight Arrow Connector 13">
+            <a:extLst>
+              <a:ext uri="{FF2B5EF4-FFF2-40B4-BE49-F238E27FC236}">
+                <a16:creationId xmlns:a16="http://schemas.microsoft.com/office/drawing/2014/main" id="{BD7962BB-CF91-47F6-9CB3-EDD6143CCB21}"/>
+              </a:ext>
+            </a:extLst>
+          </p:cNvPr>
+          <p:cNvCxnSpPr>
+            <a:stCxn id="5" idx="3"/>
+            <a:endCxn id="7" idx="1"/>
+          </p:cNvCxnSpPr>
+          <p:nvPr/>
+        </p:nvCxnSpPr>
+        <p:spPr>
+          <a:xfrm>
+            <a:off x="1826190" y="1590484"/>
+            <a:ext cx="345494" cy="0"/>
+          </a:xfrm>
+          <a:prstGeom prst="straightConnector1">
+            <a:avLst/>
+          </a:prstGeom>
+          <a:ln>
+            <a:solidFill>
+              <a:schemeClr val="tx1"/>
+            </a:solidFill>
+            <a:tailEnd type="triangle"/>
+          </a:ln>
+        </p:spPr>
+        <p:style>
+          <a:lnRef idx="1">
+            <a:schemeClr val="accent1"/>
+          </a:lnRef>
+          <a:fillRef idx="0">
+            <a:schemeClr val="accent1"/>
+          </a:fillRef>
+          <a:effectRef idx="0">
+            <a:schemeClr val="accent1"/>
+          </a:effectRef>
+          <a:fontRef idx="minor">
+            <a:schemeClr val="tx1"/>
+          </a:fontRef>
+        </p:style>
+      </p:cxnSp>
+      <p:cxnSp>
+        <p:nvCxnSpPr>
+          <p:cNvPr id="16" name="Straight Arrow Connector 15">
+            <a:extLst>
+              <a:ext uri="{FF2B5EF4-FFF2-40B4-BE49-F238E27FC236}">
+                <a16:creationId xmlns:a16="http://schemas.microsoft.com/office/drawing/2014/main" id="{F6F12482-5B98-4785-9CD9-BB632DF45D70}"/>
+              </a:ext>
+            </a:extLst>
+          </p:cNvPr>
+          <p:cNvCxnSpPr>
+            <a:stCxn id="7" idx="3"/>
+            <a:endCxn id="10" idx="1"/>
+          </p:cNvCxnSpPr>
+          <p:nvPr/>
+        </p:nvCxnSpPr>
+        <p:spPr>
+          <a:xfrm>
+            <a:off x="2744091" y="1590484"/>
+            <a:ext cx="301944" cy="0"/>
+          </a:xfrm>
+          <a:prstGeom prst="straightConnector1">
+            <a:avLst/>
+          </a:prstGeom>
+          <a:ln>
+            <a:solidFill>
+              <a:schemeClr val="tx1"/>
+            </a:solidFill>
+            <a:tailEnd type="triangle"/>
+          </a:ln>
+        </p:spPr>
+        <p:style>
+          <a:lnRef idx="1">
+            <a:schemeClr val="accent1"/>
+          </a:lnRef>
+          <a:fillRef idx="0">
+            <a:schemeClr val="accent1"/>
+          </a:fillRef>
+          <a:effectRef idx="0">
+            <a:schemeClr val="accent1"/>
+          </a:effectRef>
+          <a:fontRef idx="minor">
+            <a:schemeClr val="tx1"/>
+          </a:fontRef>
+        </p:style>
+      </p:cxnSp>
+      <p:cxnSp>
+        <p:nvCxnSpPr>
+          <p:cNvPr id="18" name="Straight Arrow Connector 17">
+            <a:extLst>
+              <a:ext uri="{FF2B5EF4-FFF2-40B4-BE49-F238E27FC236}">
+                <a16:creationId xmlns:a16="http://schemas.microsoft.com/office/drawing/2014/main" id="{759DB181-0D1F-4AA9-B40D-0E355CD440B3}"/>
+              </a:ext>
+            </a:extLst>
+          </p:cNvPr>
+          <p:cNvCxnSpPr>
+            <a:cxnSpLocks/>
+            <a:stCxn id="7" idx="2"/>
+            <a:endCxn id="27" idx="0"/>
+          </p:cNvCxnSpPr>
+          <p:nvPr/>
+        </p:nvCxnSpPr>
+        <p:spPr>
+          <a:xfrm>
+            <a:off x="2457888" y="1876687"/>
+            <a:ext cx="0" cy="1336266"/>
+          </a:xfrm>
+          <a:prstGeom prst="straightConnector1">
+            <a:avLst/>
+          </a:prstGeom>
+          <a:ln>
+            <a:solidFill>
+              <a:schemeClr val="tx1"/>
+            </a:solidFill>
+            <a:tailEnd type="triangle"/>
+          </a:ln>
+        </p:spPr>
+        <p:style>
+          <a:lnRef idx="1">
+            <a:schemeClr val="accent1"/>
+          </a:lnRef>
+          <a:fillRef idx="0">
+            <a:schemeClr val="accent1"/>
+          </a:fillRef>
+          <a:effectRef idx="0">
+            <a:schemeClr val="accent1"/>
+          </a:effectRef>
+          <a:fontRef idx="minor">
+            <a:schemeClr val="tx1"/>
+          </a:fontRef>
+        </p:style>
+      </p:cxnSp>
+      <p:sp>
+        <p:nvSpPr>
+          <p:cNvPr id="19" name="Rectangle 18">
+            <a:extLst>
+              <a:ext uri="{FF2B5EF4-FFF2-40B4-BE49-F238E27FC236}">
+                <a16:creationId xmlns:a16="http://schemas.microsoft.com/office/drawing/2014/main" id="{921A9786-896F-4EF5-BFD3-79AE40C1C90B}"/>
+              </a:ext>
+            </a:extLst>
+          </p:cNvPr>
+          <p:cNvSpPr/>
+          <p:nvPr/>
+        </p:nvSpPr>
+        <p:spPr>
+          <a:xfrm>
+            <a:off x="1178087" y="1106040"/>
+            <a:ext cx="4593604" cy="2891603"/>
+          </a:xfrm>
+          <a:prstGeom prst="rect">
+            <a:avLst/>
+          </a:prstGeom>
+          <a:noFill/>
+          <a:ln>
+            <a:prstDash val="lgDashDotDot"/>
+          </a:ln>
+        </p:spPr>
+        <p:style>
+          <a:lnRef idx="2">
+            <a:schemeClr val="accent1">
+              <a:shade val="50000"/>
+            </a:schemeClr>
+          </a:lnRef>
+          <a:fillRef idx="1">
+            <a:schemeClr val="accent1"/>
+          </a:fillRef>
+          <a:effectRef idx="0">
+            <a:schemeClr val="accent1"/>
+          </a:effectRef>
+          <a:fontRef idx="minor">
+            <a:schemeClr val="lt1"/>
+          </a:fontRef>
+        </p:style>
+        <p:txBody>
+          <a:bodyPr rtlCol="0" anchor="ctr"/>
+          <a:lstStyle/>
+          <a:p>
+            <a:pPr algn="ctr"/>
+            <a:endParaRPr lang="nl-NL"/>
+          </a:p>
+        </p:txBody>
+      </p:sp>
+      <p:pic>
+        <p:nvPicPr>
+          <p:cNvPr id="25" name="Graphic 24" descr="Gears">
+            <a:extLst>
+              <a:ext uri="{FF2B5EF4-FFF2-40B4-BE49-F238E27FC236}">
+                <a16:creationId xmlns:a16="http://schemas.microsoft.com/office/drawing/2014/main" id="{2DCA40EB-8BAB-4A8A-831B-40A50106CBCD}"/>
+              </a:ext>
+            </a:extLst>
+          </p:cNvPr>
+          <p:cNvPicPr>
+            <a:picLocks noChangeAspect="1"/>
+          </p:cNvPicPr>
+          <p:nvPr/>
+        </p:nvPicPr>
+        <p:blipFill>
+          <a:blip r:embed="rId4">
+            <a:extLst>
+              <a:ext uri="{28A0092B-C50C-407E-A947-70E740481C1C}">
+                <a14:useLocalDpi xmlns:a14="http://schemas.microsoft.com/office/drawing/2010/main" val="0"/>
+              </a:ext>
+              <a:ext uri="{96DAC541-7B7A-43D3-8B79-37D633B846F1}">
+                <asvg:svgBlip xmlns:asvg="http://schemas.microsoft.com/office/drawing/2016/SVG/main" r:embed="rId5"/>
+              </a:ext>
+            </a:extLst>
+          </a:blip>
+          <a:stretch>
+            <a:fillRect/>
+          </a:stretch>
+        </p:blipFill>
+        <p:spPr>
+          <a:xfrm>
+            <a:off x="4007918" y="1309795"/>
+            <a:ext cx="572407" cy="572407"/>
+          </a:xfrm>
+          <a:prstGeom prst="rect">
+            <a:avLst/>
+          </a:prstGeom>
+        </p:spPr>
+      </p:pic>
+      <p:pic>
+        <p:nvPicPr>
+          <p:cNvPr id="27" name="Graphic 26" descr="Checklist">
+            <a:extLst>
+              <a:ext uri="{FF2B5EF4-FFF2-40B4-BE49-F238E27FC236}">
+                <a16:creationId xmlns:a16="http://schemas.microsoft.com/office/drawing/2014/main" id="{4ECEB6AD-1F6F-474F-BB60-DFA528523806}"/>
+              </a:ext>
+            </a:extLst>
+          </p:cNvPr>
+          <p:cNvPicPr>
+            <a:picLocks noChangeAspect="1"/>
+          </p:cNvPicPr>
+          <p:nvPr/>
+        </p:nvPicPr>
+        <p:blipFill>
+          <a:blip r:embed="rId8">
+            <a:extLst>
+              <a:ext uri="{28A0092B-C50C-407E-A947-70E740481C1C}">
+                <a14:useLocalDpi xmlns:a14="http://schemas.microsoft.com/office/drawing/2010/main" val="0"/>
+              </a:ext>
+              <a:ext uri="{96DAC541-7B7A-43D3-8B79-37D633B846F1}">
+                <asvg:svgBlip xmlns:asvg="http://schemas.microsoft.com/office/drawing/2016/SVG/main" r:embed="rId9"/>
+              </a:ext>
+            </a:extLst>
+          </a:blip>
+          <a:stretch>
+            <a:fillRect/>
+          </a:stretch>
+        </p:blipFill>
+        <p:spPr>
+          <a:xfrm>
+            <a:off x="2171684" y="3212953"/>
+            <a:ext cx="572407" cy="572407"/>
+          </a:xfrm>
+          <a:prstGeom prst="rect">
+            <a:avLst/>
+          </a:prstGeom>
+        </p:spPr>
+      </p:pic>
+      <p:cxnSp>
+        <p:nvCxnSpPr>
+          <p:cNvPr id="33" name="Straight Arrow Connector 32">
+            <a:extLst>
+              <a:ext uri="{FF2B5EF4-FFF2-40B4-BE49-F238E27FC236}">
+                <a16:creationId xmlns:a16="http://schemas.microsoft.com/office/drawing/2014/main" id="{E6C454CB-DAA9-458F-882E-2A6976F1F252}"/>
+              </a:ext>
+            </a:extLst>
+          </p:cNvPr>
+          <p:cNvCxnSpPr>
+            <a:stCxn id="10" idx="3"/>
+            <a:endCxn id="25" idx="1"/>
+          </p:cNvCxnSpPr>
+          <p:nvPr/>
+        </p:nvCxnSpPr>
+        <p:spPr>
+          <a:xfrm>
+            <a:off x="3618442" y="1590484"/>
+            <a:ext cx="389476" cy="5515"/>
+          </a:xfrm>
+          <a:prstGeom prst="straightConnector1">
+            <a:avLst/>
+          </a:prstGeom>
+          <a:ln>
+            <a:solidFill>
+              <a:schemeClr val="tx1"/>
+            </a:solidFill>
+            <a:tailEnd type="triangle"/>
+          </a:ln>
+        </p:spPr>
+        <p:style>
+          <a:lnRef idx="1">
+            <a:schemeClr val="accent1"/>
+          </a:lnRef>
+          <a:fillRef idx="0">
+            <a:schemeClr val="accent1"/>
+          </a:fillRef>
+          <a:effectRef idx="0">
+            <a:schemeClr val="accent1"/>
+          </a:effectRef>
+          <a:fontRef idx="minor">
+            <a:schemeClr val="tx1"/>
+          </a:fontRef>
+        </p:style>
+      </p:cxnSp>
+      <p:cxnSp>
+        <p:nvCxnSpPr>
+          <p:cNvPr id="35" name="Straight Arrow Connector 34">
+            <a:extLst>
+              <a:ext uri="{FF2B5EF4-FFF2-40B4-BE49-F238E27FC236}">
+                <a16:creationId xmlns:a16="http://schemas.microsoft.com/office/drawing/2014/main" id="{B9550389-9296-40AD-B321-45F46508F4D7}"/>
+              </a:ext>
+            </a:extLst>
+          </p:cNvPr>
+          <p:cNvCxnSpPr>
+            <a:cxnSpLocks/>
+            <a:stCxn id="25" idx="2"/>
+            <a:endCxn id="9" idx="0"/>
+          </p:cNvCxnSpPr>
+          <p:nvPr/>
+        </p:nvCxnSpPr>
+        <p:spPr>
+          <a:xfrm flipH="1">
+            <a:off x="4294117" y="1882202"/>
+            <a:ext cx="5" cy="352222"/>
+          </a:xfrm>
+          <a:prstGeom prst="straightConnector1">
+            <a:avLst/>
+          </a:prstGeom>
+          <a:ln>
+            <a:solidFill>
+              <a:schemeClr val="tx1"/>
+            </a:solidFill>
+            <a:tailEnd type="triangle"/>
+          </a:ln>
+        </p:spPr>
+        <p:style>
+          <a:lnRef idx="1">
+            <a:schemeClr val="accent1"/>
+          </a:lnRef>
+          <a:fillRef idx="0">
+            <a:schemeClr val="accent1"/>
+          </a:fillRef>
+          <a:effectRef idx="0">
+            <a:schemeClr val="accent1"/>
+          </a:effectRef>
+          <a:fontRef idx="minor">
+            <a:schemeClr val="tx1"/>
+          </a:fontRef>
+        </p:style>
+      </p:cxnSp>
+      <p:pic>
+        <p:nvPicPr>
+          <p:cNvPr id="40" name="Graphic 39" descr="Open Folder">
+            <a:extLst>
+              <a:ext uri="{FF2B5EF4-FFF2-40B4-BE49-F238E27FC236}">
+                <a16:creationId xmlns:a16="http://schemas.microsoft.com/office/drawing/2014/main" id="{FD4A526F-524A-45CB-A867-683CF57687EC}"/>
+              </a:ext>
+            </a:extLst>
+          </p:cNvPr>
+          <p:cNvPicPr>
+            <a:picLocks noChangeAspect="1"/>
+          </p:cNvPicPr>
+          <p:nvPr/>
+        </p:nvPicPr>
+        <p:blipFill>
+          <a:blip r:embed="rId2">
+            <a:extLst>
+              <a:ext uri="{28A0092B-C50C-407E-A947-70E740481C1C}">
+                <a14:useLocalDpi xmlns:a14="http://schemas.microsoft.com/office/drawing/2010/main" val="0"/>
+              </a:ext>
+              <a:ext uri="{96DAC541-7B7A-43D3-8B79-37D633B846F1}">
+                <asvg:svgBlip xmlns:asvg="http://schemas.microsoft.com/office/drawing/2016/SVG/main" r:embed="rId3"/>
+              </a:ext>
+            </a:extLst>
+          </a:blip>
+          <a:stretch>
+            <a:fillRect/>
+          </a:stretch>
+        </p:blipFill>
+        <p:spPr>
+          <a:xfrm>
+            <a:off x="5079678" y="1304280"/>
+            <a:ext cx="572407" cy="572407"/>
+          </a:xfrm>
+          <a:prstGeom prst="rect">
+            <a:avLst/>
+          </a:prstGeom>
+        </p:spPr>
+      </p:pic>
+      <p:cxnSp>
+        <p:nvCxnSpPr>
+          <p:cNvPr id="42" name="Straight Arrow Connector 41">
+            <a:extLst>
+              <a:ext uri="{FF2B5EF4-FFF2-40B4-BE49-F238E27FC236}">
+                <a16:creationId xmlns:a16="http://schemas.microsoft.com/office/drawing/2014/main" id="{D9D029E6-6FD2-48D6-851D-61CF144DBD97}"/>
+              </a:ext>
+            </a:extLst>
+          </p:cNvPr>
+          <p:cNvCxnSpPr>
+            <a:stCxn id="25" idx="3"/>
+            <a:endCxn id="40" idx="1"/>
+          </p:cNvCxnSpPr>
+          <p:nvPr/>
+        </p:nvCxnSpPr>
+        <p:spPr>
+          <a:xfrm flipV="1">
+            <a:off x="4580325" y="1590484"/>
+            <a:ext cx="499353" cy="5515"/>
+          </a:xfrm>
+          <a:prstGeom prst="straightConnector1">
+            <a:avLst/>
+          </a:prstGeom>
+          <a:ln>
+            <a:solidFill>
+              <a:schemeClr val="tx1"/>
+            </a:solidFill>
+            <a:tailEnd type="triangle"/>
+          </a:ln>
+        </p:spPr>
+        <p:style>
+          <a:lnRef idx="1">
+            <a:schemeClr val="accent1"/>
+          </a:lnRef>
+          <a:fillRef idx="0">
+            <a:schemeClr val="accent1"/>
+          </a:fillRef>
+          <a:effectRef idx="0">
+            <a:schemeClr val="accent1"/>
+          </a:effectRef>
+          <a:fontRef idx="minor">
+            <a:schemeClr val="tx1"/>
+          </a:fontRef>
+        </p:style>
+      </p:cxnSp>
+      <p:pic>
+        <p:nvPicPr>
+          <p:cNvPr id="47" name="Graphic 46" descr="Gears">
+            <a:extLst>
+              <a:ext uri="{FF2B5EF4-FFF2-40B4-BE49-F238E27FC236}">
+                <a16:creationId xmlns:a16="http://schemas.microsoft.com/office/drawing/2014/main" id="{2EE621FB-031E-4772-A0A2-0AE2707A6B9C}"/>
+              </a:ext>
+            </a:extLst>
+          </p:cNvPr>
+          <p:cNvPicPr>
+            <a:picLocks noChangeAspect="1"/>
+          </p:cNvPicPr>
+          <p:nvPr/>
+        </p:nvPicPr>
+        <p:blipFill>
+          <a:blip r:embed="rId4">
+            <a:extLst>
+              <a:ext uri="{28A0092B-C50C-407E-A947-70E740481C1C}">
+                <a14:useLocalDpi xmlns:a14="http://schemas.microsoft.com/office/drawing/2010/main" val="0"/>
+              </a:ext>
+              <a:ext uri="{96DAC541-7B7A-43D3-8B79-37D633B846F1}">
+                <asvg:svgBlip xmlns:asvg="http://schemas.microsoft.com/office/drawing/2016/SVG/main" r:embed="rId5"/>
+              </a:ext>
+            </a:extLst>
+          </a:blip>
+          <a:stretch>
+            <a:fillRect/>
+          </a:stretch>
+        </p:blipFill>
+        <p:spPr>
+          <a:xfrm>
+            <a:off x="4007913" y="3212954"/>
+            <a:ext cx="572407" cy="572407"/>
+          </a:xfrm>
+          <a:prstGeom prst="rect">
+            <a:avLst/>
+          </a:prstGeom>
+        </p:spPr>
+      </p:pic>
+      <p:pic>
+        <p:nvPicPr>
+          <p:cNvPr id="51" name="Graphic 50" descr="Checklist">
+            <a:extLst>
+              <a:ext uri="{FF2B5EF4-FFF2-40B4-BE49-F238E27FC236}">
+                <a16:creationId xmlns:a16="http://schemas.microsoft.com/office/drawing/2014/main" id="{85BD70A4-0870-4136-9471-CDB1CCEF142B}"/>
+              </a:ext>
+            </a:extLst>
+          </p:cNvPr>
+          <p:cNvPicPr>
+            <a:picLocks noChangeAspect="1"/>
+          </p:cNvPicPr>
+          <p:nvPr/>
+        </p:nvPicPr>
+        <p:blipFill>
+          <a:blip r:embed="rId8">
+            <a:extLst>
+              <a:ext uri="{28A0092B-C50C-407E-A947-70E740481C1C}">
+                <a14:useLocalDpi xmlns:a14="http://schemas.microsoft.com/office/drawing/2010/main" val="0"/>
+              </a:ext>
+              <a:ext uri="{96DAC541-7B7A-43D3-8B79-37D633B846F1}">
+                <asvg:svgBlip xmlns:asvg="http://schemas.microsoft.com/office/drawing/2016/SVG/main" r:embed="rId9"/>
+              </a:ext>
+            </a:extLst>
+          </a:blip>
+          <a:stretch>
+            <a:fillRect/>
+          </a:stretch>
+        </p:blipFill>
+        <p:spPr>
+          <a:xfrm>
+            <a:off x="5063638" y="3212954"/>
+            <a:ext cx="572407" cy="572407"/>
+          </a:xfrm>
+          <a:prstGeom prst="rect">
+            <a:avLst/>
+          </a:prstGeom>
+        </p:spPr>
+      </p:pic>
+      <p:cxnSp>
+        <p:nvCxnSpPr>
+          <p:cNvPr id="54" name="Straight Arrow Connector 53">
+            <a:extLst>
+              <a:ext uri="{FF2B5EF4-FFF2-40B4-BE49-F238E27FC236}">
+                <a16:creationId xmlns:a16="http://schemas.microsoft.com/office/drawing/2014/main" id="{8E8A29A6-DE06-4E37-8978-F35D29936647}"/>
+              </a:ext>
+            </a:extLst>
+          </p:cNvPr>
+          <p:cNvCxnSpPr>
+            <a:stCxn id="47" idx="1"/>
+            <a:endCxn id="27" idx="3"/>
+          </p:cNvCxnSpPr>
+          <p:nvPr/>
+        </p:nvCxnSpPr>
+        <p:spPr>
+          <a:xfrm flipH="1" flipV="1">
+            <a:off x="2744091" y="3499157"/>
+            <a:ext cx="1263822" cy="1"/>
+          </a:xfrm>
+          <a:prstGeom prst="straightConnector1">
+            <a:avLst/>
+          </a:prstGeom>
+          <a:ln>
+            <a:solidFill>
+              <a:schemeClr val="tx1"/>
+            </a:solidFill>
+            <a:tailEnd type="triangle"/>
+          </a:ln>
+        </p:spPr>
+        <p:style>
+          <a:lnRef idx="1">
+            <a:schemeClr val="accent1"/>
+          </a:lnRef>
+          <a:fillRef idx="0">
+            <a:schemeClr val="accent1"/>
+          </a:fillRef>
+          <a:effectRef idx="0">
+            <a:schemeClr val="accent1"/>
+          </a:effectRef>
+          <a:fontRef idx="minor">
+            <a:schemeClr val="tx1"/>
+          </a:fontRef>
+        </p:style>
+      </p:cxnSp>
+      <p:cxnSp>
+        <p:nvCxnSpPr>
+          <p:cNvPr id="58" name="Straight Arrow Connector 57">
+            <a:extLst>
+              <a:ext uri="{FF2B5EF4-FFF2-40B4-BE49-F238E27FC236}">
+                <a16:creationId xmlns:a16="http://schemas.microsoft.com/office/drawing/2014/main" id="{02FCDDDB-3841-46D5-9E6A-6D5E4D9B3624}"/>
+              </a:ext>
+            </a:extLst>
+          </p:cNvPr>
+          <p:cNvCxnSpPr>
+            <a:stCxn id="51" idx="1"/>
+            <a:endCxn id="47" idx="3"/>
+          </p:cNvCxnSpPr>
+          <p:nvPr/>
+        </p:nvCxnSpPr>
+        <p:spPr>
+          <a:xfrm flipH="1">
+            <a:off x="4580320" y="3499158"/>
+            <a:ext cx="483318" cy="0"/>
+          </a:xfrm>
+          <a:prstGeom prst="straightConnector1">
+            <a:avLst/>
+          </a:prstGeom>
+          <a:ln>
+            <a:solidFill>
+              <a:schemeClr val="tx1"/>
+            </a:solidFill>
+            <a:tailEnd type="triangle"/>
+          </a:ln>
+        </p:spPr>
+        <p:style>
+          <a:lnRef idx="1">
+            <a:schemeClr val="accent1"/>
+          </a:lnRef>
+          <a:fillRef idx="0">
+            <a:schemeClr val="accent1"/>
+          </a:fillRef>
+          <a:effectRef idx="0">
+            <a:schemeClr val="accent1"/>
+          </a:effectRef>
+          <a:fontRef idx="minor">
+            <a:schemeClr val="tx1"/>
+          </a:fontRef>
+        </p:style>
+      </p:cxnSp>
+      <p:cxnSp>
+        <p:nvCxnSpPr>
+          <p:cNvPr id="81" name="Straight Arrow Connector 80">
+            <a:extLst>
+              <a:ext uri="{FF2B5EF4-FFF2-40B4-BE49-F238E27FC236}">
+                <a16:creationId xmlns:a16="http://schemas.microsoft.com/office/drawing/2014/main" id="{63EF0F91-0883-4813-9EBE-4140B5C47DB8}"/>
+              </a:ext>
+            </a:extLst>
+          </p:cNvPr>
+          <p:cNvCxnSpPr>
+            <a:stCxn id="9" idx="2"/>
+            <a:endCxn id="47" idx="0"/>
+          </p:cNvCxnSpPr>
+          <p:nvPr/>
+        </p:nvCxnSpPr>
+        <p:spPr>
+          <a:xfrm>
+            <a:off x="4294117" y="2806831"/>
+            <a:ext cx="0" cy="406123"/>
+          </a:xfrm>
+          <a:prstGeom prst="straightConnector1">
+            <a:avLst/>
+          </a:prstGeom>
+          <a:ln>
+            <a:solidFill>
+              <a:schemeClr val="tx1"/>
+            </a:solidFill>
+            <a:tailEnd type="triangle"/>
+          </a:ln>
+        </p:spPr>
+        <p:style>
+          <a:lnRef idx="1">
+            <a:schemeClr val="accent1"/>
+          </a:lnRef>
+          <a:fillRef idx="0">
+            <a:schemeClr val="accent1"/>
+          </a:fillRef>
+          <a:effectRef idx="0">
+            <a:schemeClr val="accent1"/>
+          </a:effectRef>
+          <a:fontRef idx="minor">
+            <a:schemeClr val="tx1"/>
+          </a:fontRef>
+        </p:style>
+      </p:cxnSp>
+      <p:sp>
+        <p:nvSpPr>
+          <p:cNvPr id="84" name="TextBox 83">
+            <a:extLst>
+              <a:ext uri="{FF2B5EF4-FFF2-40B4-BE49-F238E27FC236}">
+                <a16:creationId xmlns:a16="http://schemas.microsoft.com/office/drawing/2014/main" id="{B77AB488-ACC9-4906-94D1-83BA1AAA0170}"/>
+              </a:ext>
+            </a:extLst>
+          </p:cNvPr>
+          <p:cNvSpPr txBox="1"/>
+          <p:nvPr/>
+        </p:nvSpPr>
+        <p:spPr>
+          <a:xfrm>
+            <a:off x="1178087" y="1692533"/>
+            <a:ext cx="723797" cy="253916"/>
+          </a:xfrm>
+          <a:prstGeom prst="rect">
+            <a:avLst/>
+          </a:prstGeom>
+          <a:noFill/>
+        </p:spPr>
+        <p:txBody>
+          <a:bodyPr wrap="square" rtlCol="0">
+            <a:spAutoFit/>
+          </a:bodyPr>
+          <a:lstStyle/>
+          <a:p>
+            <a:pPr algn="ctr"/>
+            <a:r>
+              <a:rPr lang="en-US" sz="1050" dirty="0"/>
+              <a:t>Orders</a:t>
+            </a:r>
+            <a:endParaRPr lang="nl-NL" sz="1050" dirty="0"/>
+          </a:p>
+        </p:txBody>
+      </p:sp>
+      <p:sp>
+        <p:nvSpPr>
+          <p:cNvPr id="86" name="TextBox 85">
+            <a:extLst>
+              <a:ext uri="{FF2B5EF4-FFF2-40B4-BE49-F238E27FC236}">
+                <a16:creationId xmlns:a16="http://schemas.microsoft.com/office/drawing/2014/main" id="{06B5CF78-2301-4D59-8D9E-C670AA79BBA3}"/>
+              </a:ext>
+            </a:extLst>
+          </p:cNvPr>
+          <p:cNvSpPr txBox="1"/>
+          <p:nvPr/>
+        </p:nvSpPr>
+        <p:spPr>
+          <a:xfrm>
+            <a:off x="2914617" y="1719228"/>
+            <a:ext cx="811671" cy="415498"/>
+          </a:xfrm>
+          <a:prstGeom prst="rect">
+            <a:avLst/>
+          </a:prstGeom>
+          <a:noFill/>
+        </p:spPr>
+        <p:txBody>
+          <a:bodyPr wrap="square" rtlCol="0">
+            <a:spAutoFit/>
+          </a:bodyPr>
+          <a:lstStyle/>
+          <a:p>
+            <a:pPr algn="ctr"/>
+            <a:r>
+              <a:rPr lang="en-US" sz="1050" dirty="0"/>
+              <a:t>Remaining orders</a:t>
+            </a:r>
+            <a:endParaRPr lang="nl-NL" sz="1050" dirty="0"/>
+          </a:p>
+        </p:txBody>
+      </p:sp>
+      <p:sp>
+        <p:nvSpPr>
+          <p:cNvPr id="87" name="TextBox 86">
+            <a:extLst>
+              <a:ext uri="{FF2B5EF4-FFF2-40B4-BE49-F238E27FC236}">
+                <a16:creationId xmlns:a16="http://schemas.microsoft.com/office/drawing/2014/main" id="{CA74BD95-8FCA-40B2-B7D6-16DC778409E8}"/>
+              </a:ext>
+            </a:extLst>
+          </p:cNvPr>
+          <p:cNvSpPr txBox="1"/>
+          <p:nvPr/>
+        </p:nvSpPr>
+        <p:spPr>
+          <a:xfrm>
+            <a:off x="4960020" y="1719228"/>
+            <a:ext cx="811671" cy="415498"/>
+          </a:xfrm>
+          <a:prstGeom prst="rect">
+            <a:avLst/>
+          </a:prstGeom>
+          <a:noFill/>
+        </p:spPr>
+        <p:txBody>
+          <a:bodyPr wrap="square" rtlCol="0">
+            <a:spAutoFit/>
+          </a:bodyPr>
+          <a:lstStyle/>
+          <a:p>
+            <a:pPr algn="ctr"/>
+            <a:r>
+              <a:rPr lang="en-US" sz="1050" dirty="0"/>
+              <a:t>Merged orders</a:t>
+            </a:r>
+            <a:endParaRPr lang="nl-NL" sz="1050" dirty="0"/>
+          </a:p>
+        </p:txBody>
+      </p:sp>
+      <p:sp>
+        <p:nvSpPr>
+          <p:cNvPr id="88" name="TextBox 87">
+            <a:extLst>
+              <a:ext uri="{FF2B5EF4-FFF2-40B4-BE49-F238E27FC236}">
+                <a16:creationId xmlns:a16="http://schemas.microsoft.com/office/drawing/2014/main" id="{4393EE6D-3E06-409B-B218-85ABF884F011}"/>
+              </a:ext>
+            </a:extLst>
+          </p:cNvPr>
+          <p:cNvSpPr txBox="1"/>
+          <p:nvPr/>
+        </p:nvSpPr>
+        <p:spPr>
+          <a:xfrm>
+            <a:off x="2056103" y="3681141"/>
+            <a:ext cx="811671" cy="253916"/>
+          </a:xfrm>
+          <a:prstGeom prst="rect">
+            <a:avLst/>
+          </a:prstGeom>
+          <a:noFill/>
+        </p:spPr>
+        <p:txBody>
+          <a:bodyPr wrap="square" rtlCol="0">
+            <a:spAutoFit/>
+          </a:bodyPr>
+          <a:lstStyle/>
+          <a:p>
+            <a:pPr algn="ctr"/>
+            <a:r>
+              <a:rPr lang="en-US" sz="1050" dirty="0"/>
+              <a:t>Trades</a:t>
+            </a:r>
+          </a:p>
+        </p:txBody>
+      </p:sp>
+      <p:sp>
+        <p:nvSpPr>
+          <p:cNvPr id="89" name="TextBox 88">
+            <a:extLst>
+              <a:ext uri="{FF2B5EF4-FFF2-40B4-BE49-F238E27FC236}">
+                <a16:creationId xmlns:a16="http://schemas.microsoft.com/office/drawing/2014/main" id="{D6674FE2-183D-4626-A80D-052729EC34CC}"/>
+              </a:ext>
+            </a:extLst>
+          </p:cNvPr>
+          <p:cNvSpPr txBox="1"/>
+          <p:nvPr/>
+        </p:nvSpPr>
+        <p:spPr>
+          <a:xfrm>
+            <a:off x="4187272" y="2552886"/>
+            <a:ext cx="1031139" cy="415498"/>
+          </a:xfrm>
+          <a:prstGeom prst="rect">
+            <a:avLst/>
+          </a:prstGeom>
+          <a:noFill/>
+        </p:spPr>
+        <p:txBody>
+          <a:bodyPr wrap="square" rtlCol="0">
+            <a:spAutoFit/>
+          </a:bodyPr>
+          <a:lstStyle/>
+          <a:p>
+            <a:pPr algn="ctr"/>
+            <a:r>
+              <a:rPr lang="en-US" sz="1050" dirty="0"/>
+              <a:t>Cross-reference list</a:t>
+            </a:r>
+          </a:p>
+        </p:txBody>
+      </p:sp>
+      <p:sp>
+        <p:nvSpPr>
+          <p:cNvPr id="90" name="TextBox 89">
+            <a:extLst>
+              <a:ext uri="{FF2B5EF4-FFF2-40B4-BE49-F238E27FC236}">
+                <a16:creationId xmlns:a16="http://schemas.microsoft.com/office/drawing/2014/main" id="{5082539F-39FE-4393-8E98-5D6655ADE5C6}"/>
+              </a:ext>
+            </a:extLst>
+          </p:cNvPr>
+          <p:cNvSpPr txBox="1"/>
+          <p:nvPr/>
+        </p:nvSpPr>
+        <p:spPr>
+          <a:xfrm>
+            <a:off x="4960020" y="3712511"/>
+            <a:ext cx="811671" cy="253916"/>
+          </a:xfrm>
+          <a:prstGeom prst="rect">
+            <a:avLst/>
+          </a:prstGeom>
+          <a:noFill/>
+        </p:spPr>
+        <p:txBody>
+          <a:bodyPr wrap="square" rtlCol="0">
+            <a:spAutoFit/>
+          </a:bodyPr>
+          <a:lstStyle/>
+          <a:p>
+            <a:pPr algn="ctr"/>
+            <a:r>
+              <a:rPr lang="en-US" sz="1050" dirty="0"/>
+              <a:t>Trades</a:t>
+            </a:r>
+          </a:p>
+        </p:txBody>
+      </p:sp>
+      <p:sp>
+        <p:nvSpPr>
+          <p:cNvPr id="91" name="TextBox 90">
+            <a:extLst>
+              <a:ext uri="{FF2B5EF4-FFF2-40B4-BE49-F238E27FC236}">
+                <a16:creationId xmlns:a16="http://schemas.microsoft.com/office/drawing/2014/main" id="{E074E737-267F-405D-9757-3CC5C349B6FF}"/>
+              </a:ext>
+            </a:extLst>
+          </p:cNvPr>
+          <p:cNvSpPr txBox="1"/>
+          <p:nvPr/>
+        </p:nvSpPr>
+        <p:spPr>
+          <a:xfrm>
+            <a:off x="2061871" y="1106041"/>
+            <a:ext cx="811671" cy="253916"/>
+          </a:xfrm>
+          <a:prstGeom prst="rect">
+            <a:avLst/>
+          </a:prstGeom>
+          <a:noFill/>
+        </p:spPr>
+        <p:txBody>
+          <a:bodyPr wrap="square" rtlCol="0">
+            <a:spAutoFit/>
+          </a:bodyPr>
+          <a:lstStyle/>
+          <a:p>
+            <a:pPr algn="ctr"/>
+            <a:r>
+              <a:rPr lang="en-US" sz="1050" dirty="0"/>
+              <a:t>match()</a:t>
+            </a:r>
+          </a:p>
+        </p:txBody>
+      </p:sp>
+      <p:sp>
+        <p:nvSpPr>
+          <p:cNvPr id="92" name="TextBox 91">
+            <a:extLst>
+              <a:ext uri="{FF2B5EF4-FFF2-40B4-BE49-F238E27FC236}">
+                <a16:creationId xmlns:a16="http://schemas.microsoft.com/office/drawing/2014/main" id="{8ADC2033-4B8F-43CF-8126-36CF380D28A6}"/>
+              </a:ext>
+            </a:extLst>
+          </p:cNvPr>
+          <p:cNvSpPr txBox="1"/>
+          <p:nvPr/>
+        </p:nvSpPr>
+        <p:spPr>
+          <a:xfrm>
+            <a:off x="3940636" y="1117363"/>
+            <a:ext cx="811671" cy="253916"/>
+          </a:xfrm>
+          <a:prstGeom prst="rect">
+            <a:avLst/>
+          </a:prstGeom>
+          <a:noFill/>
+        </p:spPr>
+        <p:txBody>
+          <a:bodyPr wrap="square" rtlCol="0">
+            <a:spAutoFit/>
+          </a:bodyPr>
+          <a:lstStyle/>
+          <a:p>
+            <a:pPr algn="ctr"/>
+            <a:r>
+              <a:rPr lang="en-US" sz="1050" dirty="0"/>
+              <a:t>merge()</a:t>
+            </a:r>
+          </a:p>
+        </p:txBody>
+      </p:sp>
+      <p:sp>
+        <p:nvSpPr>
+          <p:cNvPr id="93" name="TextBox 92">
+            <a:extLst>
+              <a:ext uri="{FF2B5EF4-FFF2-40B4-BE49-F238E27FC236}">
+                <a16:creationId xmlns:a16="http://schemas.microsoft.com/office/drawing/2014/main" id="{F6DA09F7-E6FE-4006-A3C9-A59C1E2C6077}"/>
+              </a:ext>
+            </a:extLst>
+          </p:cNvPr>
+          <p:cNvSpPr txBox="1"/>
+          <p:nvPr/>
+        </p:nvSpPr>
+        <p:spPr>
+          <a:xfrm>
+            <a:off x="3820596" y="3681141"/>
+            <a:ext cx="948114" cy="253916"/>
+          </a:xfrm>
+          <a:prstGeom prst="rect">
+            <a:avLst/>
+          </a:prstGeom>
+          <a:noFill/>
+        </p:spPr>
+        <p:txBody>
+          <a:bodyPr wrap="square" rtlCol="0">
+            <a:spAutoFit/>
+          </a:bodyPr>
+          <a:lstStyle/>
+          <a:p>
+            <a:pPr algn="ctr"/>
+            <a:r>
+              <a:rPr lang="en-US" sz="1050" dirty="0"/>
+              <a:t>unmerge()</a:t>
+            </a:r>
+          </a:p>
+        </p:txBody>
+      </p:sp>
+      <p:pic>
+        <p:nvPicPr>
+          <p:cNvPr id="94" name="Graphic 93" descr="Open Folder">
+            <a:extLst>
+              <a:ext uri="{FF2B5EF4-FFF2-40B4-BE49-F238E27FC236}">
+                <a16:creationId xmlns:a16="http://schemas.microsoft.com/office/drawing/2014/main" id="{01280BB5-FF4F-4848-B333-1634AAE8AC24}"/>
+              </a:ext>
+            </a:extLst>
+          </p:cNvPr>
+          <p:cNvPicPr>
+            <a:picLocks noChangeAspect="1"/>
+          </p:cNvPicPr>
+          <p:nvPr/>
+        </p:nvPicPr>
+        <p:blipFill>
+          <a:blip r:embed="rId2">
+            <a:extLst>
+              <a:ext uri="{28A0092B-C50C-407E-A947-70E740481C1C}">
+                <a14:useLocalDpi xmlns:a14="http://schemas.microsoft.com/office/drawing/2010/main" val="0"/>
+              </a:ext>
+              <a:ext uri="{96DAC541-7B7A-43D3-8B79-37D633B846F1}">
+                <asvg:svgBlip xmlns:asvg="http://schemas.microsoft.com/office/drawing/2016/SVG/main" r:embed="rId3"/>
+              </a:ext>
+            </a:extLst>
+          </a:blip>
+          <a:stretch>
+            <a:fillRect/>
+          </a:stretch>
+        </p:blipFill>
+        <p:spPr>
+          <a:xfrm>
+            <a:off x="7147315" y="1304280"/>
+            <a:ext cx="572407" cy="572407"/>
+          </a:xfrm>
+          <a:prstGeom prst="rect">
+            <a:avLst/>
+          </a:prstGeom>
+        </p:spPr>
+      </p:pic>
+      <p:pic>
+        <p:nvPicPr>
+          <p:cNvPr id="95" name="Graphic 94" descr="Gears">
+            <a:extLst>
+              <a:ext uri="{FF2B5EF4-FFF2-40B4-BE49-F238E27FC236}">
+                <a16:creationId xmlns:a16="http://schemas.microsoft.com/office/drawing/2014/main" id="{70A8BE74-ED5B-4C38-AFAF-545DDD82B6C2}"/>
+              </a:ext>
+            </a:extLst>
+          </p:cNvPr>
+          <p:cNvPicPr>
+            <a:picLocks noChangeAspect="1"/>
+          </p:cNvPicPr>
+          <p:nvPr/>
+        </p:nvPicPr>
+        <p:blipFill>
+          <a:blip r:embed="rId4">
+            <a:extLst>
+              <a:ext uri="{28A0092B-C50C-407E-A947-70E740481C1C}">
+                <a14:useLocalDpi xmlns:a14="http://schemas.microsoft.com/office/drawing/2010/main" val="0"/>
+              </a:ext>
+              <a:ext uri="{96DAC541-7B7A-43D3-8B79-37D633B846F1}">
+                <asvg:svgBlip xmlns:asvg="http://schemas.microsoft.com/office/drawing/2016/SVG/main" r:embed="rId5"/>
+              </a:ext>
+            </a:extLst>
+          </a:blip>
+          <a:stretch>
+            <a:fillRect/>
+          </a:stretch>
+        </p:blipFill>
+        <p:spPr>
+          <a:xfrm>
+            <a:off x="8065216" y="1304280"/>
+            <a:ext cx="572407" cy="572407"/>
+          </a:xfrm>
+          <a:prstGeom prst="rect">
+            <a:avLst/>
+          </a:prstGeom>
+        </p:spPr>
+      </p:pic>
+      <p:pic>
+        <p:nvPicPr>
+          <p:cNvPr id="96" name="Graphic 95" descr="List">
+            <a:extLst>
+              <a:ext uri="{FF2B5EF4-FFF2-40B4-BE49-F238E27FC236}">
+                <a16:creationId xmlns:a16="http://schemas.microsoft.com/office/drawing/2014/main" id="{90E1F861-FB19-44C0-97AC-C3F04394998C}"/>
+              </a:ext>
+            </a:extLst>
+          </p:cNvPr>
+          <p:cNvPicPr>
+            <a:picLocks noChangeAspect="1"/>
+          </p:cNvPicPr>
+          <p:nvPr/>
+        </p:nvPicPr>
+        <p:blipFill>
+          <a:blip r:embed="rId6">
+            <a:extLst>
+              <a:ext uri="{28A0092B-C50C-407E-A947-70E740481C1C}">
+                <a14:useLocalDpi xmlns:a14="http://schemas.microsoft.com/office/drawing/2010/main" val="0"/>
+              </a:ext>
+              <a:ext uri="{96DAC541-7B7A-43D3-8B79-37D633B846F1}">
+                <asvg:svgBlip xmlns:asvg="http://schemas.microsoft.com/office/drawing/2016/SVG/main" r:embed="rId7"/>
+              </a:ext>
+            </a:extLst>
+          </a:blip>
+          <a:stretch>
+            <a:fillRect/>
+          </a:stretch>
+        </p:blipFill>
+        <p:spPr>
+          <a:xfrm>
+            <a:off x="9901445" y="2234424"/>
+            <a:ext cx="572407" cy="572407"/>
+          </a:xfrm>
+          <a:prstGeom prst="rect">
+            <a:avLst/>
+          </a:prstGeom>
+        </p:spPr>
+      </p:pic>
+      <p:pic>
+        <p:nvPicPr>
+          <p:cNvPr id="97" name="Graphic 96" descr="Open Folder">
+            <a:extLst>
+              <a:ext uri="{FF2B5EF4-FFF2-40B4-BE49-F238E27FC236}">
+                <a16:creationId xmlns:a16="http://schemas.microsoft.com/office/drawing/2014/main" id="{F8FE0E0E-85A7-4838-B8BE-7C09866B2FCB}"/>
+              </a:ext>
+            </a:extLst>
+          </p:cNvPr>
+          <p:cNvPicPr>
+            <a:picLocks noChangeAspect="1"/>
+          </p:cNvPicPr>
+          <p:nvPr/>
+        </p:nvPicPr>
+        <p:blipFill>
+          <a:blip r:embed="rId2">
+            <a:extLst>
+              <a:ext uri="{28A0092B-C50C-407E-A947-70E740481C1C}">
+                <a14:useLocalDpi xmlns:a14="http://schemas.microsoft.com/office/drawing/2010/main" val="0"/>
+              </a:ext>
+              <a:ext uri="{96DAC541-7B7A-43D3-8B79-37D633B846F1}">
+                <asvg:svgBlip xmlns:asvg="http://schemas.microsoft.com/office/drawing/2016/SVG/main" r:embed="rId3"/>
+              </a:ext>
+            </a:extLst>
+          </a:blip>
+          <a:stretch>
+            <a:fillRect/>
+          </a:stretch>
+        </p:blipFill>
+        <p:spPr>
+          <a:xfrm>
+            <a:off x="8939567" y="1304280"/>
+            <a:ext cx="572407" cy="572407"/>
+          </a:xfrm>
+          <a:prstGeom prst="rect">
+            <a:avLst/>
+          </a:prstGeom>
+        </p:spPr>
+      </p:pic>
+      <p:cxnSp>
+        <p:nvCxnSpPr>
+          <p:cNvPr id="98" name="Straight Arrow Connector 97">
+            <a:extLst>
+              <a:ext uri="{FF2B5EF4-FFF2-40B4-BE49-F238E27FC236}">
+                <a16:creationId xmlns:a16="http://schemas.microsoft.com/office/drawing/2014/main" id="{0B96AA49-AD8B-4DA0-B747-CB93433545F2}"/>
+              </a:ext>
+            </a:extLst>
+          </p:cNvPr>
+          <p:cNvCxnSpPr>
+            <a:stCxn id="94" idx="3"/>
+            <a:endCxn id="95" idx="1"/>
+          </p:cNvCxnSpPr>
+          <p:nvPr/>
+        </p:nvCxnSpPr>
+        <p:spPr>
+          <a:xfrm>
+            <a:off x="7719722" y="1590484"/>
+            <a:ext cx="345494" cy="0"/>
+          </a:xfrm>
+          <a:prstGeom prst="straightConnector1">
+            <a:avLst/>
+          </a:prstGeom>
+          <a:ln>
+            <a:solidFill>
+              <a:schemeClr val="tx1"/>
+            </a:solidFill>
+            <a:tailEnd type="triangle"/>
+          </a:ln>
+        </p:spPr>
+        <p:style>
+          <a:lnRef idx="1">
+            <a:schemeClr val="accent1"/>
+          </a:lnRef>
+          <a:fillRef idx="0">
+            <a:schemeClr val="accent1"/>
+          </a:fillRef>
+          <a:effectRef idx="0">
+            <a:schemeClr val="accent1"/>
+          </a:effectRef>
+          <a:fontRef idx="minor">
+            <a:schemeClr val="tx1"/>
+          </a:fontRef>
+        </p:style>
+      </p:cxnSp>
+      <p:cxnSp>
+        <p:nvCxnSpPr>
+          <p:cNvPr id="99" name="Straight Arrow Connector 98">
+            <a:extLst>
+              <a:ext uri="{FF2B5EF4-FFF2-40B4-BE49-F238E27FC236}">
+                <a16:creationId xmlns:a16="http://schemas.microsoft.com/office/drawing/2014/main" id="{F8802096-B25E-49F6-896A-2C4DFDDA285F}"/>
+              </a:ext>
+            </a:extLst>
+          </p:cNvPr>
+          <p:cNvCxnSpPr>
+            <a:stCxn id="95" idx="3"/>
+            <a:endCxn id="97" idx="1"/>
+          </p:cNvCxnSpPr>
+          <p:nvPr/>
+        </p:nvCxnSpPr>
+        <p:spPr>
+          <a:xfrm>
+            <a:off x="8637623" y="1590484"/>
+            <a:ext cx="301944" cy="0"/>
+          </a:xfrm>
+          <a:prstGeom prst="straightConnector1">
+            <a:avLst/>
+          </a:prstGeom>
+          <a:ln>
+            <a:solidFill>
+              <a:schemeClr val="tx1"/>
+            </a:solidFill>
+            <a:tailEnd type="triangle"/>
+          </a:ln>
+        </p:spPr>
+        <p:style>
+          <a:lnRef idx="1">
+            <a:schemeClr val="accent1"/>
+          </a:lnRef>
+          <a:fillRef idx="0">
+            <a:schemeClr val="accent1"/>
+          </a:fillRef>
+          <a:effectRef idx="0">
+            <a:schemeClr val="accent1"/>
+          </a:effectRef>
+          <a:fontRef idx="minor">
+            <a:schemeClr val="tx1"/>
+          </a:fontRef>
+        </p:style>
+      </p:cxnSp>
+      <p:cxnSp>
+        <p:nvCxnSpPr>
+          <p:cNvPr id="100" name="Straight Arrow Connector 99">
+            <a:extLst>
+              <a:ext uri="{FF2B5EF4-FFF2-40B4-BE49-F238E27FC236}">
+                <a16:creationId xmlns:a16="http://schemas.microsoft.com/office/drawing/2014/main" id="{02D04C75-3903-4937-B2B1-A1C113047AC6}"/>
+              </a:ext>
+            </a:extLst>
+          </p:cNvPr>
+          <p:cNvCxnSpPr>
+            <a:cxnSpLocks/>
+            <a:stCxn id="95" idx="2"/>
+            <a:endCxn id="103" idx="0"/>
+          </p:cNvCxnSpPr>
+          <p:nvPr/>
+        </p:nvCxnSpPr>
+        <p:spPr>
+          <a:xfrm>
+            <a:off x="8351420" y="1876687"/>
+            <a:ext cx="0" cy="1336266"/>
+          </a:xfrm>
+          <a:prstGeom prst="straightConnector1">
+            <a:avLst/>
+          </a:prstGeom>
+          <a:ln>
+            <a:solidFill>
+              <a:schemeClr val="tx1"/>
+            </a:solidFill>
+            <a:tailEnd type="triangle"/>
+          </a:ln>
+        </p:spPr>
+        <p:style>
+          <a:lnRef idx="1">
+            <a:schemeClr val="accent1"/>
+          </a:lnRef>
+          <a:fillRef idx="0">
+            <a:schemeClr val="accent1"/>
+          </a:fillRef>
+          <a:effectRef idx="0">
+            <a:schemeClr val="accent1"/>
+          </a:effectRef>
+          <a:fontRef idx="minor">
+            <a:schemeClr val="tx1"/>
+          </a:fontRef>
+        </p:style>
+      </p:cxnSp>
+      <p:sp>
+        <p:nvSpPr>
+          <p:cNvPr id="101" name="Rectangle 100">
+            <a:extLst>
+              <a:ext uri="{FF2B5EF4-FFF2-40B4-BE49-F238E27FC236}">
+                <a16:creationId xmlns:a16="http://schemas.microsoft.com/office/drawing/2014/main" id="{6C65E416-3334-40F6-A8D1-C98CAE720E28}"/>
+              </a:ext>
+            </a:extLst>
+          </p:cNvPr>
+          <p:cNvSpPr/>
+          <p:nvPr/>
+        </p:nvSpPr>
+        <p:spPr>
+          <a:xfrm>
+            <a:off x="7071619" y="1106040"/>
+            <a:ext cx="4593604" cy="2891603"/>
+          </a:xfrm>
+          <a:prstGeom prst="rect">
+            <a:avLst/>
+          </a:prstGeom>
+          <a:noFill/>
+          <a:ln>
+            <a:prstDash val="lgDashDotDot"/>
+          </a:ln>
+        </p:spPr>
+        <p:style>
+          <a:lnRef idx="2">
+            <a:schemeClr val="accent1">
+              <a:shade val="50000"/>
+            </a:schemeClr>
+          </a:lnRef>
+          <a:fillRef idx="1">
+            <a:schemeClr val="accent1"/>
+          </a:fillRef>
+          <a:effectRef idx="0">
+            <a:schemeClr val="accent1"/>
+          </a:effectRef>
+          <a:fontRef idx="minor">
+            <a:schemeClr val="lt1"/>
+          </a:fontRef>
+        </p:style>
+        <p:txBody>
+          <a:bodyPr rtlCol="0" anchor="ctr"/>
+          <a:lstStyle/>
+          <a:p>
+            <a:pPr algn="ctr"/>
+            <a:endParaRPr lang="nl-NL"/>
+          </a:p>
+        </p:txBody>
+      </p:sp>
+      <p:pic>
+        <p:nvPicPr>
+          <p:cNvPr id="102" name="Graphic 101" descr="Gears">
+            <a:extLst>
+              <a:ext uri="{FF2B5EF4-FFF2-40B4-BE49-F238E27FC236}">
+                <a16:creationId xmlns:a16="http://schemas.microsoft.com/office/drawing/2014/main" id="{FC705EE8-0A48-41E0-A6BE-0BAE8FBF0717}"/>
+              </a:ext>
+            </a:extLst>
+          </p:cNvPr>
+          <p:cNvPicPr>
+            <a:picLocks noChangeAspect="1"/>
+          </p:cNvPicPr>
+          <p:nvPr/>
+        </p:nvPicPr>
+        <p:blipFill>
+          <a:blip r:embed="rId4">
+            <a:extLst>
+              <a:ext uri="{28A0092B-C50C-407E-A947-70E740481C1C}">
+                <a14:useLocalDpi xmlns:a14="http://schemas.microsoft.com/office/drawing/2010/main" val="0"/>
+              </a:ext>
+              <a:ext uri="{96DAC541-7B7A-43D3-8B79-37D633B846F1}">
+                <asvg:svgBlip xmlns:asvg="http://schemas.microsoft.com/office/drawing/2016/SVG/main" r:embed="rId5"/>
+              </a:ext>
+            </a:extLst>
+          </a:blip>
+          <a:stretch>
+            <a:fillRect/>
+          </a:stretch>
+        </p:blipFill>
+        <p:spPr>
+          <a:xfrm>
+            <a:off x="9901450" y="1309795"/>
+            <a:ext cx="572407" cy="572407"/>
+          </a:xfrm>
+          <a:prstGeom prst="rect">
+            <a:avLst/>
+          </a:prstGeom>
+        </p:spPr>
+      </p:pic>
+      <p:pic>
+        <p:nvPicPr>
+          <p:cNvPr id="103" name="Graphic 102" descr="Checklist">
+            <a:extLst>
+              <a:ext uri="{FF2B5EF4-FFF2-40B4-BE49-F238E27FC236}">
+                <a16:creationId xmlns:a16="http://schemas.microsoft.com/office/drawing/2014/main" id="{11BD2E10-EC19-495D-8C52-4985330EB3D3}"/>
+              </a:ext>
+            </a:extLst>
+          </p:cNvPr>
+          <p:cNvPicPr>
+            <a:picLocks noChangeAspect="1"/>
+          </p:cNvPicPr>
+          <p:nvPr/>
+        </p:nvPicPr>
+        <p:blipFill>
+          <a:blip r:embed="rId8">
+            <a:extLst>
+              <a:ext uri="{28A0092B-C50C-407E-A947-70E740481C1C}">
+                <a14:useLocalDpi xmlns:a14="http://schemas.microsoft.com/office/drawing/2010/main" val="0"/>
+              </a:ext>
+              <a:ext uri="{96DAC541-7B7A-43D3-8B79-37D633B846F1}">
+                <asvg:svgBlip xmlns:asvg="http://schemas.microsoft.com/office/drawing/2016/SVG/main" r:embed="rId9"/>
+              </a:ext>
+            </a:extLst>
+          </a:blip>
+          <a:stretch>
+            <a:fillRect/>
+          </a:stretch>
+        </p:blipFill>
+        <p:spPr>
+          <a:xfrm>
+            <a:off x="8065216" y="3212953"/>
+            <a:ext cx="572407" cy="572407"/>
+          </a:xfrm>
+          <a:prstGeom prst="rect">
+            <a:avLst/>
+          </a:prstGeom>
+        </p:spPr>
+      </p:pic>
+      <p:cxnSp>
+        <p:nvCxnSpPr>
+          <p:cNvPr id="104" name="Straight Arrow Connector 103">
+            <a:extLst>
+              <a:ext uri="{FF2B5EF4-FFF2-40B4-BE49-F238E27FC236}">
+                <a16:creationId xmlns:a16="http://schemas.microsoft.com/office/drawing/2014/main" id="{5CB44AA0-E4D4-42A5-BB2E-A4EABEB357FF}"/>
+              </a:ext>
+            </a:extLst>
+          </p:cNvPr>
+          <p:cNvCxnSpPr>
+            <a:stCxn id="97" idx="3"/>
+            <a:endCxn id="102" idx="1"/>
+          </p:cNvCxnSpPr>
+          <p:nvPr/>
+        </p:nvCxnSpPr>
+        <p:spPr>
+          <a:xfrm>
+            <a:off x="9511974" y="1590484"/>
+            <a:ext cx="389476" cy="5515"/>
+          </a:xfrm>
+          <a:prstGeom prst="straightConnector1">
+            <a:avLst/>
+          </a:prstGeom>
+          <a:ln>
+            <a:solidFill>
+              <a:schemeClr val="tx1"/>
+            </a:solidFill>
+            <a:tailEnd type="triangle"/>
+          </a:ln>
+        </p:spPr>
+        <p:style>
+          <a:lnRef idx="1">
+            <a:schemeClr val="accent1"/>
+          </a:lnRef>
+          <a:fillRef idx="0">
+            <a:schemeClr val="accent1"/>
+          </a:fillRef>
+          <a:effectRef idx="0">
+            <a:schemeClr val="accent1"/>
+          </a:effectRef>
+          <a:fontRef idx="minor">
+            <a:schemeClr val="tx1"/>
+          </a:fontRef>
+        </p:style>
+      </p:cxnSp>
+      <p:cxnSp>
+        <p:nvCxnSpPr>
+          <p:cNvPr id="105" name="Straight Arrow Connector 104">
+            <a:extLst>
+              <a:ext uri="{FF2B5EF4-FFF2-40B4-BE49-F238E27FC236}">
+                <a16:creationId xmlns:a16="http://schemas.microsoft.com/office/drawing/2014/main" id="{17B001F5-E340-495F-99FE-370DC721FFE3}"/>
+              </a:ext>
+            </a:extLst>
+          </p:cNvPr>
+          <p:cNvCxnSpPr>
+            <a:cxnSpLocks/>
+            <a:stCxn id="102" idx="2"/>
+            <a:endCxn id="96" idx="0"/>
+          </p:cNvCxnSpPr>
+          <p:nvPr/>
+        </p:nvCxnSpPr>
+        <p:spPr>
+          <a:xfrm flipH="1">
+            <a:off x="10187649" y="1882202"/>
+            <a:ext cx="5" cy="352222"/>
+          </a:xfrm>
+          <a:prstGeom prst="straightConnector1">
+            <a:avLst/>
+          </a:prstGeom>
+          <a:ln>
+            <a:solidFill>
+              <a:schemeClr val="tx1"/>
+            </a:solidFill>
+            <a:tailEnd type="triangle"/>
+          </a:ln>
+        </p:spPr>
+        <p:style>
+          <a:lnRef idx="1">
+            <a:schemeClr val="accent1"/>
+          </a:lnRef>
+          <a:fillRef idx="0">
+            <a:schemeClr val="accent1"/>
+          </a:fillRef>
+          <a:effectRef idx="0">
+            <a:schemeClr val="accent1"/>
+          </a:effectRef>
+          <a:fontRef idx="minor">
+            <a:schemeClr val="tx1"/>
+          </a:fontRef>
+        </p:style>
+      </p:cxnSp>
+      <p:pic>
+        <p:nvPicPr>
+          <p:cNvPr id="106" name="Graphic 105" descr="Open Folder">
+            <a:extLst>
+              <a:ext uri="{FF2B5EF4-FFF2-40B4-BE49-F238E27FC236}">
+                <a16:creationId xmlns:a16="http://schemas.microsoft.com/office/drawing/2014/main" id="{7D49FEAF-F967-406F-BE9C-2450FED82600}"/>
+              </a:ext>
+            </a:extLst>
+          </p:cNvPr>
+          <p:cNvPicPr>
+            <a:picLocks noChangeAspect="1"/>
+          </p:cNvPicPr>
+          <p:nvPr/>
+        </p:nvPicPr>
+        <p:blipFill>
+          <a:blip r:embed="rId2">
+            <a:extLst>
+              <a:ext uri="{28A0092B-C50C-407E-A947-70E740481C1C}">
+                <a14:useLocalDpi xmlns:a14="http://schemas.microsoft.com/office/drawing/2010/main" val="0"/>
+              </a:ext>
+              <a:ext uri="{96DAC541-7B7A-43D3-8B79-37D633B846F1}">
+                <asvg:svgBlip xmlns:asvg="http://schemas.microsoft.com/office/drawing/2016/SVG/main" r:embed="rId3"/>
+              </a:ext>
+            </a:extLst>
+          </a:blip>
+          <a:stretch>
+            <a:fillRect/>
+          </a:stretch>
+        </p:blipFill>
+        <p:spPr>
+          <a:xfrm>
+            <a:off x="10973210" y="1304280"/>
+            <a:ext cx="572407" cy="572407"/>
+          </a:xfrm>
+          <a:prstGeom prst="rect">
+            <a:avLst/>
+          </a:prstGeom>
+        </p:spPr>
+      </p:pic>
+      <p:cxnSp>
+        <p:nvCxnSpPr>
+          <p:cNvPr id="107" name="Straight Arrow Connector 106">
+            <a:extLst>
+              <a:ext uri="{FF2B5EF4-FFF2-40B4-BE49-F238E27FC236}">
+                <a16:creationId xmlns:a16="http://schemas.microsoft.com/office/drawing/2014/main" id="{4E192F44-01C6-45C0-A048-86FF24508EFD}"/>
+              </a:ext>
+            </a:extLst>
+          </p:cNvPr>
+          <p:cNvCxnSpPr>
+            <a:stCxn id="102" idx="3"/>
+            <a:endCxn id="106" idx="1"/>
+          </p:cNvCxnSpPr>
+          <p:nvPr/>
+        </p:nvCxnSpPr>
+        <p:spPr>
+          <a:xfrm flipV="1">
+            <a:off x="10473857" y="1590484"/>
+            <a:ext cx="499353" cy="5515"/>
+          </a:xfrm>
+          <a:prstGeom prst="straightConnector1">
+            <a:avLst/>
+          </a:prstGeom>
+          <a:ln>
+            <a:solidFill>
+              <a:schemeClr val="tx1"/>
+            </a:solidFill>
+            <a:tailEnd type="triangle"/>
+          </a:ln>
+        </p:spPr>
+        <p:style>
+          <a:lnRef idx="1">
+            <a:schemeClr val="accent1"/>
+          </a:lnRef>
+          <a:fillRef idx="0">
+            <a:schemeClr val="accent1"/>
+          </a:fillRef>
+          <a:effectRef idx="0">
+            <a:schemeClr val="accent1"/>
+          </a:effectRef>
+          <a:fontRef idx="minor">
+            <a:schemeClr val="tx1"/>
+          </a:fontRef>
+        </p:style>
+      </p:cxnSp>
+      <p:pic>
+        <p:nvPicPr>
+          <p:cNvPr id="108" name="Graphic 107" descr="Gears">
+            <a:extLst>
+              <a:ext uri="{FF2B5EF4-FFF2-40B4-BE49-F238E27FC236}">
+                <a16:creationId xmlns:a16="http://schemas.microsoft.com/office/drawing/2014/main" id="{21E0A1F1-3D91-441C-830D-55F54265EA03}"/>
+              </a:ext>
+            </a:extLst>
+          </p:cNvPr>
+          <p:cNvPicPr>
+            <a:picLocks noChangeAspect="1"/>
+          </p:cNvPicPr>
+          <p:nvPr/>
+        </p:nvPicPr>
+        <p:blipFill>
+          <a:blip r:embed="rId4">
+            <a:extLst>
+              <a:ext uri="{28A0092B-C50C-407E-A947-70E740481C1C}">
+                <a14:useLocalDpi xmlns:a14="http://schemas.microsoft.com/office/drawing/2010/main" val="0"/>
+              </a:ext>
+              <a:ext uri="{96DAC541-7B7A-43D3-8B79-37D633B846F1}">
+                <asvg:svgBlip xmlns:asvg="http://schemas.microsoft.com/office/drawing/2016/SVG/main" r:embed="rId5"/>
+              </a:ext>
+            </a:extLst>
+          </a:blip>
+          <a:stretch>
+            <a:fillRect/>
+          </a:stretch>
+        </p:blipFill>
+        <p:spPr>
+          <a:xfrm>
+            <a:off x="9901445" y="3212954"/>
+            <a:ext cx="572407" cy="572407"/>
+          </a:xfrm>
+          <a:prstGeom prst="rect">
+            <a:avLst/>
+          </a:prstGeom>
+        </p:spPr>
+      </p:pic>
+      <p:pic>
+        <p:nvPicPr>
+          <p:cNvPr id="109" name="Graphic 108" descr="Checklist">
+            <a:extLst>
+              <a:ext uri="{FF2B5EF4-FFF2-40B4-BE49-F238E27FC236}">
+                <a16:creationId xmlns:a16="http://schemas.microsoft.com/office/drawing/2014/main" id="{A040C9A5-CDDC-4C86-A197-4648415B7670}"/>
+              </a:ext>
+            </a:extLst>
+          </p:cNvPr>
+          <p:cNvPicPr>
+            <a:picLocks noChangeAspect="1"/>
+          </p:cNvPicPr>
+          <p:nvPr/>
+        </p:nvPicPr>
+        <p:blipFill>
+          <a:blip r:embed="rId8">
+            <a:extLst>
+              <a:ext uri="{28A0092B-C50C-407E-A947-70E740481C1C}">
+                <a14:useLocalDpi xmlns:a14="http://schemas.microsoft.com/office/drawing/2010/main" val="0"/>
+              </a:ext>
+              <a:ext uri="{96DAC541-7B7A-43D3-8B79-37D633B846F1}">
+                <asvg:svgBlip xmlns:asvg="http://schemas.microsoft.com/office/drawing/2016/SVG/main" r:embed="rId9"/>
+              </a:ext>
+            </a:extLst>
+          </a:blip>
+          <a:stretch>
+            <a:fillRect/>
+          </a:stretch>
+        </p:blipFill>
+        <p:spPr>
+          <a:xfrm>
+            <a:off x="10957170" y="3212954"/>
+            <a:ext cx="572407" cy="572407"/>
+          </a:xfrm>
+          <a:prstGeom prst="rect">
+            <a:avLst/>
+          </a:prstGeom>
+        </p:spPr>
+      </p:pic>
+      <p:cxnSp>
+        <p:nvCxnSpPr>
+          <p:cNvPr id="110" name="Straight Arrow Connector 109">
+            <a:extLst>
+              <a:ext uri="{FF2B5EF4-FFF2-40B4-BE49-F238E27FC236}">
+                <a16:creationId xmlns:a16="http://schemas.microsoft.com/office/drawing/2014/main" id="{82BD6D31-BF1D-46C0-86A7-5D35A1E60702}"/>
+              </a:ext>
+            </a:extLst>
+          </p:cNvPr>
+          <p:cNvCxnSpPr>
+            <a:stCxn id="108" idx="1"/>
+            <a:endCxn id="103" idx="3"/>
+          </p:cNvCxnSpPr>
+          <p:nvPr/>
+        </p:nvCxnSpPr>
+        <p:spPr>
+          <a:xfrm flipH="1" flipV="1">
+            <a:off x="8637623" y="3499157"/>
+            <a:ext cx="1263822" cy="1"/>
+          </a:xfrm>
+          <a:prstGeom prst="straightConnector1">
+            <a:avLst/>
+          </a:prstGeom>
+          <a:ln>
+            <a:solidFill>
+              <a:schemeClr val="tx1"/>
+            </a:solidFill>
+            <a:tailEnd type="triangle"/>
+          </a:ln>
+        </p:spPr>
+        <p:style>
+          <a:lnRef idx="1">
+            <a:schemeClr val="accent1"/>
+          </a:lnRef>
+          <a:fillRef idx="0">
+            <a:schemeClr val="accent1"/>
+          </a:fillRef>
+          <a:effectRef idx="0">
+            <a:schemeClr val="accent1"/>
+          </a:effectRef>
+          <a:fontRef idx="minor">
+            <a:schemeClr val="tx1"/>
+          </a:fontRef>
+        </p:style>
+      </p:cxnSp>
+      <p:cxnSp>
+        <p:nvCxnSpPr>
+          <p:cNvPr id="111" name="Straight Arrow Connector 110">
+            <a:extLst>
+              <a:ext uri="{FF2B5EF4-FFF2-40B4-BE49-F238E27FC236}">
+                <a16:creationId xmlns:a16="http://schemas.microsoft.com/office/drawing/2014/main" id="{38B9F5F4-A1D4-4625-9C23-F1C9E93741C5}"/>
+              </a:ext>
+            </a:extLst>
+          </p:cNvPr>
+          <p:cNvCxnSpPr>
+            <a:stCxn id="109" idx="1"/>
+            <a:endCxn id="108" idx="3"/>
+          </p:cNvCxnSpPr>
+          <p:nvPr/>
+        </p:nvCxnSpPr>
+        <p:spPr>
+          <a:xfrm flipH="1">
+            <a:off x="10473852" y="3499158"/>
+            <a:ext cx="483318" cy="0"/>
+          </a:xfrm>
+          <a:prstGeom prst="straightConnector1">
+            <a:avLst/>
+          </a:prstGeom>
+          <a:ln>
+            <a:solidFill>
+              <a:schemeClr val="tx1"/>
+            </a:solidFill>
+            <a:tailEnd type="triangle"/>
+          </a:ln>
+        </p:spPr>
+        <p:style>
+          <a:lnRef idx="1">
+            <a:schemeClr val="accent1"/>
+          </a:lnRef>
+          <a:fillRef idx="0">
+            <a:schemeClr val="accent1"/>
+          </a:fillRef>
+          <a:effectRef idx="0">
+            <a:schemeClr val="accent1"/>
+          </a:effectRef>
+          <a:fontRef idx="minor">
+            <a:schemeClr val="tx1"/>
+          </a:fontRef>
+        </p:style>
+      </p:cxnSp>
+      <p:cxnSp>
+        <p:nvCxnSpPr>
+          <p:cNvPr id="112" name="Straight Arrow Connector 111">
+            <a:extLst>
+              <a:ext uri="{FF2B5EF4-FFF2-40B4-BE49-F238E27FC236}">
+                <a16:creationId xmlns:a16="http://schemas.microsoft.com/office/drawing/2014/main" id="{883258EF-F161-41D5-B1CB-F52BCB1B71E3}"/>
+              </a:ext>
+            </a:extLst>
+          </p:cNvPr>
+          <p:cNvCxnSpPr>
+            <a:stCxn id="96" idx="2"/>
+            <a:endCxn id="108" idx="0"/>
+          </p:cNvCxnSpPr>
+          <p:nvPr/>
+        </p:nvCxnSpPr>
+        <p:spPr>
+          <a:xfrm>
+            <a:off x="10187649" y="2806831"/>
+            <a:ext cx="0" cy="406123"/>
+          </a:xfrm>
+          <a:prstGeom prst="straightConnector1">
+            <a:avLst/>
+          </a:prstGeom>
+          <a:ln>
+            <a:solidFill>
+              <a:schemeClr val="tx1"/>
+            </a:solidFill>
+            <a:tailEnd type="triangle"/>
+          </a:ln>
+        </p:spPr>
+        <p:style>
+          <a:lnRef idx="1">
+            <a:schemeClr val="accent1"/>
+          </a:lnRef>
+          <a:fillRef idx="0">
+            <a:schemeClr val="accent1"/>
+          </a:fillRef>
+          <a:effectRef idx="0">
+            <a:schemeClr val="accent1"/>
+          </a:effectRef>
+          <a:fontRef idx="minor">
+            <a:schemeClr val="tx1"/>
+          </a:fontRef>
+        </p:style>
+      </p:cxnSp>
+      <p:sp>
+        <p:nvSpPr>
+          <p:cNvPr id="113" name="TextBox 112">
+            <a:extLst>
+              <a:ext uri="{FF2B5EF4-FFF2-40B4-BE49-F238E27FC236}">
+                <a16:creationId xmlns:a16="http://schemas.microsoft.com/office/drawing/2014/main" id="{1B3F63AB-42D4-4357-9DAD-9FA600F0BBD4}"/>
+              </a:ext>
+            </a:extLst>
+          </p:cNvPr>
+          <p:cNvSpPr txBox="1"/>
+          <p:nvPr/>
+        </p:nvSpPr>
+        <p:spPr>
+          <a:xfrm>
+            <a:off x="7071619" y="1692533"/>
+            <a:ext cx="723797" cy="253916"/>
+          </a:xfrm>
+          <a:prstGeom prst="rect">
+            <a:avLst/>
+          </a:prstGeom>
+          <a:noFill/>
+        </p:spPr>
+        <p:txBody>
+          <a:bodyPr wrap="square" rtlCol="0">
+            <a:spAutoFit/>
+          </a:bodyPr>
+          <a:lstStyle/>
+          <a:p>
+            <a:pPr algn="ctr"/>
+            <a:r>
+              <a:rPr lang="en-US" sz="1050" dirty="0"/>
+              <a:t>Orders</a:t>
+            </a:r>
+            <a:endParaRPr lang="nl-NL" sz="1050" dirty="0"/>
+          </a:p>
+        </p:txBody>
+      </p:sp>
+      <p:sp>
+        <p:nvSpPr>
+          <p:cNvPr id="114" name="TextBox 113">
+            <a:extLst>
+              <a:ext uri="{FF2B5EF4-FFF2-40B4-BE49-F238E27FC236}">
+                <a16:creationId xmlns:a16="http://schemas.microsoft.com/office/drawing/2014/main" id="{0A788D14-46C2-460A-9814-2745029335DF}"/>
+              </a:ext>
+            </a:extLst>
+          </p:cNvPr>
+          <p:cNvSpPr txBox="1"/>
+          <p:nvPr/>
+        </p:nvSpPr>
+        <p:spPr>
+          <a:xfrm>
+            <a:off x="8808149" y="1719228"/>
+            <a:ext cx="811671" cy="415498"/>
+          </a:xfrm>
+          <a:prstGeom prst="rect">
+            <a:avLst/>
+          </a:prstGeom>
+          <a:noFill/>
+        </p:spPr>
+        <p:txBody>
+          <a:bodyPr wrap="square" rtlCol="0">
+            <a:spAutoFit/>
+          </a:bodyPr>
+          <a:lstStyle/>
+          <a:p>
+            <a:pPr algn="ctr"/>
+            <a:r>
+              <a:rPr lang="en-US" sz="1050" dirty="0"/>
+              <a:t>Remaining orders</a:t>
+            </a:r>
+            <a:endParaRPr lang="nl-NL" sz="1050" dirty="0"/>
+          </a:p>
+        </p:txBody>
+      </p:sp>
+      <p:sp>
+        <p:nvSpPr>
+          <p:cNvPr id="115" name="TextBox 114">
+            <a:extLst>
+              <a:ext uri="{FF2B5EF4-FFF2-40B4-BE49-F238E27FC236}">
+                <a16:creationId xmlns:a16="http://schemas.microsoft.com/office/drawing/2014/main" id="{0CA447AD-B451-4F23-A5E5-C3D3179EAE23}"/>
+              </a:ext>
+            </a:extLst>
+          </p:cNvPr>
+          <p:cNvSpPr txBox="1"/>
+          <p:nvPr/>
+        </p:nvSpPr>
+        <p:spPr>
+          <a:xfrm>
+            <a:off x="10853552" y="1719228"/>
+            <a:ext cx="811671" cy="415498"/>
+          </a:xfrm>
+          <a:prstGeom prst="rect">
+            <a:avLst/>
+          </a:prstGeom>
+          <a:noFill/>
+        </p:spPr>
+        <p:txBody>
+          <a:bodyPr wrap="square" rtlCol="0">
+            <a:spAutoFit/>
+          </a:bodyPr>
+          <a:lstStyle/>
+          <a:p>
+            <a:pPr algn="ctr"/>
+            <a:r>
+              <a:rPr lang="en-US" sz="1050" dirty="0"/>
+              <a:t>Merged orders</a:t>
+            </a:r>
+            <a:endParaRPr lang="nl-NL" sz="1050" dirty="0"/>
+          </a:p>
+        </p:txBody>
+      </p:sp>
+      <p:sp>
+        <p:nvSpPr>
+          <p:cNvPr id="116" name="TextBox 115">
+            <a:extLst>
+              <a:ext uri="{FF2B5EF4-FFF2-40B4-BE49-F238E27FC236}">
+                <a16:creationId xmlns:a16="http://schemas.microsoft.com/office/drawing/2014/main" id="{8CF04C9B-A442-4BFB-8538-FE7BDDD70AFB}"/>
+              </a:ext>
+            </a:extLst>
+          </p:cNvPr>
+          <p:cNvSpPr txBox="1"/>
+          <p:nvPr/>
+        </p:nvSpPr>
+        <p:spPr>
+          <a:xfrm>
+            <a:off x="7949635" y="3681141"/>
+            <a:ext cx="811671" cy="253916"/>
+          </a:xfrm>
+          <a:prstGeom prst="rect">
+            <a:avLst/>
+          </a:prstGeom>
+          <a:noFill/>
+        </p:spPr>
+        <p:txBody>
+          <a:bodyPr wrap="square" rtlCol="0">
+            <a:spAutoFit/>
+          </a:bodyPr>
+          <a:lstStyle/>
+          <a:p>
+            <a:pPr algn="ctr"/>
+            <a:r>
+              <a:rPr lang="en-US" sz="1050" dirty="0"/>
+              <a:t>Trades</a:t>
+            </a:r>
+          </a:p>
+        </p:txBody>
+      </p:sp>
+      <p:sp>
+        <p:nvSpPr>
+          <p:cNvPr id="117" name="TextBox 116">
+            <a:extLst>
+              <a:ext uri="{FF2B5EF4-FFF2-40B4-BE49-F238E27FC236}">
+                <a16:creationId xmlns:a16="http://schemas.microsoft.com/office/drawing/2014/main" id="{1F10F2C6-EC21-47D2-80C7-05E2B07E4604}"/>
+              </a:ext>
+            </a:extLst>
+          </p:cNvPr>
+          <p:cNvSpPr txBox="1"/>
+          <p:nvPr/>
+        </p:nvSpPr>
+        <p:spPr>
+          <a:xfrm>
+            <a:off x="10080804" y="2552886"/>
+            <a:ext cx="1031139" cy="415498"/>
+          </a:xfrm>
+          <a:prstGeom prst="rect">
+            <a:avLst/>
+          </a:prstGeom>
+          <a:noFill/>
+        </p:spPr>
+        <p:txBody>
+          <a:bodyPr wrap="square" rtlCol="0">
+            <a:spAutoFit/>
+          </a:bodyPr>
+          <a:lstStyle/>
+          <a:p>
+            <a:pPr algn="ctr"/>
+            <a:r>
+              <a:rPr lang="en-US" sz="1050" dirty="0"/>
+              <a:t>Cross-reference list</a:t>
+            </a:r>
+          </a:p>
+        </p:txBody>
+      </p:sp>
+      <p:sp>
+        <p:nvSpPr>
+          <p:cNvPr id="118" name="TextBox 117">
+            <a:extLst>
+              <a:ext uri="{FF2B5EF4-FFF2-40B4-BE49-F238E27FC236}">
+                <a16:creationId xmlns:a16="http://schemas.microsoft.com/office/drawing/2014/main" id="{E3AF2BB2-5A55-4BF2-A055-4D34813AB26B}"/>
+              </a:ext>
+            </a:extLst>
+          </p:cNvPr>
+          <p:cNvSpPr txBox="1"/>
+          <p:nvPr/>
+        </p:nvSpPr>
+        <p:spPr>
+          <a:xfrm>
+            <a:off x="10853552" y="3712511"/>
+            <a:ext cx="811671" cy="253916"/>
+          </a:xfrm>
+          <a:prstGeom prst="rect">
+            <a:avLst/>
+          </a:prstGeom>
+          <a:noFill/>
+        </p:spPr>
+        <p:txBody>
+          <a:bodyPr wrap="square" rtlCol="0">
+            <a:spAutoFit/>
+          </a:bodyPr>
+          <a:lstStyle/>
+          <a:p>
+            <a:pPr algn="ctr"/>
+            <a:r>
+              <a:rPr lang="en-US" sz="1050" dirty="0"/>
+              <a:t>Trades</a:t>
+            </a:r>
+          </a:p>
+        </p:txBody>
+      </p:sp>
+      <p:sp>
+        <p:nvSpPr>
+          <p:cNvPr id="119" name="TextBox 118">
+            <a:extLst>
+              <a:ext uri="{FF2B5EF4-FFF2-40B4-BE49-F238E27FC236}">
+                <a16:creationId xmlns:a16="http://schemas.microsoft.com/office/drawing/2014/main" id="{10FBC145-AD19-45CA-BBE8-24804EA719BB}"/>
+              </a:ext>
+            </a:extLst>
+          </p:cNvPr>
+          <p:cNvSpPr txBox="1"/>
+          <p:nvPr/>
+        </p:nvSpPr>
+        <p:spPr>
+          <a:xfrm>
+            <a:off x="7955403" y="1106041"/>
+            <a:ext cx="811671" cy="253916"/>
+          </a:xfrm>
+          <a:prstGeom prst="rect">
+            <a:avLst/>
+          </a:prstGeom>
+          <a:noFill/>
+        </p:spPr>
+        <p:txBody>
+          <a:bodyPr wrap="square" rtlCol="0">
+            <a:spAutoFit/>
+          </a:bodyPr>
+          <a:lstStyle/>
+          <a:p>
+            <a:pPr algn="ctr"/>
+            <a:r>
+              <a:rPr lang="en-US" sz="1050" dirty="0"/>
+              <a:t>match()</a:t>
+            </a:r>
+          </a:p>
+        </p:txBody>
+      </p:sp>
+      <p:sp>
+        <p:nvSpPr>
+          <p:cNvPr id="120" name="TextBox 119">
+            <a:extLst>
+              <a:ext uri="{FF2B5EF4-FFF2-40B4-BE49-F238E27FC236}">
+                <a16:creationId xmlns:a16="http://schemas.microsoft.com/office/drawing/2014/main" id="{C402842B-E1E3-4251-B01D-B73BD4F297A6}"/>
+              </a:ext>
+            </a:extLst>
+          </p:cNvPr>
+          <p:cNvSpPr txBox="1"/>
+          <p:nvPr/>
+        </p:nvSpPr>
+        <p:spPr>
+          <a:xfrm>
+            <a:off x="9834168" y="1117363"/>
+            <a:ext cx="811671" cy="253916"/>
+          </a:xfrm>
+          <a:prstGeom prst="rect">
+            <a:avLst/>
+          </a:prstGeom>
+          <a:noFill/>
+        </p:spPr>
+        <p:txBody>
+          <a:bodyPr wrap="square" rtlCol="0">
+            <a:spAutoFit/>
+          </a:bodyPr>
+          <a:lstStyle/>
+          <a:p>
+            <a:pPr algn="ctr"/>
+            <a:r>
+              <a:rPr lang="en-US" sz="1050" dirty="0"/>
+              <a:t>merge()</a:t>
+            </a:r>
+          </a:p>
+        </p:txBody>
+      </p:sp>
+      <p:sp>
+        <p:nvSpPr>
+          <p:cNvPr id="121" name="TextBox 120">
+            <a:extLst>
+              <a:ext uri="{FF2B5EF4-FFF2-40B4-BE49-F238E27FC236}">
+                <a16:creationId xmlns:a16="http://schemas.microsoft.com/office/drawing/2014/main" id="{47CC4F94-B257-41C1-8B70-E502A893D413}"/>
+              </a:ext>
+            </a:extLst>
+          </p:cNvPr>
+          <p:cNvSpPr txBox="1"/>
+          <p:nvPr/>
+        </p:nvSpPr>
+        <p:spPr>
+          <a:xfrm>
+            <a:off x="9713591" y="3681141"/>
+            <a:ext cx="948114" cy="253916"/>
+          </a:xfrm>
+          <a:prstGeom prst="rect">
+            <a:avLst/>
+          </a:prstGeom>
+          <a:noFill/>
+        </p:spPr>
+        <p:txBody>
+          <a:bodyPr wrap="square" rtlCol="0">
+            <a:spAutoFit/>
+          </a:bodyPr>
+          <a:lstStyle/>
+          <a:p>
+            <a:pPr algn="ctr"/>
+            <a:r>
+              <a:rPr lang="en-US" sz="1050" dirty="0"/>
+              <a:t>unmerge()</a:t>
+            </a:r>
+          </a:p>
+        </p:txBody>
+      </p:sp>
+      <p:cxnSp>
+        <p:nvCxnSpPr>
+          <p:cNvPr id="129" name="Straight Arrow Connector 128">
+            <a:extLst>
+              <a:ext uri="{FF2B5EF4-FFF2-40B4-BE49-F238E27FC236}">
+                <a16:creationId xmlns:a16="http://schemas.microsoft.com/office/drawing/2014/main" id="{405F7339-7292-4465-B8B3-5CC316568317}"/>
+              </a:ext>
+            </a:extLst>
+          </p:cNvPr>
+          <p:cNvCxnSpPr>
+            <a:cxnSpLocks/>
+            <a:stCxn id="40" idx="3"/>
+            <a:endCxn id="150" idx="1"/>
+          </p:cNvCxnSpPr>
+          <p:nvPr/>
+        </p:nvCxnSpPr>
+        <p:spPr>
+          <a:xfrm>
+            <a:off x="5652085" y="1590484"/>
+            <a:ext cx="532744" cy="1665"/>
+          </a:xfrm>
+          <a:prstGeom prst="straightConnector1">
+            <a:avLst/>
+          </a:prstGeom>
+          <a:ln>
+            <a:solidFill>
+              <a:schemeClr val="tx1">
+                <a:lumMod val="95000"/>
+                <a:lumOff val="5000"/>
+              </a:schemeClr>
+            </a:solidFill>
+            <a:tailEnd type="triangle"/>
+          </a:ln>
+        </p:spPr>
+        <p:style>
+          <a:lnRef idx="1">
+            <a:schemeClr val="accent1"/>
+          </a:lnRef>
+          <a:fillRef idx="0">
+            <a:schemeClr val="accent1"/>
+          </a:fillRef>
+          <a:effectRef idx="0">
+            <a:schemeClr val="accent1"/>
+          </a:effectRef>
+          <a:fontRef idx="minor">
+            <a:schemeClr val="tx1"/>
+          </a:fontRef>
+        </p:style>
+      </p:cxnSp>
+      <p:cxnSp>
+        <p:nvCxnSpPr>
+          <p:cNvPr id="131" name="Straight Arrow Connector 130">
+            <a:extLst>
+              <a:ext uri="{FF2B5EF4-FFF2-40B4-BE49-F238E27FC236}">
+                <a16:creationId xmlns:a16="http://schemas.microsoft.com/office/drawing/2014/main" id="{D6027A9B-1FB8-4CB8-8783-F3FF9513358A}"/>
+              </a:ext>
+            </a:extLst>
+          </p:cNvPr>
+          <p:cNvCxnSpPr>
+            <a:cxnSpLocks/>
+            <a:stCxn id="150" idx="3"/>
+            <a:endCxn id="94" idx="1"/>
+          </p:cNvCxnSpPr>
+          <p:nvPr/>
+        </p:nvCxnSpPr>
+        <p:spPr>
+          <a:xfrm flipV="1">
+            <a:off x="6757236" y="1590484"/>
+            <a:ext cx="390079" cy="1665"/>
+          </a:xfrm>
+          <a:prstGeom prst="straightConnector1">
+            <a:avLst/>
+          </a:prstGeom>
+          <a:ln>
+            <a:solidFill>
+              <a:schemeClr val="tx1">
+                <a:lumMod val="95000"/>
+                <a:lumOff val="5000"/>
+              </a:schemeClr>
+            </a:solidFill>
+            <a:tailEnd type="triangle"/>
+          </a:ln>
+        </p:spPr>
+        <p:style>
+          <a:lnRef idx="1">
+            <a:schemeClr val="accent1"/>
+          </a:lnRef>
+          <a:fillRef idx="0">
+            <a:schemeClr val="accent1"/>
+          </a:fillRef>
+          <a:effectRef idx="0">
+            <a:schemeClr val="accent1"/>
+          </a:effectRef>
+          <a:fontRef idx="minor">
+            <a:schemeClr val="tx1"/>
+          </a:fontRef>
+        </p:style>
+      </p:cxnSp>
+      <p:cxnSp>
+        <p:nvCxnSpPr>
+          <p:cNvPr id="133" name="Straight Arrow Connector 132">
+            <a:extLst>
+              <a:ext uri="{FF2B5EF4-FFF2-40B4-BE49-F238E27FC236}">
+                <a16:creationId xmlns:a16="http://schemas.microsoft.com/office/drawing/2014/main" id="{AAE959A0-1125-4C78-A770-5E6831E68C23}"/>
+              </a:ext>
+            </a:extLst>
+          </p:cNvPr>
+          <p:cNvCxnSpPr>
+            <a:cxnSpLocks/>
+            <a:stCxn id="51" idx="3"/>
+            <a:endCxn id="155" idx="1"/>
+          </p:cNvCxnSpPr>
+          <p:nvPr/>
+        </p:nvCxnSpPr>
+        <p:spPr>
+          <a:xfrm>
+            <a:off x="5636045" y="3499158"/>
+            <a:ext cx="574166" cy="4133"/>
+          </a:xfrm>
+          <a:prstGeom prst="straightConnector1">
+            <a:avLst/>
+          </a:prstGeom>
+          <a:ln>
+            <a:solidFill>
+              <a:schemeClr val="tx1">
+                <a:lumMod val="95000"/>
+                <a:lumOff val="5000"/>
+              </a:schemeClr>
+            </a:solidFill>
+            <a:headEnd type="triangle"/>
+            <a:tailEnd type="none"/>
+          </a:ln>
+        </p:spPr>
+        <p:style>
+          <a:lnRef idx="1">
+            <a:schemeClr val="accent1"/>
+          </a:lnRef>
+          <a:fillRef idx="0">
+            <a:schemeClr val="accent1"/>
+          </a:fillRef>
+          <a:effectRef idx="0">
+            <a:schemeClr val="accent1"/>
+          </a:effectRef>
+          <a:fontRef idx="minor">
+            <a:schemeClr val="tx1"/>
+          </a:fontRef>
+        </p:style>
+      </p:cxnSp>
+      <p:cxnSp>
+        <p:nvCxnSpPr>
+          <p:cNvPr id="134" name="Straight Arrow Connector 133">
+            <a:extLst>
+              <a:ext uri="{FF2B5EF4-FFF2-40B4-BE49-F238E27FC236}">
+                <a16:creationId xmlns:a16="http://schemas.microsoft.com/office/drawing/2014/main" id="{24C4DE27-1E2A-4B3B-AFB4-2DE36962975C}"/>
+              </a:ext>
+            </a:extLst>
+          </p:cNvPr>
+          <p:cNvCxnSpPr>
+            <a:cxnSpLocks/>
+            <a:stCxn id="155" idx="3"/>
+            <a:endCxn id="103" idx="1"/>
+          </p:cNvCxnSpPr>
+          <p:nvPr/>
+        </p:nvCxnSpPr>
+        <p:spPr>
+          <a:xfrm flipV="1">
+            <a:off x="6782618" y="3499157"/>
+            <a:ext cx="1282598" cy="4134"/>
+          </a:xfrm>
+          <a:prstGeom prst="straightConnector1">
+            <a:avLst/>
+          </a:prstGeom>
+          <a:ln>
+            <a:solidFill>
+              <a:schemeClr val="tx1">
+                <a:lumMod val="95000"/>
+                <a:lumOff val="5000"/>
+              </a:schemeClr>
+            </a:solidFill>
+            <a:headEnd type="triangle"/>
+            <a:tailEnd type="none"/>
+          </a:ln>
+        </p:spPr>
+        <p:style>
+          <a:lnRef idx="1">
+            <a:schemeClr val="accent1"/>
+          </a:lnRef>
+          <a:fillRef idx="0">
+            <a:schemeClr val="accent1"/>
+          </a:fillRef>
+          <a:effectRef idx="0">
+            <a:schemeClr val="accent1"/>
+          </a:effectRef>
+          <a:fontRef idx="minor">
+            <a:schemeClr val="tx1"/>
+          </a:fontRef>
+        </p:style>
+      </p:cxnSp>
+      <p:sp>
+        <p:nvSpPr>
+          <p:cNvPr id="139" name="TextBox 138">
+            <a:extLst>
+              <a:ext uri="{FF2B5EF4-FFF2-40B4-BE49-F238E27FC236}">
+                <a16:creationId xmlns:a16="http://schemas.microsoft.com/office/drawing/2014/main" id="{45B28AF8-4CCF-4994-88A6-CEF3069A5589}"/>
+              </a:ext>
+            </a:extLst>
+          </p:cNvPr>
+          <p:cNvSpPr txBox="1"/>
+          <p:nvPr/>
+        </p:nvSpPr>
+        <p:spPr>
+          <a:xfrm>
+            <a:off x="1080486" y="878679"/>
+            <a:ext cx="1466196" cy="307777"/>
+          </a:xfrm>
+          <a:prstGeom prst="rect">
+            <a:avLst/>
+          </a:prstGeom>
+          <a:noFill/>
+          <a:ln>
+            <a:noFill/>
+          </a:ln>
+        </p:spPr>
+        <p:txBody>
+          <a:bodyPr wrap="square" rtlCol="0">
+            <a:spAutoFit/>
+          </a:bodyPr>
+          <a:lstStyle/>
+          <a:p>
+            <a:pPr defTabSz="539750"/>
+            <a:r>
+              <a:rPr lang="en-US" sz="1400" i="1" dirty="0"/>
+              <a:t>Node on level n</a:t>
+            </a:r>
+            <a:endParaRPr lang="nl-NL" sz="1400" i="1" dirty="0"/>
+          </a:p>
+        </p:txBody>
+      </p:sp>
+      <p:sp>
+        <p:nvSpPr>
+          <p:cNvPr id="140" name="TextBox 139">
+            <a:extLst>
+              <a:ext uri="{FF2B5EF4-FFF2-40B4-BE49-F238E27FC236}">
+                <a16:creationId xmlns:a16="http://schemas.microsoft.com/office/drawing/2014/main" id="{F0A2C72E-6582-4A3F-800E-4736A6169754}"/>
+              </a:ext>
+            </a:extLst>
+          </p:cNvPr>
+          <p:cNvSpPr txBox="1"/>
+          <p:nvPr/>
+        </p:nvSpPr>
+        <p:spPr>
+          <a:xfrm>
+            <a:off x="5317192" y="735902"/>
+            <a:ext cx="2358446" cy="430887"/>
+          </a:xfrm>
+          <a:prstGeom prst="rect">
+            <a:avLst/>
+          </a:prstGeom>
+          <a:noFill/>
+          <a:ln>
+            <a:noFill/>
+          </a:ln>
+        </p:spPr>
+        <p:txBody>
+          <a:bodyPr wrap="square" rtlCol="0">
+            <a:spAutoFit/>
+          </a:bodyPr>
+          <a:lstStyle/>
+          <a:p>
+            <a:pPr algn="ctr" defTabSz="539750"/>
+            <a:r>
+              <a:rPr lang="en-US" sz="1100" i="1" dirty="0"/>
+              <a:t>Blockchain</a:t>
+            </a:r>
+          </a:p>
+          <a:p>
+            <a:pPr algn="ctr" defTabSz="539750"/>
+            <a:r>
+              <a:rPr lang="en-US" sz="1100" i="1" dirty="0"/>
+              <a:t>level n+1</a:t>
+            </a:r>
+            <a:endParaRPr lang="nl-NL" sz="1100" i="1" dirty="0"/>
+          </a:p>
+        </p:txBody>
+      </p:sp>
+      <p:sp>
+        <p:nvSpPr>
+          <p:cNvPr id="141" name="Rectangle 140">
+            <a:extLst>
+              <a:ext uri="{FF2B5EF4-FFF2-40B4-BE49-F238E27FC236}">
+                <a16:creationId xmlns:a16="http://schemas.microsoft.com/office/drawing/2014/main" id="{99160274-8EC9-4384-86CB-7C3FCCF3C3E3}"/>
+              </a:ext>
+            </a:extLst>
+          </p:cNvPr>
+          <p:cNvSpPr/>
+          <p:nvPr/>
+        </p:nvSpPr>
+        <p:spPr>
+          <a:xfrm>
+            <a:off x="6102423" y="1106040"/>
+            <a:ext cx="724502" cy="2891603"/>
+          </a:xfrm>
+          <a:prstGeom prst="rect">
+            <a:avLst/>
+          </a:prstGeom>
+          <a:noFill/>
+          <a:ln>
+            <a:prstDash val="lgDashDotDot"/>
+          </a:ln>
+        </p:spPr>
+        <p:style>
+          <a:lnRef idx="2">
+            <a:schemeClr val="accent1">
+              <a:shade val="50000"/>
+            </a:schemeClr>
+          </a:lnRef>
+          <a:fillRef idx="1">
+            <a:schemeClr val="accent1"/>
+          </a:fillRef>
+          <a:effectRef idx="0">
+            <a:schemeClr val="accent1"/>
+          </a:effectRef>
+          <a:fontRef idx="minor">
+            <a:schemeClr val="lt1"/>
+          </a:fontRef>
+        </p:style>
+        <p:txBody>
+          <a:bodyPr rtlCol="0" anchor="ctr"/>
+          <a:lstStyle/>
+          <a:p>
+            <a:pPr algn="ctr"/>
+            <a:endParaRPr lang="nl-NL"/>
+          </a:p>
+        </p:txBody>
+      </p:sp>
+      <p:pic>
+        <p:nvPicPr>
+          <p:cNvPr id="146" name="Graphic 145" descr="Link">
+            <a:extLst>
+              <a:ext uri="{FF2B5EF4-FFF2-40B4-BE49-F238E27FC236}">
+                <a16:creationId xmlns:a16="http://schemas.microsoft.com/office/drawing/2014/main" id="{96C5A4C0-FFB4-4DFE-8BA1-ECD56AA7EB57}"/>
+              </a:ext>
+            </a:extLst>
+          </p:cNvPr>
+          <p:cNvPicPr>
+            <a:picLocks noChangeAspect="1"/>
+          </p:cNvPicPr>
+          <p:nvPr/>
+        </p:nvPicPr>
+        <p:blipFill>
+          <a:blip r:embed="rId10">
+            <a:extLst>
+              <a:ext uri="{28A0092B-C50C-407E-A947-70E740481C1C}">
+                <a14:useLocalDpi xmlns:a14="http://schemas.microsoft.com/office/drawing/2010/main" val="0"/>
+              </a:ext>
+              <a:ext uri="{96DAC541-7B7A-43D3-8B79-37D633B846F1}">
+                <asvg:svgBlip xmlns:asvg="http://schemas.microsoft.com/office/drawing/2016/SVG/main" r:embed="rId11"/>
+              </a:ext>
+            </a:extLst>
+          </a:blip>
+          <a:stretch>
+            <a:fillRect/>
+          </a:stretch>
+        </p:blipFill>
+        <p:spPr>
+          <a:xfrm>
+            <a:off x="6241721" y="2302051"/>
+            <a:ext cx="485537" cy="485537"/>
+          </a:xfrm>
+          <a:prstGeom prst="rect">
+            <a:avLst/>
+          </a:prstGeom>
+        </p:spPr>
+      </p:pic>
+      <p:sp>
+        <p:nvSpPr>
+          <p:cNvPr id="148" name="TextBox 147">
+            <a:extLst>
+              <a:ext uri="{FF2B5EF4-FFF2-40B4-BE49-F238E27FC236}">
+                <a16:creationId xmlns:a16="http://schemas.microsoft.com/office/drawing/2014/main" id="{CF437C91-DC3A-4E2E-A999-3679277C70DE}"/>
+              </a:ext>
+            </a:extLst>
+          </p:cNvPr>
+          <p:cNvSpPr txBox="1"/>
+          <p:nvPr/>
+        </p:nvSpPr>
+        <p:spPr>
+          <a:xfrm>
+            <a:off x="119991" y="735902"/>
+            <a:ext cx="953321" cy="430887"/>
+          </a:xfrm>
+          <a:prstGeom prst="rect">
+            <a:avLst/>
+          </a:prstGeom>
+          <a:noFill/>
+          <a:ln>
+            <a:noFill/>
+          </a:ln>
+        </p:spPr>
+        <p:txBody>
+          <a:bodyPr wrap="square" rtlCol="0">
+            <a:spAutoFit/>
+          </a:bodyPr>
+          <a:lstStyle/>
+          <a:p>
+            <a:pPr algn="ctr" defTabSz="539750"/>
+            <a:r>
+              <a:rPr lang="en-US" sz="1100" i="1" dirty="0"/>
+              <a:t>Blockchain</a:t>
+            </a:r>
+          </a:p>
+          <a:p>
+            <a:pPr algn="ctr" defTabSz="539750"/>
+            <a:r>
+              <a:rPr lang="en-US" sz="1100" i="1" dirty="0"/>
+              <a:t>level n</a:t>
+            </a:r>
+            <a:endParaRPr lang="nl-NL" sz="1100" i="1" dirty="0"/>
+          </a:p>
+        </p:txBody>
+      </p:sp>
+      <p:pic>
+        <p:nvPicPr>
+          <p:cNvPr id="150" name="Graphic 149" descr="Open Folder">
+            <a:extLst>
+              <a:ext uri="{FF2B5EF4-FFF2-40B4-BE49-F238E27FC236}">
+                <a16:creationId xmlns:a16="http://schemas.microsoft.com/office/drawing/2014/main" id="{19D84907-8C04-4632-A5E4-FD31792515D0}"/>
+              </a:ext>
+            </a:extLst>
+          </p:cNvPr>
+          <p:cNvPicPr>
+            <a:picLocks noChangeAspect="1"/>
+          </p:cNvPicPr>
+          <p:nvPr/>
+        </p:nvPicPr>
+        <p:blipFill>
+          <a:blip r:embed="rId2">
+            <a:extLst>
+              <a:ext uri="{28A0092B-C50C-407E-A947-70E740481C1C}">
+                <a14:useLocalDpi xmlns:a14="http://schemas.microsoft.com/office/drawing/2010/main" val="0"/>
+              </a:ext>
+              <a:ext uri="{96DAC541-7B7A-43D3-8B79-37D633B846F1}">
+                <asvg:svgBlip xmlns:asvg="http://schemas.microsoft.com/office/drawing/2016/SVG/main" r:embed="rId3"/>
+              </a:ext>
+            </a:extLst>
+          </a:blip>
+          <a:stretch>
+            <a:fillRect/>
+          </a:stretch>
+        </p:blipFill>
+        <p:spPr>
+          <a:xfrm>
+            <a:off x="6184829" y="1305945"/>
+            <a:ext cx="572407" cy="572407"/>
+          </a:xfrm>
+          <a:prstGeom prst="rect">
+            <a:avLst/>
+          </a:prstGeom>
+        </p:spPr>
+      </p:pic>
+      <p:pic>
+        <p:nvPicPr>
+          <p:cNvPr id="155" name="Graphic 154" descr="Checklist">
+            <a:extLst>
+              <a:ext uri="{FF2B5EF4-FFF2-40B4-BE49-F238E27FC236}">
+                <a16:creationId xmlns:a16="http://schemas.microsoft.com/office/drawing/2014/main" id="{6E37B747-BC61-4A6E-B506-82EBE5E5B96A}"/>
+              </a:ext>
+            </a:extLst>
+          </p:cNvPr>
+          <p:cNvPicPr>
+            <a:picLocks noChangeAspect="1"/>
+          </p:cNvPicPr>
+          <p:nvPr/>
+        </p:nvPicPr>
+        <p:blipFill>
+          <a:blip r:embed="rId8">
+            <a:extLst>
+              <a:ext uri="{28A0092B-C50C-407E-A947-70E740481C1C}">
+                <a14:useLocalDpi xmlns:a14="http://schemas.microsoft.com/office/drawing/2010/main" val="0"/>
+              </a:ext>
+              <a:ext uri="{96DAC541-7B7A-43D3-8B79-37D633B846F1}">
+                <asvg:svgBlip xmlns:asvg="http://schemas.microsoft.com/office/drawing/2016/SVG/main" r:embed="rId9"/>
+              </a:ext>
+            </a:extLst>
+          </a:blip>
+          <a:stretch>
+            <a:fillRect/>
+          </a:stretch>
+        </p:blipFill>
+        <p:spPr>
+          <a:xfrm>
+            <a:off x="6210211" y="3217087"/>
+            <a:ext cx="572407" cy="572407"/>
+          </a:xfrm>
+          <a:prstGeom prst="rect">
+            <a:avLst/>
+          </a:prstGeom>
+        </p:spPr>
+      </p:pic>
+      <p:sp>
+        <p:nvSpPr>
+          <p:cNvPr id="164" name="Rectangle 163">
+            <a:extLst>
+              <a:ext uri="{FF2B5EF4-FFF2-40B4-BE49-F238E27FC236}">
+                <a16:creationId xmlns:a16="http://schemas.microsoft.com/office/drawing/2014/main" id="{AD4EE9CC-001C-45E7-81C5-37171941C949}"/>
+              </a:ext>
+            </a:extLst>
+          </p:cNvPr>
+          <p:cNvSpPr/>
+          <p:nvPr/>
+        </p:nvSpPr>
+        <p:spPr>
+          <a:xfrm>
+            <a:off x="227393" y="1106040"/>
+            <a:ext cx="724502" cy="2891603"/>
+          </a:xfrm>
+          <a:prstGeom prst="rect">
+            <a:avLst/>
+          </a:prstGeom>
+          <a:noFill/>
+          <a:ln>
+            <a:prstDash val="lgDashDotDot"/>
+          </a:ln>
+        </p:spPr>
+        <p:style>
+          <a:lnRef idx="2">
+            <a:schemeClr val="accent1">
+              <a:shade val="50000"/>
+            </a:schemeClr>
+          </a:lnRef>
+          <a:fillRef idx="1">
+            <a:schemeClr val="accent1"/>
+          </a:fillRef>
+          <a:effectRef idx="0">
+            <a:schemeClr val="accent1"/>
+          </a:effectRef>
+          <a:fontRef idx="minor">
+            <a:schemeClr val="lt1"/>
+          </a:fontRef>
+        </p:style>
+        <p:txBody>
+          <a:bodyPr rtlCol="0" anchor="ctr"/>
+          <a:lstStyle/>
+          <a:p>
+            <a:pPr algn="ctr"/>
+            <a:endParaRPr lang="nl-NL"/>
+          </a:p>
+        </p:txBody>
+      </p:sp>
+      <p:pic>
+        <p:nvPicPr>
+          <p:cNvPr id="165" name="Graphic 164" descr="Link">
+            <a:extLst>
+              <a:ext uri="{FF2B5EF4-FFF2-40B4-BE49-F238E27FC236}">
+                <a16:creationId xmlns:a16="http://schemas.microsoft.com/office/drawing/2014/main" id="{16C8A7AB-612B-4E74-BF06-D19C74431AB7}"/>
+              </a:ext>
+            </a:extLst>
+          </p:cNvPr>
+          <p:cNvPicPr>
+            <a:picLocks noChangeAspect="1"/>
+          </p:cNvPicPr>
+          <p:nvPr/>
+        </p:nvPicPr>
+        <p:blipFill>
+          <a:blip r:embed="rId10">
+            <a:extLst>
+              <a:ext uri="{28A0092B-C50C-407E-A947-70E740481C1C}">
+                <a14:useLocalDpi xmlns:a14="http://schemas.microsoft.com/office/drawing/2010/main" val="0"/>
+              </a:ext>
+              <a:ext uri="{96DAC541-7B7A-43D3-8B79-37D633B846F1}">
+                <asvg:svgBlip xmlns:asvg="http://schemas.microsoft.com/office/drawing/2016/SVG/main" r:embed="rId11"/>
+              </a:ext>
+            </a:extLst>
+          </a:blip>
+          <a:stretch>
+            <a:fillRect/>
+          </a:stretch>
+        </p:blipFill>
+        <p:spPr>
+          <a:xfrm>
+            <a:off x="366691" y="2302051"/>
+            <a:ext cx="485537" cy="485537"/>
+          </a:xfrm>
+          <a:prstGeom prst="rect">
+            <a:avLst/>
+          </a:prstGeom>
+        </p:spPr>
+      </p:pic>
+      <p:pic>
+        <p:nvPicPr>
+          <p:cNvPr id="166" name="Graphic 165" descr="Open Folder">
+            <a:extLst>
+              <a:ext uri="{FF2B5EF4-FFF2-40B4-BE49-F238E27FC236}">
+                <a16:creationId xmlns:a16="http://schemas.microsoft.com/office/drawing/2014/main" id="{687FAA8D-0522-4E1C-862D-D7B4E488106B}"/>
+              </a:ext>
+            </a:extLst>
+          </p:cNvPr>
+          <p:cNvPicPr>
+            <a:picLocks noChangeAspect="1"/>
+          </p:cNvPicPr>
+          <p:nvPr/>
+        </p:nvPicPr>
+        <p:blipFill>
+          <a:blip r:embed="rId2">
+            <a:extLst>
+              <a:ext uri="{28A0092B-C50C-407E-A947-70E740481C1C}">
+                <a14:useLocalDpi xmlns:a14="http://schemas.microsoft.com/office/drawing/2010/main" val="0"/>
+              </a:ext>
+              <a:ext uri="{96DAC541-7B7A-43D3-8B79-37D633B846F1}">
+                <asvg:svgBlip xmlns:asvg="http://schemas.microsoft.com/office/drawing/2016/SVG/main" r:embed="rId3"/>
+              </a:ext>
+            </a:extLst>
+          </a:blip>
+          <a:stretch>
+            <a:fillRect/>
+          </a:stretch>
+        </p:blipFill>
+        <p:spPr>
+          <a:xfrm>
+            <a:off x="309799" y="1305945"/>
+            <a:ext cx="572407" cy="572407"/>
+          </a:xfrm>
+          <a:prstGeom prst="rect">
+            <a:avLst/>
+          </a:prstGeom>
+        </p:spPr>
+      </p:pic>
+      <p:pic>
+        <p:nvPicPr>
+          <p:cNvPr id="167" name="Graphic 166" descr="Checklist">
+            <a:extLst>
+              <a:ext uri="{FF2B5EF4-FFF2-40B4-BE49-F238E27FC236}">
+                <a16:creationId xmlns:a16="http://schemas.microsoft.com/office/drawing/2014/main" id="{C08C81C1-D979-4E05-8C42-AC2E09EF7E61}"/>
+              </a:ext>
+            </a:extLst>
+          </p:cNvPr>
+          <p:cNvPicPr>
+            <a:picLocks noChangeAspect="1"/>
+          </p:cNvPicPr>
+          <p:nvPr/>
+        </p:nvPicPr>
+        <p:blipFill>
+          <a:blip r:embed="rId8">
+            <a:extLst>
+              <a:ext uri="{28A0092B-C50C-407E-A947-70E740481C1C}">
+                <a14:useLocalDpi xmlns:a14="http://schemas.microsoft.com/office/drawing/2010/main" val="0"/>
+              </a:ext>
+              <a:ext uri="{96DAC541-7B7A-43D3-8B79-37D633B846F1}">
+                <asvg:svgBlip xmlns:asvg="http://schemas.microsoft.com/office/drawing/2016/SVG/main" r:embed="rId9"/>
+              </a:ext>
+            </a:extLst>
+          </a:blip>
+          <a:stretch>
+            <a:fillRect/>
+          </a:stretch>
+        </p:blipFill>
+        <p:spPr>
+          <a:xfrm>
+            <a:off x="335181" y="3217087"/>
+            <a:ext cx="572407" cy="572407"/>
+          </a:xfrm>
+          <a:prstGeom prst="rect">
+            <a:avLst/>
+          </a:prstGeom>
+        </p:spPr>
+      </p:pic>
+      <p:cxnSp>
+        <p:nvCxnSpPr>
+          <p:cNvPr id="169" name="Straight Arrow Connector 168">
+            <a:extLst>
+              <a:ext uri="{FF2B5EF4-FFF2-40B4-BE49-F238E27FC236}">
+                <a16:creationId xmlns:a16="http://schemas.microsoft.com/office/drawing/2014/main" id="{42AB1E3F-1D69-4DB5-B779-D6215519051B}"/>
+              </a:ext>
+            </a:extLst>
+          </p:cNvPr>
+          <p:cNvCxnSpPr>
+            <a:stCxn id="166" idx="3"/>
+            <a:endCxn id="5" idx="1"/>
+          </p:cNvCxnSpPr>
+          <p:nvPr/>
+        </p:nvCxnSpPr>
+        <p:spPr>
+          <a:xfrm flipV="1">
+            <a:off x="882206" y="1590484"/>
+            <a:ext cx="371577" cy="1665"/>
+          </a:xfrm>
+          <a:prstGeom prst="straightConnector1">
+            <a:avLst/>
+          </a:prstGeom>
+          <a:ln>
+            <a:solidFill>
+              <a:schemeClr val="tx1"/>
+            </a:solidFill>
+            <a:tailEnd type="triangle"/>
+          </a:ln>
+        </p:spPr>
+        <p:style>
+          <a:lnRef idx="1">
+            <a:schemeClr val="accent1"/>
+          </a:lnRef>
+          <a:fillRef idx="0">
+            <a:schemeClr val="accent1"/>
+          </a:fillRef>
+          <a:effectRef idx="0">
+            <a:schemeClr val="accent1"/>
+          </a:effectRef>
+          <a:fontRef idx="minor">
+            <a:schemeClr val="tx1"/>
+          </a:fontRef>
+        </p:style>
+      </p:cxnSp>
+      <p:cxnSp>
+        <p:nvCxnSpPr>
+          <p:cNvPr id="171" name="Straight Arrow Connector 170">
+            <a:extLst>
+              <a:ext uri="{FF2B5EF4-FFF2-40B4-BE49-F238E27FC236}">
+                <a16:creationId xmlns:a16="http://schemas.microsoft.com/office/drawing/2014/main" id="{8CFF6EB4-0222-4833-935C-FBDFD6BF61E9}"/>
+              </a:ext>
+            </a:extLst>
+          </p:cNvPr>
+          <p:cNvCxnSpPr>
+            <a:stCxn id="27" idx="1"/>
+            <a:endCxn id="167" idx="3"/>
+          </p:cNvCxnSpPr>
+          <p:nvPr/>
+        </p:nvCxnSpPr>
+        <p:spPr>
+          <a:xfrm flipH="1">
+            <a:off x="907588" y="3499157"/>
+            <a:ext cx="1264096" cy="4134"/>
+          </a:xfrm>
+          <a:prstGeom prst="straightConnector1">
+            <a:avLst/>
+          </a:prstGeom>
+          <a:ln>
+            <a:solidFill>
+              <a:schemeClr val="tx1"/>
+            </a:solidFill>
+            <a:tailEnd type="triangle"/>
+          </a:ln>
+        </p:spPr>
+        <p:style>
+          <a:lnRef idx="1">
+            <a:schemeClr val="accent1"/>
+          </a:lnRef>
+          <a:fillRef idx="0">
+            <a:schemeClr val="accent1"/>
+          </a:fillRef>
+          <a:effectRef idx="0">
+            <a:schemeClr val="accent1"/>
+          </a:effectRef>
+          <a:fontRef idx="minor">
+            <a:schemeClr val="tx1"/>
+          </a:fontRef>
+        </p:style>
+      </p:cxnSp>
+      <p:sp>
+        <p:nvSpPr>
+          <p:cNvPr id="126" name="TextBox 125">
+            <a:extLst>
+              <a:ext uri="{FF2B5EF4-FFF2-40B4-BE49-F238E27FC236}">
+                <a16:creationId xmlns:a16="http://schemas.microsoft.com/office/drawing/2014/main" id="{3969A4E7-871E-4C5A-BFBC-4300643BE8C9}"/>
+              </a:ext>
+            </a:extLst>
+          </p:cNvPr>
+          <p:cNvSpPr txBox="1"/>
+          <p:nvPr/>
+        </p:nvSpPr>
+        <p:spPr>
+          <a:xfrm>
+            <a:off x="11100672" y="735902"/>
+            <a:ext cx="2358446" cy="430887"/>
+          </a:xfrm>
+          <a:prstGeom prst="rect">
+            <a:avLst/>
+          </a:prstGeom>
+          <a:noFill/>
+          <a:ln>
+            <a:noFill/>
+          </a:ln>
+        </p:spPr>
+        <p:txBody>
+          <a:bodyPr wrap="square" rtlCol="0">
+            <a:spAutoFit/>
+          </a:bodyPr>
+          <a:lstStyle/>
+          <a:p>
+            <a:pPr algn="ctr" defTabSz="539750"/>
+            <a:r>
+              <a:rPr lang="en-US" sz="1100" i="1" dirty="0"/>
+              <a:t>Blockchain</a:t>
+            </a:r>
+          </a:p>
+          <a:p>
+            <a:pPr algn="ctr" defTabSz="539750"/>
+            <a:r>
+              <a:rPr lang="en-US" sz="1100" i="1" dirty="0"/>
+              <a:t>level n+1</a:t>
+            </a:r>
+            <a:endParaRPr lang="nl-NL" sz="1100" i="1" dirty="0"/>
+          </a:p>
+        </p:txBody>
+      </p:sp>
+      <p:sp>
+        <p:nvSpPr>
+          <p:cNvPr id="127" name="Rectangle 126">
+            <a:extLst>
+              <a:ext uri="{FF2B5EF4-FFF2-40B4-BE49-F238E27FC236}">
+                <a16:creationId xmlns:a16="http://schemas.microsoft.com/office/drawing/2014/main" id="{A9CD15AC-83A3-4898-9991-51882A34E791}"/>
+              </a:ext>
+            </a:extLst>
+          </p:cNvPr>
+          <p:cNvSpPr/>
+          <p:nvPr/>
+        </p:nvSpPr>
+        <p:spPr>
+          <a:xfrm>
+            <a:off x="11885903" y="1106040"/>
+            <a:ext cx="724502" cy="2891603"/>
+          </a:xfrm>
+          <a:prstGeom prst="rect">
+            <a:avLst/>
+          </a:prstGeom>
+          <a:noFill/>
+          <a:ln>
+            <a:prstDash val="lgDashDotDot"/>
+          </a:ln>
+        </p:spPr>
+        <p:style>
+          <a:lnRef idx="2">
+            <a:schemeClr val="accent1">
+              <a:shade val="50000"/>
+            </a:schemeClr>
+          </a:lnRef>
+          <a:fillRef idx="1">
+            <a:schemeClr val="accent1"/>
+          </a:fillRef>
+          <a:effectRef idx="0">
+            <a:schemeClr val="accent1"/>
+          </a:effectRef>
+          <a:fontRef idx="minor">
+            <a:schemeClr val="lt1"/>
+          </a:fontRef>
+        </p:style>
+        <p:txBody>
+          <a:bodyPr rtlCol="0" anchor="ctr"/>
+          <a:lstStyle/>
+          <a:p>
+            <a:pPr algn="ctr"/>
+            <a:endParaRPr lang="nl-NL"/>
+          </a:p>
+        </p:txBody>
+      </p:sp>
+      <p:pic>
+        <p:nvPicPr>
+          <p:cNvPr id="128" name="Graphic 127" descr="Link">
+            <a:extLst>
+              <a:ext uri="{FF2B5EF4-FFF2-40B4-BE49-F238E27FC236}">
+                <a16:creationId xmlns:a16="http://schemas.microsoft.com/office/drawing/2014/main" id="{2AA841DD-43D1-4037-8AF0-52102A20FE5F}"/>
+              </a:ext>
+            </a:extLst>
+          </p:cNvPr>
+          <p:cNvPicPr>
+            <a:picLocks noChangeAspect="1"/>
+          </p:cNvPicPr>
+          <p:nvPr/>
+        </p:nvPicPr>
+        <p:blipFill>
+          <a:blip r:embed="rId10">
+            <a:extLst>
+              <a:ext uri="{28A0092B-C50C-407E-A947-70E740481C1C}">
+                <a14:useLocalDpi xmlns:a14="http://schemas.microsoft.com/office/drawing/2010/main" val="0"/>
+              </a:ext>
+              <a:ext uri="{96DAC541-7B7A-43D3-8B79-37D633B846F1}">
+                <asvg:svgBlip xmlns:asvg="http://schemas.microsoft.com/office/drawing/2016/SVG/main" r:embed="rId11"/>
+              </a:ext>
+            </a:extLst>
+          </a:blip>
+          <a:stretch>
+            <a:fillRect/>
+          </a:stretch>
+        </p:blipFill>
+        <p:spPr>
+          <a:xfrm>
+            <a:off x="12025201" y="2302051"/>
+            <a:ext cx="485537" cy="485537"/>
+          </a:xfrm>
+          <a:prstGeom prst="rect">
+            <a:avLst/>
+          </a:prstGeom>
+        </p:spPr>
+      </p:pic>
+      <p:pic>
+        <p:nvPicPr>
+          <p:cNvPr id="130" name="Graphic 129" descr="Open Folder">
+            <a:extLst>
+              <a:ext uri="{FF2B5EF4-FFF2-40B4-BE49-F238E27FC236}">
+                <a16:creationId xmlns:a16="http://schemas.microsoft.com/office/drawing/2014/main" id="{F0D9710C-BE46-4B77-863C-F769399D6CB8}"/>
+              </a:ext>
+            </a:extLst>
+          </p:cNvPr>
+          <p:cNvPicPr>
+            <a:picLocks noChangeAspect="1"/>
+          </p:cNvPicPr>
+          <p:nvPr/>
+        </p:nvPicPr>
+        <p:blipFill>
+          <a:blip r:embed="rId2">
+            <a:extLst>
+              <a:ext uri="{28A0092B-C50C-407E-A947-70E740481C1C}">
+                <a14:useLocalDpi xmlns:a14="http://schemas.microsoft.com/office/drawing/2010/main" val="0"/>
+              </a:ext>
+              <a:ext uri="{96DAC541-7B7A-43D3-8B79-37D633B846F1}">
+                <asvg:svgBlip xmlns:asvg="http://schemas.microsoft.com/office/drawing/2016/SVG/main" r:embed="rId3"/>
+              </a:ext>
+            </a:extLst>
+          </a:blip>
+          <a:stretch>
+            <a:fillRect/>
+          </a:stretch>
+        </p:blipFill>
+        <p:spPr>
+          <a:xfrm>
+            <a:off x="11968309" y="1305945"/>
+            <a:ext cx="572407" cy="572407"/>
+          </a:xfrm>
+          <a:prstGeom prst="rect">
+            <a:avLst/>
+          </a:prstGeom>
+        </p:spPr>
+      </p:pic>
+      <p:pic>
+        <p:nvPicPr>
+          <p:cNvPr id="132" name="Graphic 131" descr="Checklist">
+            <a:extLst>
+              <a:ext uri="{FF2B5EF4-FFF2-40B4-BE49-F238E27FC236}">
+                <a16:creationId xmlns:a16="http://schemas.microsoft.com/office/drawing/2014/main" id="{E60DF26B-2176-4071-88D2-4B8F437F133C}"/>
+              </a:ext>
+            </a:extLst>
+          </p:cNvPr>
+          <p:cNvPicPr>
+            <a:picLocks noChangeAspect="1"/>
+          </p:cNvPicPr>
+          <p:nvPr/>
+        </p:nvPicPr>
+        <p:blipFill>
+          <a:blip r:embed="rId8">
+            <a:extLst>
+              <a:ext uri="{28A0092B-C50C-407E-A947-70E740481C1C}">
+                <a14:useLocalDpi xmlns:a14="http://schemas.microsoft.com/office/drawing/2010/main" val="0"/>
+              </a:ext>
+              <a:ext uri="{96DAC541-7B7A-43D3-8B79-37D633B846F1}">
+                <asvg:svgBlip xmlns:asvg="http://schemas.microsoft.com/office/drawing/2016/SVG/main" r:embed="rId9"/>
+              </a:ext>
+            </a:extLst>
+          </a:blip>
+          <a:stretch>
+            <a:fillRect/>
+          </a:stretch>
+        </p:blipFill>
+        <p:spPr>
+          <a:xfrm>
+            <a:off x="11993691" y="3217087"/>
+            <a:ext cx="572407" cy="572407"/>
+          </a:xfrm>
+          <a:prstGeom prst="rect">
+            <a:avLst/>
+          </a:prstGeom>
+        </p:spPr>
+      </p:pic>
+      <p:cxnSp>
+        <p:nvCxnSpPr>
+          <p:cNvPr id="17" name="Straight Arrow Connector 16">
+            <a:extLst>
+              <a:ext uri="{FF2B5EF4-FFF2-40B4-BE49-F238E27FC236}">
+                <a16:creationId xmlns:a16="http://schemas.microsoft.com/office/drawing/2014/main" id="{1FA8CB8D-79CB-4537-9844-9C15C47D5A36}"/>
+              </a:ext>
+            </a:extLst>
+          </p:cNvPr>
+          <p:cNvCxnSpPr>
+            <a:stCxn id="106" idx="3"/>
+            <a:endCxn id="130" idx="1"/>
+          </p:cNvCxnSpPr>
+          <p:nvPr/>
+        </p:nvCxnSpPr>
+        <p:spPr>
+          <a:xfrm>
+            <a:off x="11545617" y="1590484"/>
+            <a:ext cx="422692" cy="1665"/>
+          </a:xfrm>
+          <a:prstGeom prst="straightConnector1">
+            <a:avLst/>
+          </a:prstGeom>
+          <a:ln>
+            <a:solidFill>
+              <a:schemeClr val="tx1"/>
+            </a:solidFill>
+            <a:tailEnd type="triangle"/>
+          </a:ln>
+        </p:spPr>
+        <p:style>
+          <a:lnRef idx="1">
+            <a:schemeClr val="accent1"/>
+          </a:lnRef>
+          <a:fillRef idx="0">
+            <a:schemeClr val="accent1"/>
+          </a:fillRef>
+          <a:effectRef idx="0">
+            <a:schemeClr val="accent1"/>
+          </a:effectRef>
+          <a:fontRef idx="minor">
+            <a:schemeClr val="tx1"/>
+          </a:fontRef>
+        </p:style>
+      </p:cxnSp>
+      <p:cxnSp>
+        <p:nvCxnSpPr>
+          <p:cNvPr id="21" name="Straight Arrow Connector 20">
+            <a:extLst>
+              <a:ext uri="{FF2B5EF4-FFF2-40B4-BE49-F238E27FC236}">
+                <a16:creationId xmlns:a16="http://schemas.microsoft.com/office/drawing/2014/main" id="{DCAC98DA-9E01-404E-B8C0-19E5617E8234}"/>
+              </a:ext>
+            </a:extLst>
+          </p:cNvPr>
+          <p:cNvCxnSpPr>
+            <a:stCxn id="132" idx="1"/>
+            <a:endCxn id="109" idx="3"/>
+          </p:cNvCxnSpPr>
+          <p:nvPr/>
+        </p:nvCxnSpPr>
+        <p:spPr>
+          <a:xfrm flipH="1" flipV="1">
+            <a:off x="11529577" y="3499158"/>
+            <a:ext cx="464114" cy="4133"/>
+          </a:xfrm>
+          <a:prstGeom prst="straightConnector1">
+            <a:avLst/>
+          </a:prstGeom>
+          <a:ln>
+            <a:solidFill>
+              <a:schemeClr val="tx1"/>
+            </a:solidFill>
+            <a:tailEnd type="triangle"/>
+          </a:ln>
+        </p:spPr>
+        <p:style>
+          <a:lnRef idx="1">
+            <a:schemeClr val="accent1"/>
+          </a:lnRef>
+          <a:fillRef idx="0">
+            <a:schemeClr val="accent1"/>
+          </a:fillRef>
+          <a:effectRef idx="0">
+            <a:schemeClr val="accent1"/>
+          </a:effectRef>
+          <a:fontRef idx="minor">
+            <a:schemeClr val="tx1"/>
+          </a:fontRef>
+        </p:style>
+      </p:cxnSp>
+    </p:spTree>
+    <p:extLst>
+      <p:ext uri="{BB962C8B-B14F-4D97-AF65-F5344CB8AC3E}">
+        <p14:creationId xmlns:p14="http://schemas.microsoft.com/office/powerpoint/2010/main" val="3446503633"/>
+      </p:ext>
+    </p:extLst>
+  </p:cSld>
+  <p:clrMapOvr>
+    <a:masterClrMapping/>
+  </p:clrMapOvr>
+</p:sld>
+</file>
+
+<file path=ppt/slides/slide3.xml><?xml version="1.0" encoding="utf-8"?>
+<p:sld xmlns:a="http://schemas.openxmlformats.org/drawingml/2006/main" xmlns:r="http://schemas.openxmlformats.org/officeDocument/2006/relationships" xmlns:p="http://schemas.openxmlformats.org/presentationml/2006/main">
+  <p:cSld>
+    <p:spTree>
+      <p:nvGrpSpPr>
+        <p:cNvPr id="1" name=""/>
+        <p:cNvGrpSpPr/>
+        <p:nvPr/>
+      </p:nvGrpSpPr>
+      <p:grpSpPr>
+        <a:xfrm>
+          <a:off x="0" y="0"/>
+          <a:ext cx="0" cy="0"/>
+          <a:chOff x="0" y="0"/>
+          <a:chExt cx="0" cy="0"/>
+        </a:xfrm>
+      </p:grpSpPr>
       <p:sp>
         <p:nvSpPr>
           <p:cNvPr id="114" name="Rectangle 113">
@@ -5967,8 +11151,8 @@
         </p:nvSpPr>
         <p:spPr>
           <a:xfrm>
-            <a:off x="4126365" y="3511241"/>
-            <a:ext cx="1397094" cy="253916"/>
+            <a:off x="4126364" y="3511241"/>
+            <a:ext cx="1452857" cy="253916"/>
           </a:xfrm>
           <a:prstGeom prst="rect">
             <a:avLst/>
@@ -5989,7 +11173,7 @@
               <a:rPr lang="en-US" sz="1050" dirty="0">
                 <a:latin typeface="Consolas" panose="020B0609020204030204" pitchFamily="49" charset="0"/>
               </a:rPr>
-              <a:t>T(1,0,10,7.5)</a:t>
+              <a:t>T(1,0,Bid,10,7.5)</a:t>
             </a:r>
           </a:p>
         </p:txBody>
@@ -6009,7 +11193,7 @@
         <p:spPr>
           <a:xfrm>
             <a:off x="4126364" y="3688213"/>
-            <a:ext cx="1222923" cy="253916"/>
+            <a:ext cx="1575686" cy="253916"/>
           </a:xfrm>
           <a:prstGeom prst="rect">
             <a:avLst/>
@@ -6030,7 +11214,7 @@
               <a:rPr lang="en-US" sz="1050" dirty="0">
                 <a:latin typeface="Consolas" panose="020B0609020204030204" pitchFamily="49" charset="0"/>
               </a:rPr>
-              <a:t>T(1,0,10,7.5)</a:t>
+              <a:t>T(0,0,Ask,10,7.5)</a:t>
             </a:r>
           </a:p>
         </p:txBody>
@@ -6049,7 +11233,7 @@
         </p:nvSpPr>
         <p:spPr>
           <a:xfrm>
-            <a:off x="5216797" y="3511241"/>
+            <a:off x="5504182" y="3511241"/>
             <a:ext cx="1517154" cy="253916"/>
           </a:xfrm>
           <a:prstGeom prst="rect">
@@ -6071,7 +11255,7 @@
               <a:rPr lang="en-US" sz="1050" i="1" dirty="0">
                 <a:latin typeface="Consolas" panose="020B0609020204030204" pitchFamily="49" charset="0"/>
               </a:rPr>
-              <a:t>0 owes 75 to a</a:t>
+              <a:t>a owes 75 to 1</a:t>
             </a:r>
           </a:p>
         </p:txBody>
@@ -6090,7 +11274,7 @@
         </p:nvSpPr>
         <p:spPr>
           <a:xfrm>
-            <a:off x="5216797" y="3676646"/>
+            <a:off x="5504182" y="3676646"/>
             <a:ext cx="1397094" cy="253916"/>
           </a:xfrm>
           <a:prstGeom prst="rect">
@@ -6112,7 +11296,7 @@
               <a:rPr lang="en-US" sz="1050" i="1" dirty="0">
                 <a:latin typeface="Consolas" panose="020B0609020204030204" pitchFamily="49" charset="0"/>
               </a:rPr>
-              <a:t>a owes 75 to a</a:t>
+              <a:t>0 owes 75 to a</a:t>
             </a:r>
           </a:p>
         </p:txBody>
@@ -6710,7 +11894,7 @@
 </p:sld>
 </file>
 
-<file path=ppt/slides/slide2.xml><?xml version="1.0" encoding="utf-8"?>
+<file path=ppt/slides/slide4.xml><?xml version="1.0" encoding="utf-8"?>
 <p:sld xmlns:a="http://schemas.openxmlformats.org/drawingml/2006/main" xmlns:r="http://schemas.openxmlformats.org/officeDocument/2006/relationships" xmlns:p="http://schemas.openxmlformats.org/presentationml/2006/main">
   <p:cSld>
     <p:spTree>
@@ -12130,7 +17314,7 @@
 </p:sld>
 </file>
 
-<file path=ppt/slides/slide3.xml><?xml version="1.0" encoding="utf-8"?>
+<file path=ppt/slides/slide5.xml><?xml version="1.0" encoding="utf-8"?>
 <p:sld xmlns:a="http://schemas.openxmlformats.org/drawingml/2006/main" xmlns:r="http://schemas.openxmlformats.org/officeDocument/2006/relationships" xmlns:p="http://schemas.openxmlformats.org/presentationml/2006/main">
   <p:cSld>
     <p:spTree>

--- a/Balancing_Algorithm/Trading algorithm Visualized.pptx
+++ b/Balancing_Algorithm/Trading algorithm Visualized.pptx
@@ -205,7 +205,7 @@
           <a:p>
             <a:fld id="{3EF2900F-B014-4D46-825F-346E50FA2AB7}" type="datetimeFigureOut">
               <a:rPr lang="nl-NL" smtClean="0"/>
-              <a:t>16-1-2018</a:t>
+              <a:t>23-1-2018</a:t>
             </a:fld>
             <a:endParaRPr lang="nl-NL"/>
           </a:p>
@@ -364,7 +364,7 @@
           <a:p>
             <a:fld id="{517D1064-1535-4378-BBEC-966E9B8F52AE}" type="slidenum">
               <a:rPr lang="nl-NL" smtClean="0"/>
-              <a:t>‹#›</a:t>
+              <a:t>‹nr.›</a:t>
             </a:fld>
             <a:endParaRPr lang="nl-NL"/>
           </a:p>
@@ -622,7 +622,7 @@
           <a:p>
             <a:fld id="{7440B9EE-5EB6-422A-AB9B-24AF2E0CE231}" type="datetimeFigureOut">
               <a:rPr lang="nl-NL" smtClean="0"/>
-              <a:t>16-1-2018</a:t>
+              <a:t>23-1-2018</a:t>
             </a:fld>
             <a:endParaRPr lang="nl-NL"/>
           </a:p>
@@ -676,7 +676,7 @@
           <a:p>
             <a:fld id="{4DF06487-8B8B-47D9-9311-0776B59DF494}" type="slidenum">
               <a:rPr lang="nl-NL" smtClean="0"/>
-              <a:t>‹#›</a:t>
+              <a:t>‹nr.›</a:t>
             </a:fld>
             <a:endParaRPr lang="nl-NL"/>
           </a:p>
@@ -822,7 +822,7 @@
           <a:p>
             <a:fld id="{7440B9EE-5EB6-422A-AB9B-24AF2E0CE231}" type="datetimeFigureOut">
               <a:rPr lang="nl-NL" smtClean="0"/>
-              <a:t>16-1-2018</a:t>
+              <a:t>23-1-2018</a:t>
             </a:fld>
             <a:endParaRPr lang="nl-NL"/>
           </a:p>
@@ -876,7 +876,7 @@
           <a:p>
             <a:fld id="{4DF06487-8B8B-47D9-9311-0776B59DF494}" type="slidenum">
               <a:rPr lang="nl-NL" smtClean="0"/>
-              <a:t>‹#›</a:t>
+              <a:t>‹nr.›</a:t>
             </a:fld>
             <a:endParaRPr lang="nl-NL"/>
           </a:p>
@@ -1032,7 +1032,7 @@
           <a:p>
             <a:fld id="{7440B9EE-5EB6-422A-AB9B-24AF2E0CE231}" type="datetimeFigureOut">
               <a:rPr lang="nl-NL" smtClean="0"/>
-              <a:t>16-1-2018</a:t>
+              <a:t>23-1-2018</a:t>
             </a:fld>
             <a:endParaRPr lang="nl-NL"/>
           </a:p>
@@ -1086,7 +1086,7 @@
           <a:p>
             <a:fld id="{4DF06487-8B8B-47D9-9311-0776B59DF494}" type="slidenum">
               <a:rPr lang="nl-NL" smtClean="0"/>
-              <a:t>‹#›</a:t>
+              <a:t>‹nr.›</a:t>
             </a:fld>
             <a:endParaRPr lang="nl-NL"/>
           </a:p>
@@ -1232,7 +1232,7 @@
           <a:p>
             <a:fld id="{7440B9EE-5EB6-422A-AB9B-24AF2E0CE231}" type="datetimeFigureOut">
               <a:rPr lang="nl-NL" smtClean="0"/>
-              <a:t>16-1-2018</a:t>
+              <a:t>23-1-2018</a:t>
             </a:fld>
             <a:endParaRPr lang="nl-NL"/>
           </a:p>
@@ -1286,7 +1286,7 @@
           <a:p>
             <a:fld id="{4DF06487-8B8B-47D9-9311-0776B59DF494}" type="slidenum">
               <a:rPr lang="nl-NL" smtClean="0"/>
-              <a:t>‹#›</a:t>
+              <a:t>‹nr.›</a:t>
             </a:fld>
             <a:endParaRPr lang="nl-NL"/>
           </a:p>
@@ -1508,7 +1508,7 @@
           <a:p>
             <a:fld id="{7440B9EE-5EB6-422A-AB9B-24AF2E0CE231}" type="datetimeFigureOut">
               <a:rPr lang="nl-NL" smtClean="0"/>
-              <a:t>16-1-2018</a:t>
+              <a:t>23-1-2018</a:t>
             </a:fld>
             <a:endParaRPr lang="nl-NL"/>
           </a:p>
@@ -1562,7 +1562,7 @@
           <a:p>
             <a:fld id="{4DF06487-8B8B-47D9-9311-0776B59DF494}" type="slidenum">
               <a:rPr lang="nl-NL" smtClean="0"/>
-              <a:t>‹#›</a:t>
+              <a:t>‹nr.›</a:t>
             </a:fld>
             <a:endParaRPr lang="nl-NL"/>
           </a:p>
@@ -1776,7 +1776,7 @@
           <a:p>
             <a:fld id="{7440B9EE-5EB6-422A-AB9B-24AF2E0CE231}" type="datetimeFigureOut">
               <a:rPr lang="nl-NL" smtClean="0"/>
-              <a:t>16-1-2018</a:t>
+              <a:t>23-1-2018</a:t>
             </a:fld>
             <a:endParaRPr lang="nl-NL"/>
           </a:p>
@@ -1830,7 +1830,7 @@
           <a:p>
             <a:fld id="{4DF06487-8B8B-47D9-9311-0776B59DF494}" type="slidenum">
               <a:rPr lang="nl-NL" smtClean="0"/>
-              <a:t>‹#›</a:t>
+              <a:t>‹nr.›</a:t>
             </a:fld>
             <a:endParaRPr lang="nl-NL"/>
           </a:p>
@@ -2191,7 +2191,7 @@
           <a:p>
             <a:fld id="{7440B9EE-5EB6-422A-AB9B-24AF2E0CE231}" type="datetimeFigureOut">
               <a:rPr lang="nl-NL" smtClean="0"/>
-              <a:t>16-1-2018</a:t>
+              <a:t>23-1-2018</a:t>
             </a:fld>
             <a:endParaRPr lang="nl-NL"/>
           </a:p>
@@ -2245,7 +2245,7 @@
           <a:p>
             <a:fld id="{4DF06487-8B8B-47D9-9311-0776B59DF494}" type="slidenum">
               <a:rPr lang="nl-NL" smtClean="0"/>
-              <a:t>‹#›</a:t>
+              <a:t>‹nr.›</a:t>
             </a:fld>
             <a:endParaRPr lang="nl-NL"/>
           </a:p>
@@ -2333,7 +2333,7 @@
           <a:p>
             <a:fld id="{7440B9EE-5EB6-422A-AB9B-24AF2E0CE231}" type="datetimeFigureOut">
               <a:rPr lang="nl-NL" smtClean="0"/>
-              <a:t>16-1-2018</a:t>
+              <a:t>23-1-2018</a:t>
             </a:fld>
             <a:endParaRPr lang="nl-NL"/>
           </a:p>
@@ -2387,7 +2387,7 @@
           <a:p>
             <a:fld id="{4DF06487-8B8B-47D9-9311-0776B59DF494}" type="slidenum">
               <a:rPr lang="nl-NL" smtClean="0"/>
-              <a:t>‹#›</a:t>
+              <a:t>‹nr.›</a:t>
             </a:fld>
             <a:endParaRPr lang="nl-NL"/>
           </a:p>
@@ -2446,7 +2446,7 @@
           <a:p>
             <a:fld id="{7440B9EE-5EB6-422A-AB9B-24AF2E0CE231}" type="datetimeFigureOut">
               <a:rPr lang="nl-NL" smtClean="0"/>
-              <a:t>16-1-2018</a:t>
+              <a:t>23-1-2018</a:t>
             </a:fld>
             <a:endParaRPr lang="nl-NL"/>
           </a:p>
@@ -2500,7 +2500,7 @@
           <a:p>
             <a:fld id="{4DF06487-8B8B-47D9-9311-0776B59DF494}" type="slidenum">
               <a:rPr lang="nl-NL" smtClean="0"/>
-              <a:t>‹#›</a:t>
+              <a:t>‹nr.›</a:t>
             </a:fld>
             <a:endParaRPr lang="nl-NL"/>
           </a:p>
@@ -2759,7 +2759,7 @@
           <a:p>
             <a:fld id="{7440B9EE-5EB6-422A-AB9B-24AF2E0CE231}" type="datetimeFigureOut">
               <a:rPr lang="nl-NL" smtClean="0"/>
-              <a:t>16-1-2018</a:t>
+              <a:t>23-1-2018</a:t>
             </a:fld>
             <a:endParaRPr lang="nl-NL"/>
           </a:p>
@@ -2813,7 +2813,7 @@
           <a:p>
             <a:fld id="{4DF06487-8B8B-47D9-9311-0776B59DF494}" type="slidenum">
               <a:rPr lang="nl-NL" smtClean="0"/>
-              <a:t>‹#›</a:t>
+              <a:t>‹nr.›</a:t>
             </a:fld>
             <a:endParaRPr lang="nl-NL"/>
           </a:p>
@@ -3048,7 +3048,7 @@
           <a:p>
             <a:fld id="{7440B9EE-5EB6-422A-AB9B-24AF2E0CE231}" type="datetimeFigureOut">
               <a:rPr lang="nl-NL" smtClean="0"/>
-              <a:t>16-1-2018</a:t>
+              <a:t>23-1-2018</a:t>
             </a:fld>
             <a:endParaRPr lang="nl-NL"/>
           </a:p>
@@ -3102,7 +3102,7 @@
           <a:p>
             <a:fld id="{4DF06487-8B8B-47D9-9311-0776B59DF494}" type="slidenum">
               <a:rPr lang="nl-NL" smtClean="0"/>
-              <a:t>‹#›</a:t>
+              <a:t>‹nr.›</a:t>
             </a:fld>
             <a:endParaRPr lang="nl-NL"/>
           </a:p>
@@ -3291,7 +3291,7 @@
           <a:p>
             <a:fld id="{7440B9EE-5EB6-422A-AB9B-24AF2E0CE231}" type="datetimeFigureOut">
               <a:rPr lang="nl-NL" smtClean="0"/>
-              <a:t>16-1-2018</a:t>
+              <a:t>23-1-2018</a:t>
             </a:fld>
             <a:endParaRPr lang="nl-NL"/>
           </a:p>
@@ -3381,7 +3381,7 @@
           <a:p>
             <a:fld id="{4DF06487-8B8B-47D9-9311-0776B59DF494}" type="slidenum">
               <a:rPr lang="nl-NL" smtClean="0"/>
-              <a:t>‹#›</a:t>
+              <a:t>‹nr.›</a:t>
             </a:fld>
             <a:endParaRPr lang="nl-NL"/>
           </a:p>
@@ -18496,7 +18496,7 @@
         <p:spPr>
           <a:xfrm>
             <a:off x="5123640" y="3997410"/>
-            <a:ext cx="1744526" cy="428603"/>
+            <a:ext cx="2191560" cy="428603"/>
           </a:xfrm>
           <a:prstGeom prst="rect">
             <a:avLst/>
@@ -18544,8 +18544,8 @@
         </p:nvSpPr>
         <p:spPr>
           <a:xfrm>
-            <a:off x="5123640" y="4537213"/>
-            <a:ext cx="1744526" cy="428603"/>
+            <a:off x="5123640" y="4508491"/>
+            <a:ext cx="2191560" cy="428603"/>
           </a:xfrm>
           <a:prstGeom prst="rect">
             <a:avLst/>
@@ -18594,7 +18594,7 @@
         <p:spPr>
           <a:xfrm>
             <a:off x="5123640" y="3501643"/>
-            <a:ext cx="1744526" cy="428603"/>
+            <a:ext cx="2191560" cy="428603"/>
           </a:xfrm>
           <a:prstGeom prst="rect">
             <a:avLst/>
@@ -19738,7 +19738,7 @@
         <p:spPr>
           <a:xfrm>
             <a:off x="5262543" y="3994898"/>
-            <a:ext cx="1666914" cy="415498"/>
+            <a:ext cx="1992836" cy="415498"/>
           </a:xfrm>
           <a:prstGeom prst="rect">
             <a:avLst/>
@@ -19788,7 +19788,7 @@
         <p:spPr>
           <a:xfrm>
             <a:off x="5455547" y="4088954"/>
-            <a:ext cx="1412619" cy="253916"/>
+            <a:ext cx="1799832" cy="253916"/>
           </a:xfrm>
           <a:prstGeom prst="rect">
             <a:avLst/>
@@ -19809,7 +19809,7 @@
               <a:rPr lang="en-US" sz="1050" dirty="0">
                 <a:latin typeface="Consolas" panose="020B0609020204030204" pitchFamily="49" charset="0"/>
               </a:rPr>
-              <a:t>X 39 = 29.3 = 29</a:t>
+              <a:t>X (74-35) = 29.3 = 29</a:t>
             </a:r>
           </a:p>
         </p:txBody>
@@ -19879,7 +19879,7 @@
         <p:spPr>
           <a:xfrm>
             <a:off x="5455547" y="4615652"/>
-            <a:ext cx="1412619" cy="253916"/>
+            <a:ext cx="1936565" cy="253916"/>
           </a:xfrm>
           <a:prstGeom prst="rect">
             <a:avLst/>
@@ -19900,7 +19900,7 @@
               <a:rPr lang="en-US" sz="1050" dirty="0">
                 <a:latin typeface="Consolas" panose="020B0609020204030204" pitchFamily="49" charset="0"/>
               </a:rPr>
-              <a:t>X 10 = 10.0 = 10</a:t>
+              <a:t>X (74-35-29) = 10.0 = 10</a:t>
             </a:r>
           </a:p>
         </p:txBody>
@@ -19955,6 +19955,7 @@
             </a:extLst>
           </p:cNvPr>
           <p:cNvCxnSpPr>
+            <a:cxnSpLocks/>
             <a:stCxn id="38" idx="3"/>
             <a:endCxn id="58" idx="1"/>
           </p:cNvCxnSpPr>
@@ -19963,7 +19964,7 @@
         <p:spPr>
           <a:xfrm>
             <a:off x="4390796" y="4215912"/>
-            <a:ext cx="732844" cy="535603"/>
+            <a:ext cx="732844" cy="506881"/>
           </a:xfrm>
           <a:prstGeom prst="line">
             <a:avLst/>
